--- a/neo4j-evalais/pres/evalais_neo4j.pptx
+++ b/neo4j-evalais/pres/evalais_neo4j.pptx
@@ -1,40 +1,41 @@
 
 <file path=ppt/presentation.xml><?xml version="1.0" encoding="utf-8"?>
-<p:presentation xmlns:a="http://schemas.openxmlformats.org/drawingml/2006/main" xmlns:r="http://schemas.openxmlformats.org/officeDocument/2006/relationships" xmlns:p="http://schemas.openxmlformats.org/presentationml/2006/main" strictFirstAndLastChars="0" saveSubsetFonts="1" autoCompressPictures="0">
+<p:presentation xmlns:a="http://schemas.openxmlformats.org/drawingml/2006/main" xmlns:r="http://schemas.openxmlformats.org/officeDocument/2006/relationships" xmlns:p="http://schemas.openxmlformats.org/presentationml/2006/main" serverZoom="23364" strictFirstAndLastChars="0" saveSubsetFonts="1" autoCompressPictures="0">
   <p:sldMasterIdLst>
     <p:sldMasterId id="2147484047" r:id="rId1"/>
   </p:sldMasterIdLst>
   <p:notesMasterIdLst>
-    <p:notesMasterId r:id="rId26"/>
+    <p:notesMasterId r:id="rId27"/>
   </p:notesMasterIdLst>
   <p:handoutMasterIdLst>
-    <p:handoutMasterId r:id="rId27"/>
+    <p:handoutMasterId r:id="rId28"/>
   </p:handoutMasterIdLst>
   <p:sldIdLst>
     <p:sldId id="423" r:id="rId2"/>
-    <p:sldId id="422" r:id="rId3"/>
-    <p:sldId id="424" r:id="rId4"/>
-    <p:sldId id="400" r:id="rId5"/>
-    <p:sldId id="401" r:id="rId6"/>
-    <p:sldId id="402" r:id="rId7"/>
-    <p:sldId id="403" r:id="rId8"/>
-    <p:sldId id="404" r:id="rId9"/>
-    <p:sldId id="406" r:id="rId10"/>
-    <p:sldId id="414" r:id="rId11"/>
-    <p:sldId id="416" r:id="rId12"/>
-    <p:sldId id="409" r:id="rId13"/>
-    <p:sldId id="415" r:id="rId14"/>
-    <p:sldId id="425" r:id="rId15"/>
-    <p:sldId id="368" r:id="rId16"/>
-    <p:sldId id="418" r:id="rId17"/>
-    <p:sldId id="407" r:id="rId18"/>
-    <p:sldId id="420" r:id="rId19"/>
-    <p:sldId id="421" r:id="rId20"/>
-    <p:sldId id="411" r:id="rId21"/>
-    <p:sldId id="426" r:id="rId22"/>
-    <p:sldId id="398" r:id="rId23"/>
-    <p:sldId id="408" r:id="rId24"/>
-    <p:sldId id="427" r:id="rId25"/>
+    <p:sldId id="428" r:id="rId3"/>
+    <p:sldId id="429" r:id="rId4"/>
+    <p:sldId id="424" r:id="rId5"/>
+    <p:sldId id="400" r:id="rId6"/>
+    <p:sldId id="401" r:id="rId7"/>
+    <p:sldId id="402" r:id="rId8"/>
+    <p:sldId id="403" r:id="rId9"/>
+    <p:sldId id="404" r:id="rId10"/>
+    <p:sldId id="406" r:id="rId11"/>
+    <p:sldId id="414" r:id="rId12"/>
+    <p:sldId id="416" r:id="rId13"/>
+    <p:sldId id="409" r:id="rId14"/>
+    <p:sldId id="415" r:id="rId15"/>
+    <p:sldId id="425" r:id="rId16"/>
+    <p:sldId id="368" r:id="rId17"/>
+    <p:sldId id="418" r:id="rId18"/>
+    <p:sldId id="407" r:id="rId19"/>
+    <p:sldId id="420" r:id="rId20"/>
+    <p:sldId id="421" r:id="rId21"/>
+    <p:sldId id="411" r:id="rId22"/>
+    <p:sldId id="426" r:id="rId23"/>
+    <p:sldId id="398" r:id="rId24"/>
+    <p:sldId id="408" r:id="rId25"/>
+    <p:sldId id="427" r:id="rId26"/>
   </p:sldIdLst>
   <p:sldSz cx="9144000" cy="6858000" type="screen4x3"/>
   <p:notesSz cx="6797675" cy="9928225"/>
@@ -165,7 +166,7 @@
   </p:defaultTextStyle>
   <p:extLst>
     <p:ext uri="{EFAFB233-063F-42B5-8137-9DF3F51BA10A}">
-      <p15:sldGuideLst xmlns:p15="http://schemas.microsoft.com/office/powerpoint/2012/main" xmlns="">
+      <p15:sldGuideLst xmlns:p15="http://schemas.microsoft.com/office/powerpoint/2012/main">
         <p15:guide id="1" orient="horz" pos="2157">
           <p15:clr>
             <a:srgbClr val="A4A3A4"/>
@@ -234,7 +235,18 @@
       </p15:sldGuideLst>
     </p:ext>
     <p:ext uri="{2D200454-40CA-4A62-9FC3-DE9A4176ACB9}">
-      <p15:notesGuideLst xmlns:p15="http://schemas.microsoft.com/office/powerpoint/2012/main" xmlns=""/>
+      <p15:notesGuideLst xmlns:p15="http://schemas.microsoft.com/office/powerpoint/2012/main">
+        <p15:guide id="1" orient="horz" pos="3127">
+          <p15:clr>
+            <a:srgbClr val="A4A3A4"/>
+          </p15:clr>
+        </p15:guide>
+        <p15:guide id="2" pos="2141">
+          <p15:clr>
+            <a:srgbClr val="A4A3A4"/>
+          </p15:clr>
+        </p15:guide>
+      </p15:notesGuideLst>
     </p:ext>
   </p:extLst>
 </p:presentation>
@@ -1015,7 +1027,7 @@
               <a:pPr>
                 <a:defRPr/>
               </a:pPr>
-              <a:t>2</a:t>
+              <a:t>3</a:t>
             </a:fld>
             <a:endParaRPr lang="de-DE" altLang="fr-FR"/>
           </a:p>
@@ -1024,7 +1036,7 @@
     </p:spTree>
     <p:extLst>
       <p:ext uri="{BB962C8B-B14F-4D97-AF65-F5344CB8AC3E}">
-        <p14:creationId xmlns:p14="http://schemas.microsoft.com/office/powerpoint/2010/main" val="2908360140"/>
+        <p14:creationId xmlns:p14="http://schemas.microsoft.com/office/powerpoint/2010/main" val="3165147971"/>
       </p:ext>
     </p:extLst>
   </p:cSld>
@@ -1196,7 +1208,7 @@
             <a:fld id="{CA90B305-0232-43A1-9EB5-54375DCFF8D0}" type="slidenum">
               <a:rPr lang="de-DE" altLang="fr-FR" sz="1200" smtClean="0"/>
               <a:pPr/>
-              <a:t>20</a:t>
+              <a:t>21</a:t>
             </a:fld>
             <a:endParaRPr lang="de-DE" altLang="fr-FR" sz="1200" smtClean="0"/>
           </a:p>
@@ -1395,7 +1407,7 @@
               <a:pPr>
                 <a:defRPr/>
               </a:pPr>
-              <a:t>22</a:t>
+              <a:t>23</a:t>
             </a:fld>
             <a:endParaRPr lang="de-DE" altLang="fr-FR"/>
           </a:p>
@@ -1576,7 +1588,7 @@
             <a:fld id="{CA90B305-0232-43A1-9EB5-54375DCFF8D0}" type="slidenum">
               <a:rPr lang="de-DE" altLang="fr-FR" sz="1200" smtClean="0"/>
               <a:pPr/>
-              <a:t>9</a:t>
+              <a:t>10</a:t>
             </a:fld>
             <a:endParaRPr lang="de-DE" altLang="fr-FR" sz="1200" smtClean="0"/>
           </a:p>
@@ -1814,7 +1826,7 @@
             <a:fld id="{CA90B305-0232-43A1-9EB5-54375DCFF8D0}" type="slidenum">
               <a:rPr lang="de-DE" altLang="fr-FR" sz="1200" smtClean="0"/>
               <a:pPr/>
-              <a:t>10</a:t>
+              <a:t>11</a:t>
             </a:fld>
             <a:endParaRPr lang="de-DE" altLang="fr-FR" sz="1200" smtClean="0"/>
           </a:p>
@@ -2052,7 +2064,7 @@
             <a:fld id="{CA90B305-0232-43A1-9EB5-54375DCFF8D0}" type="slidenum">
               <a:rPr lang="de-DE" altLang="fr-FR" sz="1200" smtClean="0"/>
               <a:pPr/>
-              <a:t>12</a:t>
+              <a:t>13</a:t>
             </a:fld>
             <a:endParaRPr lang="de-DE" altLang="fr-FR" sz="1200" smtClean="0"/>
           </a:p>
@@ -2419,7 +2431,7 @@
             <a:fld id="{CA90B305-0232-43A1-9EB5-54375DCFF8D0}" type="slidenum">
               <a:rPr lang="de-DE" altLang="fr-FR" sz="1200" smtClean="0"/>
               <a:pPr/>
-              <a:t>15</a:t>
+              <a:t>16</a:t>
             </a:fld>
             <a:endParaRPr lang="de-DE" altLang="fr-FR" sz="1200" smtClean="0"/>
           </a:p>
@@ -2669,7 +2681,7 @@
             <a:fld id="{CA90B305-0232-43A1-9EB5-54375DCFF8D0}" type="slidenum">
               <a:rPr lang="de-DE" altLang="fr-FR" sz="1200" smtClean="0"/>
               <a:pPr/>
-              <a:t>16</a:t>
+              <a:t>17</a:t>
             </a:fld>
             <a:endParaRPr lang="de-DE" altLang="fr-FR" sz="1200" smtClean="0"/>
           </a:p>
@@ -2919,7 +2931,7 @@
             <a:fld id="{CA90B305-0232-43A1-9EB5-54375DCFF8D0}" type="slidenum">
               <a:rPr lang="de-DE" altLang="fr-FR" sz="1200" smtClean="0"/>
               <a:pPr/>
-              <a:t>17</a:t>
+              <a:t>18</a:t>
             </a:fld>
             <a:endParaRPr lang="de-DE" altLang="fr-FR" sz="1200" smtClean="0"/>
           </a:p>
@@ -3157,7 +3169,7 @@
             <a:fld id="{CA90B305-0232-43A1-9EB5-54375DCFF8D0}" type="slidenum">
               <a:rPr lang="de-DE" altLang="fr-FR" sz="1200" smtClean="0"/>
               <a:pPr/>
-              <a:t>18</a:t>
+              <a:t>19</a:t>
             </a:fld>
             <a:endParaRPr lang="de-DE" altLang="fr-FR" sz="1200" smtClean="0"/>
           </a:p>
@@ -4033,7 +4045,7 @@
             <a:fld id="{CA90B305-0232-43A1-9EB5-54375DCFF8D0}" type="slidenum">
               <a:rPr lang="de-DE" altLang="fr-FR" sz="1200" smtClean="0"/>
               <a:pPr/>
-              <a:t>19</a:t>
+              <a:t>20</a:t>
             </a:fld>
             <a:endParaRPr lang="de-DE" altLang="fr-FR" sz="1200" smtClean="0"/>
           </a:p>
@@ -4320,7 +4332,7 @@
           <a:p>
             <a:fld id="{6010918A-62B2-45B2-91CD-32D5173E3093}" type="datetimeFigureOut">
               <a:rPr lang="fr-CH" smtClean="0"/>
-              <a:t>09.06.2017</a:t>
+              <a:t>18.06.2017</a:t>
             </a:fld>
             <a:endParaRPr lang="fr-CH"/>
           </a:p>
@@ -4526,7 +4538,7 @@
           <a:p>
             <a:fld id="{6010918A-62B2-45B2-91CD-32D5173E3093}" type="datetimeFigureOut">
               <a:rPr lang="fr-CH" smtClean="0"/>
-              <a:t>09.06.2017</a:t>
+              <a:t>18.06.2017</a:t>
             </a:fld>
             <a:endParaRPr lang="fr-CH"/>
           </a:p>
@@ -4707,7 +4719,7 @@
           <a:p>
             <a:fld id="{6010918A-62B2-45B2-91CD-32D5173E3093}" type="datetimeFigureOut">
               <a:rPr lang="fr-CH" smtClean="0"/>
-              <a:t>09.06.2017</a:t>
+              <a:t>18.06.2017</a:t>
             </a:fld>
             <a:endParaRPr lang="fr-CH"/>
           </a:p>
@@ -4878,7 +4890,7 @@
           <a:p>
             <a:fld id="{6010918A-62B2-45B2-91CD-32D5173E3093}" type="datetimeFigureOut">
               <a:rPr lang="fr-CH" smtClean="0"/>
-              <a:t>09.06.2017</a:t>
+              <a:t>18.06.2017</a:t>
             </a:fld>
             <a:endParaRPr lang="fr-CH"/>
           </a:p>
@@ -5132,7 +5144,7 @@
           <a:p>
             <a:fld id="{6010918A-62B2-45B2-91CD-32D5173E3093}" type="datetimeFigureOut">
               <a:rPr lang="fr-CH" smtClean="0"/>
-              <a:t>09.06.2017</a:t>
+              <a:t>18.06.2017</a:t>
             </a:fld>
             <a:endParaRPr lang="fr-CH"/>
           </a:p>
@@ -5456,7 +5468,7 @@
           <a:p>
             <a:fld id="{6010918A-62B2-45B2-91CD-32D5173E3093}" type="datetimeFigureOut">
               <a:rPr lang="fr-CH" smtClean="0"/>
-              <a:t>09.06.2017</a:t>
+              <a:t>18.06.2017</a:t>
             </a:fld>
             <a:endParaRPr lang="fr-CH"/>
           </a:p>
@@ -5928,7 +5940,7 @@
           <a:p>
             <a:fld id="{6010918A-62B2-45B2-91CD-32D5173E3093}" type="datetimeFigureOut">
               <a:rPr lang="fr-CH" smtClean="0"/>
-              <a:t>09.06.2017</a:t>
+              <a:t>18.06.2017</a:t>
             </a:fld>
             <a:endParaRPr lang="fr-CH"/>
           </a:p>
@@ -6082,7 +6094,7 @@
           <a:p>
             <a:fld id="{6010918A-62B2-45B2-91CD-32D5173E3093}" type="datetimeFigureOut">
               <a:rPr lang="fr-CH" smtClean="0"/>
-              <a:t>09.06.2017</a:t>
+              <a:t>18.06.2017</a:t>
             </a:fld>
             <a:endParaRPr lang="fr-CH"/>
           </a:p>
@@ -6178,7 +6190,7 @@
           <a:p>
             <a:fld id="{6010918A-62B2-45B2-91CD-32D5173E3093}" type="datetimeFigureOut">
               <a:rPr lang="fr-CH" smtClean="0"/>
-              <a:t>09.06.2017</a:t>
+              <a:t>18.06.2017</a:t>
             </a:fld>
             <a:endParaRPr lang="fr-CH"/>
           </a:p>
@@ -6458,7 +6470,7 @@
           <a:p>
             <a:fld id="{6010918A-62B2-45B2-91CD-32D5173E3093}" type="datetimeFigureOut">
               <a:rPr lang="fr-CH" smtClean="0"/>
-              <a:t>09.06.2017</a:t>
+              <a:t>18.06.2017</a:t>
             </a:fld>
             <a:endParaRPr lang="fr-CH"/>
           </a:p>
@@ -6769,7 +6781,7 @@
           <a:p>
             <a:fld id="{6010918A-62B2-45B2-91CD-32D5173E3093}" type="datetimeFigureOut">
               <a:rPr lang="fr-CH" smtClean="0"/>
-              <a:t>09.06.2017</a:t>
+              <a:t>18.06.2017</a:t>
             </a:fld>
             <a:endParaRPr lang="fr-CH"/>
           </a:p>
@@ -7073,7 +7085,7 @@
           <a:p>
             <a:fld id="{6010918A-62B2-45B2-91CD-32D5173E3093}" type="datetimeFigureOut">
               <a:rPr lang="fr-CH" smtClean="0"/>
-              <a:t>09.06.2017</a:t>
+              <a:t>18.06.2017</a:t>
             </a:fld>
             <a:endParaRPr lang="fr-CH"/>
           </a:p>
@@ -7524,10 +7536,12 @@
           </a:p>
           <a:p>
             <a:r>
-              <a:rPr lang="fr-CH" dirty="0" smtClean="0"/>
+              <a:rPr lang="fr-CH" dirty="0"/>
               <a:t>Neo4j</a:t>
             </a:r>
-            <a:endParaRPr lang="fr-CH" dirty="0"/>
+          </a:p>
+          <a:p>
+            <a:endParaRPr lang="fr-CH" dirty="0" smtClean="0"/>
           </a:p>
         </p:txBody>
       </p:sp>
@@ -7634,6 +7648,191 @@
         </p:nvSpPr>
         <p:spPr>
           <a:xfrm>
+            <a:off x="581892" y="476250"/>
+            <a:ext cx="7842972" cy="820535"/>
+          </a:xfrm>
+        </p:spPr>
+        <p:txBody>
+          <a:bodyPr vert="horz" lIns="91440" tIns="45720" rIns="91440" bIns="45720" rtlCol="0" anchor="ctr">
+            <a:normAutofit/>
+          </a:bodyPr>
+          <a:lstStyle/>
+          <a:p>
+            <a:r>
+              <a:rPr lang="fr-CH" altLang="fr-FR" sz="3200" dirty="0" err="1">
+                <a:latin typeface="HelveticaNeueLT Com 65 Md" panose="020B0604020202020204" pitchFamily="34" charset="0"/>
+              </a:rPr>
+              <a:t>Nosql</a:t>
+            </a:r>
+            <a:r>
+              <a:rPr lang="fr-CH" altLang="fr-FR" sz="3200" dirty="0">
+                <a:latin typeface="HelveticaNeueLT Com 65 Md" panose="020B0604020202020204" pitchFamily="34" charset="0"/>
+              </a:rPr>
+              <a:t> vs relationnel</a:t>
+            </a:r>
+          </a:p>
+        </p:txBody>
+      </p:sp>
+      <p:pic>
+        <p:nvPicPr>
+          <p:cNvPr id="3" name="Picture 3"/>
+          <p:cNvPicPr>
+            <a:picLocks noChangeAspect="1" noChangeArrowheads="1"/>
+          </p:cNvPicPr>
+          <p:nvPr/>
+        </p:nvPicPr>
+        <p:blipFill>
+          <a:blip r:embed="rId3">
+            <a:extLst>
+              <a:ext uri="{28A0092B-C50C-407E-A947-70E740481C1C}">
+                <a14:useLocalDpi xmlns:a14="http://schemas.microsoft.com/office/drawing/2010/main" val="0"/>
+              </a:ext>
+            </a:extLst>
+          </a:blip>
+          <a:srcRect/>
+          <a:stretch>
+            <a:fillRect/>
+          </a:stretch>
+        </p:blipFill>
+        <p:spPr bwMode="auto">
+          <a:xfrm>
+            <a:off x="4347555" y="3631495"/>
+            <a:ext cx="4617229" cy="3045143"/>
+          </a:xfrm>
+          <a:prstGeom prst="rect">
+            <a:avLst/>
+          </a:prstGeom>
+          <a:noFill/>
+          <a:ln>
+            <a:noFill/>
+          </a:ln>
+          <a:extLst>
+            <a:ext uri="{909E8E84-426E-40DD-AFC4-6F175D3DCCD1}">
+              <a14:hiddenFill xmlns:a14="http://schemas.microsoft.com/office/drawing/2010/main">
+                <a:solidFill>
+                  <a:schemeClr val="accent1"/>
+                </a:solidFill>
+              </a14:hiddenFill>
+            </a:ext>
+            <a:ext uri="{91240B29-F687-4F45-9708-019B960494DF}">
+              <a14:hiddenLine xmlns:a14="http://schemas.microsoft.com/office/drawing/2010/main" w="9525">
+                <a:solidFill>
+                  <a:schemeClr val="tx1"/>
+                </a:solidFill>
+                <a:miter lim="800000"/>
+                <a:headEnd/>
+                <a:tailEnd/>
+              </a14:hiddenLine>
+            </a:ext>
+          </a:extLst>
+        </p:spPr>
+      </p:pic>
+      <p:pic>
+        <p:nvPicPr>
+          <p:cNvPr id="2" name="Picture 2"/>
+          <p:cNvPicPr>
+            <a:picLocks noChangeAspect="1" noChangeArrowheads="1"/>
+          </p:cNvPicPr>
+          <p:nvPr/>
+        </p:nvPicPr>
+        <p:blipFill>
+          <a:blip r:embed="rId4">
+            <a:extLst>
+              <a:ext uri="{28A0092B-C50C-407E-A947-70E740481C1C}">
+                <a14:useLocalDpi xmlns:a14="http://schemas.microsoft.com/office/drawing/2010/main" val="0"/>
+              </a:ext>
+            </a:extLst>
+          </a:blip>
+          <a:srcRect/>
+          <a:stretch>
+            <a:fillRect/>
+          </a:stretch>
+        </p:blipFill>
+        <p:spPr bwMode="auto">
+          <a:xfrm>
+            <a:off x="301117" y="1299932"/>
+            <a:ext cx="4570872" cy="2286000"/>
+          </a:xfrm>
+          <a:prstGeom prst="rect">
+            <a:avLst/>
+          </a:prstGeom>
+          <a:noFill/>
+          <a:ln>
+            <a:noFill/>
+          </a:ln>
+          <a:extLst>
+            <a:ext uri="{909E8E84-426E-40DD-AFC4-6F175D3DCCD1}">
+              <a14:hiddenFill xmlns:a14="http://schemas.microsoft.com/office/drawing/2010/main">
+                <a:solidFill>
+                  <a:schemeClr val="accent1"/>
+                </a:solidFill>
+              </a14:hiddenFill>
+            </a:ext>
+            <a:ext uri="{91240B29-F687-4F45-9708-019B960494DF}">
+              <a14:hiddenLine xmlns:a14="http://schemas.microsoft.com/office/drawing/2010/main" w="9525">
+                <a:solidFill>
+                  <a:schemeClr val="tx1"/>
+                </a:solidFill>
+                <a:miter lim="800000"/>
+                <a:headEnd/>
+                <a:tailEnd/>
+              </a14:hiddenLine>
+            </a:ext>
+          </a:extLst>
+        </p:spPr>
+      </p:pic>
+    </p:spTree>
+    <p:extLst>
+      <p:ext uri="{BB962C8B-B14F-4D97-AF65-F5344CB8AC3E}">
+        <p14:creationId xmlns:p14="http://schemas.microsoft.com/office/powerpoint/2010/main" val="1076005922"/>
+      </p:ext>
+    </p:extLst>
+  </p:cSld>
+  <p:clrMapOvr>
+    <a:masterClrMapping/>
+  </p:clrMapOvr>
+  <p:transition spd="med">
+    <p:fade/>
+  </p:transition>
+  <p:timing>
+    <p:tnLst>
+      <p:par>
+        <p:cTn id="1" dur="indefinite" restart="never" nodeType="tmRoot"/>
+      </p:par>
+    </p:tnLst>
+  </p:timing>
+</p:sld>
+</file>
+
+<file path=ppt/slides/slide11.xml><?xml version="1.0" encoding="utf-8"?>
+<p:sld xmlns:a="http://schemas.openxmlformats.org/drawingml/2006/main" xmlns:r="http://schemas.openxmlformats.org/officeDocument/2006/relationships" xmlns:p="http://schemas.openxmlformats.org/presentationml/2006/main">
+  <p:cSld>
+    <p:spTree>
+      <p:nvGrpSpPr>
+        <p:cNvPr id="1" name=""/>
+        <p:cNvGrpSpPr/>
+        <p:nvPr/>
+      </p:nvGrpSpPr>
+      <p:grpSpPr>
+        <a:xfrm>
+          <a:off x="0" y="0"/>
+          <a:ext cx="0" cy="0"/>
+          <a:chOff x="0" y="0"/>
+          <a:chExt cx="0" cy="0"/>
+        </a:xfrm>
+      </p:grpSpPr>
+      <p:sp>
+        <p:nvSpPr>
+          <p:cNvPr id="26627" name="Rectangle 22"/>
+          <p:cNvSpPr>
+            <a:spLocks noGrp="1" noChangeArrowheads="1"/>
+          </p:cNvSpPr>
+          <p:nvPr>
+            <p:ph type="title"/>
+          </p:nvPr>
+        </p:nvSpPr>
+        <p:spPr>
+          <a:xfrm>
             <a:off x="565266" y="476250"/>
             <a:ext cx="7859598" cy="770659"/>
           </a:xfrm>
@@ -7829,7 +8028,7 @@
 </p:sld>
 </file>
 
-<file path=ppt/slides/slide11.xml><?xml version="1.0" encoding="utf-8"?>
+<file path=ppt/slides/slide12.xml><?xml version="1.0" encoding="utf-8"?>
 <p:sld xmlns:a="http://schemas.openxmlformats.org/drawingml/2006/main" xmlns:r="http://schemas.openxmlformats.org/officeDocument/2006/relationships" xmlns:p="http://schemas.openxmlformats.org/presentationml/2006/main">
   <p:cSld>
     <p:spTree>
@@ -7940,11 +8139,11 @@
   <p:clrMapOvr>
     <a:masterClrMapping/>
   </p:clrMapOvr>
-  <mc:AlternateContent xmlns:mc="http://schemas.openxmlformats.org/markup-compatibility/2006">
-    <mc:Choice xmlns:p14="http://schemas.microsoft.com/office/powerpoint/2010/main" Requires="p14">
+  <mc:AlternateContent xmlns:mc="http://schemas.openxmlformats.org/markup-compatibility/2006" xmlns:p14="http://schemas.microsoft.com/office/powerpoint/2010/main">
+    <mc:Choice Requires="p14">
       <p:transition spd="slow" p14:dur="2000"/>
     </mc:Choice>
-    <mc:Fallback>
+    <mc:Fallback xmlns="">
       <p:transition spd="slow"/>
     </mc:Fallback>
   </mc:AlternateContent>
@@ -7958,7 +8157,7 @@
 </p:sld>
 </file>
 
-<file path=ppt/slides/slide12.xml><?xml version="1.0" encoding="utf-8"?>
+<file path=ppt/slides/slide13.xml><?xml version="1.0" encoding="utf-8"?>
 <p:sld xmlns:a="http://schemas.openxmlformats.org/drawingml/2006/main" xmlns:r="http://schemas.openxmlformats.org/officeDocument/2006/relationships" xmlns:p="http://schemas.openxmlformats.org/presentationml/2006/main">
   <p:cSld>
     <p:spTree>
@@ -8148,7 +8347,7 @@
 </p:sld>
 </file>
 
-<file path=ppt/slides/slide13.xml><?xml version="1.0" encoding="utf-8"?>
+<file path=ppt/slides/slide14.xml><?xml version="1.0" encoding="utf-8"?>
 <p:sld xmlns:a="http://schemas.openxmlformats.org/drawingml/2006/main" xmlns:r="http://schemas.openxmlformats.org/officeDocument/2006/relationships" xmlns:p="http://schemas.openxmlformats.org/presentationml/2006/main">
   <p:cSld>
     <p:spTree>
@@ -8333,11 +8532,11 @@
   <p:clrMapOvr>
     <a:masterClrMapping/>
   </p:clrMapOvr>
-  <mc:AlternateContent xmlns:mc="http://schemas.openxmlformats.org/markup-compatibility/2006">
-    <mc:Choice xmlns:p14="http://schemas.microsoft.com/office/powerpoint/2010/main" Requires="p14">
+  <mc:AlternateContent xmlns:mc="http://schemas.openxmlformats.org/markup-compatibility/2006" xmlns:p14="http://schemas.microsoft.com/office/powerpoint/2010/main">
+    <mc:Choice Requires="p14">
       <p:transition spd="slow" p14:dur="2000"/>
     </mc:Choice>
-    <mc:Fallback>
+    <mc:Fallback xmlns="">
       <p:transition spd="slow"/>
     </mc:Fallback>
   </mc:AlternateContent>
@@ -8351,7 +8550,7 @@
 </p:sld>
 </file>
 
-<file path=ppt/slides/slide14.xml><?xml version="1.0" encoding="utf-8"?>
+<file path=ppt/slides/slide15.xml><?xml version="1.0" encoding="utf-8"?>
 <p:sld xmlns:a="http://schemas.openxmlformats.org/drawingml/2006/main" xmlns:r="http://schemas.openxmlformats.org/officeDocument/2006/relationships" xmlns:p="http://schemas.openxmlformats.org/presentationml/2006/main">
   <p:cSld>
     <p:spTree>
@@ -8435,7 +8634,7 @@
 </p:sld>
 </file>
 
-<file path=ppt/slides/slide15.xml><?xml version="1.0" encoding="utf-8"?>
+<file path=ppt/slides/slide16.xml><?xml version="1.0" encoding="utf-8"?>
 <p:sld xmlns:a="http://schemas.openxmlformats.org/drawingml/2006/main" xmlns:r="http://schemas.openxmlformats.org/officeDocument/2006/relationships" xmlns:p="http://schemas.openxmlformats.org/presentationml/2006/main">
   <p:cSld>
     <p:spTree>
@@ -8639,7 +8838,7 @@
 </p:sld>
 </file>
 
-<file path=ppt/slides/slide16.xml><?xml version="1.0" encoding="utf-8"?>
+<file path=ppt/slides/slide17.xml><?xml version="1.0" encoding="utf-8"?>
 <p:sld xmlns:a="http://schemas.openxmlformats.org/drawingml/2006/main" xmlns:r="http://schemas.openxmlformats.org/officeDocument/2006/relationships" xmlns:p="http://schemas.openxmlformats.org/presentationml/2006/main">
   <p:cSld>
     <p:spTree>
@@ -8764,7 +8963,7 @@
 </p:sld>
 </file>
 
-<file path=ppt/slides/slide17.xml><?xml version="1.0" encoding="utf-8"?>
+<file path=ppt/slides/slide18.xml><?xml version="1.0" encoding="utf-8"?>
 <p:sld xmlns:a="http://schemas.openxmlformats.org/drawingml/2006/main" xmlns:r="http://schemas.openxmlformats.org/officeDocument/2006/relationships" xmlns:p="http://schemas.openxmlformats.org/presentationml/2006/main">
   <p:cSld>
     <p:spTree>
@@ -8889,7 +9088,7 @@
 </p:sld>
 </file>
 
-<file path=ppt/slides/slide18.xml><?xml version="1.0" encoding="utf-8"?>
+<file path=ppt/slides/slide19.xml><?xml version="1.0" encoding="utf-8"?>
 <p:sld xmlns:a="http://schemas.openxmlformats.org/drawingml/2006/main" xmlns:r="http://schemas.openxmlformats.org/officeDocument/2006/relationships" xmlns:p="http://schemas.openxmlformats.org/presentationml/2006/main">
   <p:cSld>
     <p:spTree>
@@ -9033,7 +9232,109 @@
 </p:sld>
 </file>
 
-<file path=ppt/slides/slide19.xml><?xml version="1.0" encoding="utf-8"?>
+<file path=ppt/slides/slide2.xml><?xml version="1.0" encoding="utf-8"?>
+<p:sld xmlns:a="http://schemas.openxmlformats.org/drawingml/2006/main" xmlns:r="http://schemas.openxmlformats.org/officeDocument/2006/relationships" xmlns:p="http://schemas.openxmlformats.org/presentationml/2006/main">
+  <p:cSld>
+    <p:spTree>
+      <p:nvGrpSpPr>
+        <p:cNvPr id="1" name=""/>
+        <p:cNvGrpSpPr/>
+        <p:nvPr/>
+      </p:nvGrpSpPr>
+      <p:grpSpPr>
+        <a:xfrm>
+          <a:off x="0" y="0"/>
+          <a:ext cx="0" cy="0"/>
+          <a:chOff x="0" y="0"/>
+          <a:chExt cx="0" cy="0"/>
+        </a:xfrm>
+      </p:grpSpPr>
+      <p:sp>
+        <p:nvSpPr>
+          <p:cNvPr id="2" name="Titre 1"/>
+          <p:cNvSpPr>
+            <a:spLocks noGrp="1"/>
+          </p:cNvSpPr>
+          <p:nvPr>
+            <p:ph type="title"/>
+          </p:nvPr>
+        </p:nvSpPr>
+        <p:spPr/>
+        <p:txBody>
+          <a:bodyPr/>
+          <a:lstStyle/>
+          <a:p>
+            <a:r>
+              <a:rPr lang="de-DE" altLang="fr-FR" dirty="0" err="1" smtClean="0">
+                <a:solidFill>
+                  <a:schemeClr val="bg1"/>
+                </a:solidFill>
+                <a:latin typeface="HelveticaNeue LT 45 Light" pitchFamily="34" charset="0"/>
+              </a:rPr>
+              <a:t>Jean-noël</a:t>
+            </a:r>
+            <a:r>
+              <a:rPr lang="de-DE" altLang="fr-FR" dirty="0" smtClean="0">
+                <a:solidFill>
+                  <a:schemeClr val="bg1"/>
+                </a:solidFill>
+                <a:latin typeface="HelveticaNeue LT 45 Light" pitchFamily="34" charset="0"/>
+              </a:rPr>
+              <a:t> </a:t>
+            </a:r>
+            <a:r>
+              <a:rPr lang="de-DE" altLang="fr-FR" dirty="0" err="1" smtClean="0">
+                <a:solidFill>
+                  <a:schemeClr val="bg1"/>
+                </a:solidFill>
+                <a:latin typeface="HelveticaNeue LT 45 Light" pitchFamily="34" charset="0"/>
+              </a:rPr>
+              <a:t>vuissoz</a:t>
+            </a:r>
+            <a:endParaRPr lang="fr-CH" dirty="0"/>
+          </a:p>
+        </p:txBody>
+      </p:sp>
+      <p:sp>
+        <p:nvSpPr>
+          <p:cNvPr id="3" name="Espace réservé du texte 2"/>
+          <p:cNvSpPr>
+            <a:spLocks noGrp="1"/>
+          </p:cNvSpPr>
+          <p:nvPr>
+            <p:ph type="body" idx="1"/>
+          </p:nvPr>
+        </p:nvSpPr>
+        <p:spPr/>
+        <p:txBody>
+          <a:bodyPr/>
+          <a:lstStyle/>
+          <a:p>
+            <a:endParaRPr lang="fr-CH" dirty="0"/>
+          </a:p>
+        </p:txBody>
+      </p:sp>
+    </p:spTree>
+    <p:extLst>
+      <p:ext uri="{BB962C8B-B14F-4D97-AF65-F5344CB8AC3E}">
+        <p14:creationId xmlns:p14="http://schemas.microsoft.com/office/powerpoint/2010/main" val="2681461998"/>
+      </p:ext>
+    </p:extLst>
+  </p:cSld>
+  <p:clrMapOvr>
+    <a:masterClrMapping/>
+  </p:clrMapOvr>
+  <p:timing>
+    <p:tnLst>
+      <p:par>
+        <p:cTn id="1" dur="indefinite" restart="never" nodeType="tmRoot"/>
+      </p:par>
+    </p:tnLst>
+  </p:timing>
+</p:sld>
+</file>
+
+<file path=ppt/slides/slide20.xml><?xml version="1.0" encoding="utf-8"?>
 <p:sld xmlns:a="http://schemas.openxmlformats.org/drawingml/2006/main" xmlns:r="http://schemas.openxmlformats.org/officeDocument/2006/relationships" xmlns:p="http://schemas.openxmlformats.org/presentationml/2006/main">
   <p:cSld>
     <p:spTree>
@@ -9158,106 +9459,7 @@
 </p:sld>
 </file>
 
-<file path=ppt/slides/slide2.xml><?xml version="1.0" encoding="utf-8"?>
-<p:sld xmlns:a="http://schemas.openxmlformats.org/drawingml/2006/main" xmlns:r="http://schemas.openxmlformats.org/officeDocument/2006/relationships" xmlns:p="http://schemas.openxmlformats.org/presentationml/2006/main">
-  <p:cSld>
-    <p:spTree>
-      <p:nvGrpSpPr>
-        <p:cNvPr id="1" name=""/>
-        <p:cNvGrpSpPr/>
-        <p:nvPr/>
-      </p:nvGrpSpPr>
-      <p:grpSpPr>
-        <a:xfrm>
-          <a:off x="0" y="0"/>
-          <a:ext cx="0" cy="0"/>
-          <a:chOff x="0" y="0"/>
-          <a:chExt cx="0" cy="0"/>
-        </a:xfrm>
-      </p:grpSpPr>
-      <p:pic>
-        <p:nvPicPr>
-          <p:cNvPr id="5122" name="Picture 2"/>
-          <p:cNvPicPr>
-            <a:picLocks noChangeAspect="1" noChangeArrowheads="1"/>
-          </p:cNvPicPr>
-          <p:nvPr/>
-        </p:nvPicPr>
-        <p:blipFill>
-          <a:blip r:embed="rId3">
-            <a:extLst>
-              <a:ext uri="{28A0092B-C50C-407E-A947-70E740481C1C}">
-                <a14:useLocalDpi xmlns:a14="http://schemas.microsoft.com/office/drawing/2010/main" val="0"/>
-              </a:ext>
-            </a:extLst>
-          </a:blip>
-          <a:srcRect/>
-          <a:stretch>
-            <a:fillRect/>
-          </a:stretch>
-        </p:blipFill>
-        <p:spPr bwMode="auto">
-          <a:xfrm>
-            <a:off x="1908316" y="1153310"/>
-            <a:ext cx="4907308" cy="4506711"/>
-          </a:xfrm>
-          <a:prstGeom prst="rect">
-            <a:avLst/>
-          </a:prstGeom>
-          <a:noFill/>
-          <a:ln>
-            <a:noFill/>
-          </a:ln>
-          <a:extLst>
-            <a:ext uri="{909E8E84-426E-40DD-AFC4-6F175D3DCCD1}">
-              <a14:hiddenFill xmlns:a14="http://schemas.microsoft.com/office/drawing/2010/main">
-                <a:solidFill>
-                  <a:schemeClr val="accent1"/>
-                </a:solidFill>
-              </a14:hiddenFill>
-            </a:ext>
-            <a:ext uri="{91240B29-F687-4F45-9708-019B960494DF}">
-              <a14:hiddenLine xmlns:a14="http://schemas.microsoft.com/office/drawing/2010/main" w="9525">
-                <a:solidFill>
-                  <a:schemeClr val="tx1"/>
-                </a:solidFill>
-                <a:miter lim="800000"/>
-                <a:headEnd/>
-                <a:tailEnd/>
-              </a14:hiddenLine>
-            </a:ext>
-          </a:extLst>
-        </p:spPr>
-      </p:pic>
-    </p:spTree>
-    <p:extLst>
-      <p:ext uri="{BB962C8B-B14F-4D97-AF65-F5344CB8AC3E}">
-        <p14:creationId xmlns:p14="http://schemas.microsoft.com/office/powerpoint/2010/main" val="1572211614"/>
-      </p:ext>
-    </p:extLst>
-  </p:cSld>
-  <p:clrMapOvr>
-    <a:masterClrMapping/>
-  </p:clrMapOvr>
-  <mc:AlternateContent xmlns:mc="http://schemas.openxmlformats.org/markup-compatibility/2006">
-    <mc:Choice xmlns:p14="http://schemas.microsoft.com/office/powerpoint/2010/main" Requires="p14">
-      <p:transition spd="slow" p14:dur="2000"/>
-    </mc:Choice>
-    <mc:Fallback>
-      <p:transition spd="slow"/>
-    </mc:Fallback>
-  </mc:AlternateContent>
-  <p:timing>
-    <p:tnLst>
-      <p:par>
-        <p:cTn id="1" dur="indefinite" restart="never" nodeType="tmRoot"/>
-      </p:par>
-    </p:tnLst>
-  </p:timing>
-</p:sld>
-</file>
-
-<file path=ppt/slides/slide20.xml><?xml version="1.0" encoding="utf-8"?>
+<file path=ppt/slides/slide21.xml><?xml version="1.0" encoding="utf-8"?>
 <p:sld xmlns:a="http://schemas.openxmlformats.org/drawingml/2006/main" xmlns:r="http://schemas.openxmlformats.org/officeDocument/2006/relationships" xmlns:p="http://schemas.openxmlformats.org/presentationml/2006/main">
   <p:cSld>
     <p:spTree>
@@ -9403,90 +9605,6 @@
 </p:sld>
 </file>
 
-<file path=ppt/slides/slide21.xml><?xml version="1.0" encoding="utf-8"?>
-<p:sld xmlns:a="http://schemas.openxmlformats.org/drawingml/2006/main" xmlns:r="http://schemas.openxmlformats.org/officeDocument/2006/relationships" xmlns:p="http://schemas.openxmlformats.org/presentationml/2006/main">
-  <p:cSld>
-    <p:spTree>
-      <p:nvGrpSpPr>
-        <p:cNvPr id="1" name=""/>
-        <p:cNvGrpSpPr/>
-        <p:nvPr/>
-      </p:nvGrpSpPr>
-      <p:grpSpPr>
-        <a:xfrm>
-          <a:off x="0" y="0"/>
-          <a:ext cx="0" cy="0"/>
-          <a:chOff x="0" y="0"/>
-          <a:chExt cx="0" cy="0"/>
-        </a:xfrm>
-      </p:grpSpPr>
-      <p:sp>
-        <p:nvSpPr>
-          <p:cNvPr id="2" name="Titre 1"/>
-          <p:cNvSpPr>
-            <a:spLocks noGrp="1"/>
-          </p:cNvSpPr>
-          <p:nvPr>
-            <p:ph type="title"/>
-          </p:nvPr>
-        </p:nvSpPr>
-        <p:spPr/>
-        <p:txBody>
-          <a:bodyPr/>
-          <a:lstStyle/>
-          <a:p>
-            <a:r>
-              <a:rPr lang="de-DE" altLang="fr-FR" dirty="0" err="1" smtClean="0">
-                <a:solidFill>
-                  <a:schemeClr val="bg1"/>
-                </a:solidFill>
-                <a:latin typeface="HelveticaNeue LT 45 Light" pitchFamily="34" charset="0"/>
-              </a:rPr>
-              <a:t>dEMO</a:t>
-            </a:r>
-            <a:endParaRPr lang="fr-CH" dirty="0"/>
-          </a:p>
-        </p:txBody>
-      </p:sp>
-      <p:sp>
-        <p:nvSpPr>
-          <p:cNvPr id="3" name="Espace réservé du texte 2"/>
-          <p:cNvSpPr>
-            <a:spLocks noGrp="1"/>
-          </p:cNvSpPr>
-          <p:nvPr>
-            <p:ph type="body" idx="1"/>
-          </p:nvPr>
-        </p:nvSpPr>
-        <p:spPr/>
-        <p:txBody>
-          <a:bodyPr/>
-          <a:lstStyle/>
-          <a:p>
-            <a:endParaRPr lang="fr-CH" dirty="0"/>
-          </a:p>
-        </p:txBody>
-      </p:sp>
-    </p:spTree>
-    <p:extLst>
-      <p:ext uri="{BB962C8B-B14F-4D97-AF65-F5344CB8AC3E}">
-        <p14:creationId xmlns:p14="http://schemas.microsoft.com/office/powerpoint/2010/main" val="1875686618"/>
-      </p:ext>
-    </p:extLst>
-  </p:cSld>
-  <p:clrMapOvr>
-    <a:masterClrMapping/>
-  </p:clrMapOvr>
-  <p:timing>
-    <p:tnLst>
-      <p:par>
-        <p:cTn id="1" dur="indefinite" restart="never" nodeType="tmRoot"/>
-      </p:par>
-    </p:tnLst>
-  </p:timing>
-</p:sld>
-</file>
-
 <file path=ppt/slides/slide22.xml><?xml version="1.0" encoding="utf-8"?>
 <p:sld xmlns:a="http://schemas.openxmlformats.org/drawingml/2006/main" xmlns:r="http://schemas.openxmlformats.org/officeDocument/2006/relationships" xmlns:p="http://schemas.openxmlformats.org/presentationml/2006/main">
   <p:cSld>
@@ -9516,74 +9634,37 @@
         </p:nvSpPr>
         <p:spPr/>
         <p:txBody>
-          <a:bodyPr vert="horz" lIns="91440" tIns="45720" rIns="91440" bIns="45720" rtlCol="0" anchor="ctr">
-            <a:normAutofit/>
-          </a:bodyPr>
-          <a:lstStyle/>
-          <a:p>
-            <a:r>
-              <a:rPr lang="fr-CH" sz="3200" dirty="0" err="1" smtClean="0">
-                <a:latin typeface="HelveticaNeueLT Com 65 Md" panose="020B0604020202020204" pitchFamily="34" charset="0"/>
-              </a:rPr>
-              <a:t>Demo</a:t>
-            </a:r>
-            <a:endParaRPr lang="fr-CH" sz="3200" dirty="0">
-              <a:latin typeface="HelveticaNeueLT Com 65 Md" panose="020B0604020202020204" pitchFamily="34" charset="0"/>
-            </a:endParaRPr>
-          </a:p>
-        </p:txBody>
-      </p:sp>
-      <p:sp>
-        <p:nvSpPr>
-          <p:cNvPr id="3" name="Espace réservé du contenu 2"/>
-          <p:cNvSpPr>
-            <a:spLocks noGrp="1"/>
-          </p:cNvSpPr>
-          <p:nvPr>
-            <p:ph idx="1"/>
-          </p:nvPr>
-        </p:nvSpPr>
-        <p:spPr/>
-        <p:txBody>
           <a:bodyPr/>
           <a:lstStyle/>
           <a:p>
             <a:r>
-              <a:rPr lang="fr-CH" dirty="0" smtClean="0"/>
-              <a:t>Ex. avec </a:t>
-            </a:r>
-            <a:r>
-              <a:rPr lang="fr-CH" dirty="0" err="1" smtClean="0"/>
-              <a:t>spring</a:t>
-            </a:r>
-            <a:r>
-              <a:rPr lang="fr-CH" dirty="0" smtClean="0"/>
-              <a:t>-data</a:t>
-            </a:r>
-          </a:p>
-          <a:p>
-            <a:pPr lvl="1"/>
-            <a:r>
-              <a:rPr lang="fr-CH" dirty="0"/>
-              <a:t>https://github.com/mejnv/evalais.git</a:t>
-            </a:r>
-            <a:endParaRPr lang="fr-CH" dirty="0" smtClean="0"/>
-          </a:p>
-          <a:p>
-            <a:r>
-              <a:rPr lang="fr-CH" dirty="0" smtClean="0"/>
-              <a:t>Comment cibler la techno susceptible de répondre aux besoins ?</a:t>
-            </a:r>
-          </a:p>
-          <a:p>
-            <a:r>
-              <a:rPr lang="fr-CH" dirty="0" smtClean="0"/>
-              <a:t>Comment </a:t>
-            </a:r>
-            <a:r>
-              <a:rPr lang="fr-CH" dirty="0" smtClean="0"/>
-              <a:t>exploiter ces bases de données ?</a:t>
-            </a:r>
+              <a:rPr lang="de-DE" altLang="fr-FR" dirty="0" err="1" smtClean="0">
+                <a:solidFill>
+                  <a:schemeClr val="bg1"/>
+                </a:solidFill>
+                <a:latin typeface="HelveticaNeue LT 45 Light" pitchFamily="34" charset="0"/>
+              </a:rPr>
+              <a:t>dEMO</a:t>
+            </a:r>
+            <a:endParaRPr lang="fr-CH" dirty="0"/>
+          </a:p>
+        </p:txBody>
+      </p:sp>
+      <p:sp>
+        <p:nvSpPr>
+          <p:cNvPr id="3" name="Espace réservé du texte 2"/>
+          <p:cNvSpPr>
+            <a:spLocks noGrp="1"/>
+          </p:cNvSpPr>
+          <p:nvPr>
+            <p:ph type="body" idx="1"/>
+          </p:nvPr>
+        </p:nvSpPr>
+        <p:spPr/>
+        <p:txBody>
+          <a:bodyPr/>
+          <a:lstStyle/>
+          <a:p>
             <a:endParaRPr lang="fr-CH" dirty="0"/>
           </a:p>
         </p:txBody>
@@ -9591,21 +9672,13 @@
     </p:spTree>
     <p:extLst>
       <p:ext uri="{BB962C8B-B14F-4D97-AF65-F5344CB8AC3E}">
-        <p14:creationId xmlns:p14="http://schemas.microsoft.com/office/powerpoint/2010/main" val="1094214968"/>
+        <p14:creationId xmlns:p14="http://schemas.microsoft.com/office/powerpoint/2010/main" val="1875686618"/>
       </p:ext>
     </p:extLst>
   </p:cSld>
   <p:clrMapOvr>
     <a:masterClrMapping/>
   </p:clrMapOvr>
-  <mc:AlternateContent xmlns:mc="http://schemas.openxmlformats.org/markup-compatibility/2006">
-    <mc:Choice xmlns:p14="http://schemas.microsoft.com/office/powerpoint/2010/main" Requires="p14">
-      <p:transition spd="slow" p14:dur="2000"/>
-    </mc:Choice>
-    <mc:Fallback>
-      <p:transition spd="slow"/>
-    </mc:Fallback>
-  </mc:AlternateContent>
   <p:timing>
     <p:tnLst>
       <p:par>
@@ -9651,10 +9724,10 @@
           <a:lstStyle/>
           <a:p>
             <a:r>
-              <a:rPr lang="fr-CH" sz="3200" dirty="0">
+              <a:rPr lang="fr-CH" sz="3200" dirty="0" err="1" smtClean="0">
                 <a:latin typeface="HelveticaNeueLT Com 65 Md" panose="020B0604020202020204" pitchFamily="34" charset="0"/>
               </a:rPr>
-              <a:t>Ressources</a:t>
+              <a:t>Demo</a:t>
             </a:r>
             <a:endParaRPr lang="fr-CH" sz="3200" dirty="0">
               <a:latin typeface="HelveticaNeueLT Com 65 Md" panose="020B0604020202020204" pitchFamily="34" charset="0"/>
@@ -9678,92 +9751,37 @@
           <a:lstStyle/>
           <a:p>
             <a:r>
-              <a:rPr lang="fr-CH" dirty="0">
-                <a:hlinkClick r:id="rId2"/>
-              </a:rPr>
-              <a:t>http://nosql-database.org</a:t>
-            </a:r>
-            <a:r>
-              <a:rPr lang="fr-CH" dirty="0" smtClean="0">
-                <a:hlinkClick r:id="rId2"/>
-              </a:rPr>
-              <a:t>/</a:t>
+              <a:rPr lang="fr-CH" dirty="0" smtClean="0"/>
+              <a:t>Ex. avec </a:t>
+            </a:r>
+            <a:r>
+              <a:rPr lang="fr-CH" dirty="0" err="1" smtClean="0"/>
+              <a:t>spring</a:t>
+            </a:r>
+            <a:r>
+              <a:rPr lang="fr-CH" dirty="0" smtClean="0"/>
+              <a:t>-data</a:t>
+            </a:r>
+          </a:p>
+          <a:p>
+            <a:pPr lvl="1"/>
+            <a:r>
+              <a:rPr lang="fr-CH" dirty="0"/>
+              <a:t>https://github.com/mejnv/evalais.git</a:t>
             </a:r>
             <a:endParaRPr lang="fr-CH" dirty="0" smtClean="0"/>
           </a:p>
           <a:p>
             <a:r>
-              <a:rPr lang="fr-CH" dirty="0">
-                <a:hlinkClick r:id="rId3"/>
-              </a:rPr>
-              <a:t>https://</a:t>
-            </a:r>
-            <a:r>
-              <a:rPr lang="fr-CH" dirty="0" smtClean="0">
-                <a:hlinkClick r:id="rId3"/>
-              </a:rPr>
-              <a:t>www.infoq.com/articles/graph-nosql-neo4j</a:t>
-            </a:r>
-            <a:endParaRPr lang="fr-CH" dirty="0" smtClean="0"/>
-          </a:p>
-          <a:p>
-            <a:r>
-              <a:rPr lang="fr-CH" dirty="0">
-                <a:hlinkClick r:id="rId4"/>
-              </a:rPr>
-              <a:t>https://neo4j.com</a:t>
-            </a:r>
-            <a:r>
-              <a:rPr lang="fr-CH" dirty="0" smtClean="0">
-                <a:hlinkClick r:id="rId4"/>
-              </a:rPr>
-              <a:t>/</a:t>
-            </a:r>
-            <a:endParaRPr lang="fr-CH" dirty="0" smtClean="0"/>
-          </a:p>
-          <a:p>
-            <a:r>
-              <a:rPr lang="fr-CH" dirty="0">
-                <a:hlinkClick r:id="rId5"/>
-              </a:rPr>
-              <a:t>http://console.neo4j.org</a:t>
-            </a:r>
-            <a:r>
-              <a:rPr lang="fr-CH" dirty="0" smtClean="0">
-                <a:hlinkClick r:id="rId5"/>
-              </a:rPr>
-              <a:t>/</a:t>
-            </a:r>
-            <a:endParaRPr lang="fr-CH" dirty="0" smtClean="0"/>
-          </a:p>
-          <a:p>
-            <a:r>
-              <a:rPr lang="fr-CH" dirty="0">
-                <a:hlinkClick r:id="rId6"/>
-              </a:rPr>
-              <a:t>https://neo4j.com/docs/cypher-refcard/current</a:t>
-            </a:r>
-            <a:r>
-              <a:rPr lang="fr-CH" dirty="0" smtClean="0">
-                <a:hlinkClick r:id="rId6"/>
-              </a:rPr>
-              <a:t>/</a:t>
-            </a:r>
-            <a:endParaRPr lang="fr-CH" dirty="0" smtClean="0"/>
-          </a:p>
-          <a:p>
-            <a:endParaRPr lang="fr-CH" dirty="0" smtClean="0"/>
-          </a:p>
-          <a:p>
-            <a:endParaRPr lang="fr-CH" dirty="0" smtClean="0"/>
-          </a:p>
-          <a:p>
-            <a:endParaRPr lang="fr-CH" dirty="0" smtClean="0"/>
-          </a:p>
-          <a:p>
-            <a:endParaRPr lang="fr-CH" dirty="0" smtClean="0"/>
-          </a:p>
-          <a:p>
+              <a:rPr lang="fr-CH" dirty="0" smtClean="0"/>
+              <a:t>Comment cibler la techno susceptible de répondre aux besoins ?</a:t>
+            </a:r>
+          </a:p>
+          <a:p>
+            <a:r>
+              <a:rPr lang="fr-CH" dirty="0" smtClean="0"/>
+              <a:t>Comment exploiter ces bases de données ?</a:t>
+            </a:r>
             <a:endParaRPr lang="fr-CH" dirty="0"/>
           </a:p>
         </p:txBody>
@@ -9771,18 +9789,18 @@
     </p:spTree>
     <p:extLst>
       <p:ext uri="{BB962C8B-B14F-4D97-AF65-F5344CB8AC3E}">
-        <p14:creationId xmlns:p14="http://schemas.microsoft.com/office/powerpoint/2010/main" val="3042140532"/>
+        <p14:creationId xmlns:p14="http://schemas.microsoft.com/office/powerpoint/2010/main" val="1094214968"/>
       </p:ext>
     </p:extLst>
   </p:cSld>
   <p:clrMapOvr>
     <a:masterClrMapping/>
   </p:clrMapOvr>
-  <mc:AlternateContent xmlns:mc="http://schemas.openxmlformats.org/markup-compatibility/2006">
-    <mc:Choice xmlns:p14="http://schemas.microsoft.com/office/powerpoint/2010/main" Requires="p14">
+  <mc:AlternateContent xmlns:mc="http://schemas.openxmlformats.org/markup-compatibility/2006" xmlns:p14="http://schemas.microsoft.com/office/powerpoint/2010/main">
+    <mc:Choice Requires="p14">
       <p:transition spd="slow" p14:dur="2000"/>
     </mc:Choice>
-    <mc:Fallback>
+    <mc:Fallback xmlns="">
       <p:transition spd="slow"/>
     </mc:Fallback>
   </mc:AlternateContent>
@@ -9797,6 +9815,183 @@
 </file>
 
 <file path=ppt/slides/slide24.xml><?xml version="1.0" encoding="utf-8"?>
+<p:sld xmlns:a="http://schemas.openxmlformats.org/drawingml/2006/main" xmlns:r="http://schemas.openxmlformats.org/officeDocument/2006/relationships" xmlns:p="http://schemas.openxmlformats.org/presentationml/2006/main">
+  <p:cSld>
+    <p:spTree>
+      <p:nvGrpSpPr>
+        <p:cNvPr id="1" name=""/>
+        <p:cNvGrpSpPr/>
+        <p:nvPr/>
+      </p:nvGrpSpPr>
+      <p:grpSpPr>
+        <a:xfrm>
+          <a:off x="0" y="0"/>
+          <a:ext cx="0" cy="0"/>
+          <a:chOff x="0" y="0"/>
+          <a:chExt cx="0" cy="0"/>
+        </a:xfrm>
+      </p:grpSpPr>
+      <p:sp>
+        <p:nvSpPr>
+          <p:cNvPr id="2" name="Titre 1"/>
+          <p:cNvSpPr>
+            <a:spLocks noGrp="1"/>
+          </p:cNvSpPr>
+          <p:nvPr>
+            <p:ph type="title"/>
+          </p:nvPr>
+        </p:nvSpPr>
+        <p:spPr/>
+        <p:txBody>
+          <a:bodyPr vert="horz" lIns="91440" tIns="45720" rIns="91440" bIns="45720" rtlCol="0" anchor="ctr">
+            <a:normAutofit/>
+          </a:bodyPr>
+          <a:lstStyle/>
+          <a:p>
+            <a:r>
+              <a:rPr lang="fr-CH" sz="3200" dirty="0">
+                <a:latin typeface="HelveticaNeueLT Com 65 Md" panose="020B0604020202020204" pitchFamily="34" charset="0"/>
+              </a:rPr>
+              <a:t>Ressources</a:t>
+            </a:r>
+          </a:p>
+        </p:txBody>
+      </p:sp>
+      <p:sp>
+        <p:nvSpPr>
+          <p:cNvPr id="3" name="Espace réservé du contenu 2"/>
+          <p:cNvSpPr>
+            <a:spLocks noGrp="1"/>
+          </p:cNvSpPr>
+          <p:nvPr>
+            <p:ph idx="1"/>
+          </p:nvPr>
+        </p:nvSpPr>
+        <p:spPr/>
+        <p:txBody>
+          <a:bodyPr/>
+          <a:lstStyle/>
+          <a:p>
+            <a:r>
+              <a:rPr lang="fr-CH" dirty="0">
+                <a:hlinkClick r:id="rId2"/>
+              </a:rPr>
+              <a:t>http://nosql-database.org</a:t>
+            </a:r>
+            <a:r>
+              <a:rPr lang="fr-CH" dirty="0" smtClean="0">
+                <a:hlinkClick r:id="rId2"/>
+              </a:rPr>
+              <a:t>/</a:t>
+            </a:r>
+            <a:endParaRPr lang="fr-CH" dirty="0" smtClean="0"/>
+          </a:p>
+          <a:p>
+            <a:r>
+              <a:rPr lang="fr-CH" dirty="0">
+                <a:hlinkClick r:id="rId3"/>
+              </a:rPr>
+              <a:t>https://</a:t>
+            </a:r>
+            <a:r>
+              <a:rPr lang="fr-CH" dirty="0" smtClean="0">
+                <a:hlinkClick r:id="rId3"/>
+              </a:rPr>
+              <a:t>www.infoq.com/articles/graph-nosql-neo4j</a:t>
+            </a:r>
+            <a:endParaRPr lang="fr-CH" dirty="0" smtClean="0"/>
+          </a:p>
+          <a:p>
+            <a:r>
+              <a:rPr lang="fr-CH" dirty="0">
+                <a:hlinkClick r:id="rId4"/>
+              </a:rPr>
+              <a:t>https://neo4j.com</a:t>
+            </a:r>
+            <a:r>
+              <a:rPr lang="fr-CH" dirty="0" smtClean="0">
+                <a:hlinkClick r:id="rId4"/>
+              </a:rPr>
+              <a:t>/</a:t>
+            </a:r>
+            <a:endParaRPr lang="fr-CH" dirty="0" smtClean="0"/>
+          </a:p>
+          <a:p>
+            <a:r>
+              <a:rPr lang="fr-CH" dirty="0">
+                <a:hlinkClick r:id="rId5"/>
+              </a:rPr>
+              <a:t>http://console.neo4j.org</a:t>
+            </a:r>
+            <a:r>
+              <a:rPr lang="fr-CH" dirty="0" smtClean="0">
+                <a:hlinkClick r:id="rId5"/>
+              </a:rPr>
+              <a:t>/</a:t>
+            </a:r>
+            <a:endParaRPr lang="fr-CH" dirty="0" smtClean="0"/>
+          </a:p>
+          <a:p>
+            <a:r>
+              <a:rPr lang="fr-CH" dirty="0">
+                <a:hlinkClick r:id="rId6"/>
+              </a:rPr>
+              <a:t>https://neo4j.com/docs/cypher-refcard/current</a:t>
+            </a:r>
+            <a:r>
+              <a:rPr lang="fr-CH" dirty="0" smtClean="0">
+                <a:hlinkClick r:id="rId6"/>
+              </a:rPr>
+              <a:t>/</a:t>
+            </a:r>
+            <a:endParaRPr lang="fr-CH" dirty="0" smtClean="0"/>
+          </a:p>
+          <a:p>
+            <a:endParaRPr lang="fr-CH" dirty="0" smtClean="0"/>
+          </a:p>
+          <a:p>
+            <a:endParaRPr lang="fr-CH" dirty="0" smtClean="0"/>
+          </a:p>
+          <a:p>
+            <a:endParaRPr lang="fr-CH" dirty="0" smtClean="0"/>
+          </a:p>
+          <a:p>
+            <a:endParaRPr lang="fr-CH" dirty="0" smtClean="0"/>
+          </a:p>
+          <a:p>
+            <a:endParaRPr lang="fr-CH" dirty="0"/>
+          </a:p>
+        </p:txBody>
+      </p:sp>
+    </p:spTree>
+    <p:extLst>
+      <p:ext uri="{BB962C8B-B14F-4D97-AF65-F5344CB8AC3E}">
+        <p14:creationId xmlns:p14="http://schemas.microsoft.com/office/powerpoint/2010/main" val="3042140532"/>
+      </p:ext>
+    </p:extLst>
+  </p:cSld>
+  <p:clrMapOvr>
+    <a:masterClrMapping/>
+  </p:clrMapOvr>
+  <mc:AlternateContent xmlns:mc="http://schemas.openxmlformats.org/markup-compatibility/2006" xmlns:p14="http://schemas.microsoft.com/office/powerpoint/2010/main">
+    <mc:Choice Requires="p14">
+      <p:transition spd="slow" p14:dur="2000"/>
+    </mc:Choice>
+    <mc:Fallback xmlns="">
+      <p:transition spd="slow"/>
+    </mc:Fallback>
+  </mc:AlternateContent>
+  <p:timing>
+    <p:tnLst>
+      <p:par>
+        <p:cTn id="1" dur="indefinite" restart="never" nodeType="tmRoot"/>
+      </p:par>
+    </p:tnLst>
+  </p:timing>
+</p:sld>
+</file>
+
+<file path=ppt/slides/slide25.xml><?xml version="1.0" encoding="utf-8"?>
 <p:sld xmlns:a="http://schemas.openxmlformats.org/drawingml/2006/main" xmlns:r="http://schemas.openxmlformats.org/officeDocument/2006/relationships" xmlns:p="http://schemas.openxmlformats.org/presentationml/2006/main">
   <p:cSld>
     <p:spTree>
@@ -10035,6 +10230,467 @@
           <a:chExt cx="0" cy="0"/>
         </a:xfrm>
       </p:grpSpPr>
+      <p:pic>
+        <p:nvPicPr>
+          <p:cNvPr id="5122" name="Picture 2"/>
+          <p:cNvPicPr>
+            <a:picLocks noChangeAspect="1" noChangeArrowheads="1"/>
+          </p:cNvPicPr>
+          <p:nvPr/>
+        </p:nvPicPr>
+        <p:blipFill>
+          <a:blip r:embed="rId3">
+            <a:extLst>
+              <a:ext uri="{28A0092B-C50C-407E-A947-70E740481C1C}">
+                <a14:useLocalDpi xmlns:a14="http://schemas.microsoft.com/office/drawing/2010/main" val="0"/>
+              </a:ext>
+            </a:extLst>
+          </a:blip>
+          <a:srcRect/>
+          <a:stretch>
+            <a:fillRect/>
+          </a:stretch>
+        </p:blipFill>
+        <p:spPr bwMode="auto">
+          <a:xfrm>
+            <a:off x="5062888" y="2811654"/>
+            <a:ext cx="3793291" cy="3483635"/>
+          </a:xfrm>
+          <a:prstGeom prst="rect">
+            <a:avLst/>
+          </a:prstGeom>
+          <a:noFill/>
+          <a:ln>
+            <a:noFill/>
+          </a:ln>
+          <a:extLst>
+            <a:ext uri="{909E8E84-426E-40DD-AFC4-6F175D3DCCD1}">
+              <a14:hiddenFill xmlns:a14="http://schemas.microsoft.com/office/drawing/2010/main">
+                <a:solidFill>
+                  <a:schemeClr val="accent1"/>
+                </a:solidFill>
+              </a14:hiddenFill>
+            </a:ext>
+            <a:ext uri="{91240B29-F687-4F45-9708-019B960494DF}">
+              <a14:hiddenLine xmlns:a14="http://schemas.microsoft.com/office/drawing/2010/main" w="9525">
+                <a:solidFill>
+                  <a:schemeClr val="tx1"/>
+                </a:solidFill>
+                <a:miter lim="800000"/>
+                <a:headEnd/>
+                <a:tailEnd/>
+              </a14:hiddenLine>
+            </a:ext>
+          </a:extLst>
+        </p:spPr>
+      </p:pic>
+      <p:sp>
+        <p:nvSpPr>
+          <p:cNvPr id="3" name="Espace réservé du contenu 2"/>
+          <p:cNvSpPr txBox="1">
+            <a:spLocks/>
+          </p:cNvSpPr>
+          <p:nvPr/>
+        </p:nvSpPr>
+        <p:spPr>
+          <a:xfrm>
+            <a:off x="457200" y="1600200"/>
+            <a:ext cx="8229600" cy="4876800"/>
+          </a:xfrm>
+          <a:prstGeom prst="rect">
+            <a:avLst/>
+          </a:prstGeom>
+        </p:spPr>
+        <p:txBody>
+          <a:bodyPr/>
+          <a:lstStyle>
+            <a:lvl1pPr marL="182880" indent="-182880" algn="l" defTabSz="914400" rtl="0" eaLnBrk="1" latinLnBrk="0" hangingPunct="1">
+              <a:spcBef>
+                <a:spcPct val="20000"/>
+              </a:spcBef>
+              <a:buClr>
+                <a:schemeClr val="accent1"/>
+              </a:buClr>
+              <a:buSzPct val="85000"/>
+              <a:buFont typeface="Arial" pitchFamily="34" charset="0"/>
+              <a:buChar char="•"/>
+              <a:defRPr sz="2400" kern="1200">
+                <a:solidFill>
+                  <a:schemeClr val="tx1"/>
+                </a:solidFill>
+                <a:latin typeface="+mn-lt"/>
+                <a:ea typeface="+mn-ea"/>
+                <a:cs typeface="+mn-cs"/>
+              </a:defRPr>
+            </a:lvl1pPr>
+            <a:lvl2pPr marL="457200" indent="-182880" algn="l" defTabSz="914400" rtl="0" eaLnBrk="1" latinLnBrk="0" hangingPunct="1">
+              <a:spcBef>
+                <a:spcPct val="20000"/>
+              </a:spcBef>
+              <a:buClr>
+                <a:schemeClr val="accent1"/>
+              </a:buClr>
+              <a:buSzPct val="85000"/>
+              <a:buFont typeface="Arial" pitchFamily="34" charset="0"/>
+              <a:buChar char="•"/>
+              <a:defRPr sz="2000" kern="1200">
+                <a:solidFill>
+                  <a:schemeClr val="tx1"/>
+                </a:solidFill>
+                <a:latin typeface="+mn-lt"/>
+                <a:ea typeface="+mn-ea"/>
+                <a:cs typeface="+mn-cs"/>
+              </a:defRPr>
+            </a:lvl2pPr>
+            <a:lvl3pPr marL="731520" indent="-182880" algn="l" defTabSz="914400" rtl="0" eaLnBrk="1" latinLnBrk="0" hangingPunct="1">
+              <a:spcBef>
+                <a:spcPct val="20000"/>
+              </a:spcBef>
+              <a:buClr>
+                <a:schemeClr val="accent1"/>
+              </a:buClr>
+              <a:buSzPct val="90000"/>
+              <a:buFont typeface="Arial" pitchFamily="34" charset="0"/>
+              <a:buChar char="•"/>
+              <a:defRPr sz="1800" kern="1200">
+                <a:solidFill>
+                  <a:schemeClr val="tx1"/>
+                </a:solidFill>
+                <a:latin typeface="+mn-lt"/>
+                <a:ea typeface="+mn-ea"/>
+                <a:cs typeface="+mn-cs"/>
+              </a:defRPr>
+            </a:lvl3pPr>
+            <a:lvl4pPr marL="1005840" indent="-182880" algn="l" defTabSz="914400" rtl="0" eaLnBrk="1" latinLnBrk="0" hangingPunct="1">
+              <a:spcBef>
+                <a:spcPct val="20000"/>
+              </a:spcBef>
+              <a:buClr>
+                <a:schemeClr val="accent1"/>
+              </a:buClr>
+              <a:buFont typeface="Arial" pitchFamily="34" charset="0"/>
+              <a:buChar char="•"/>
+              <a:defRPr sz="1600" kern="1200">
+                <a:solidFill>
+                  <a:schemeClr val="tx1"/>
+                </a:solidFill>
+                <a:latin typeface="+mn-lt"/>
+                <a:ea typeface="+mn-ea"/>
+                <a:cs typeface="+mn-cs"/>
+              </a:defRPr>
+            </a:lvl4pPr>
+            <a:lvl5pPr marL="1188720" indent="-137160" algn="l" defTabSz="914400" rtl="0" eaLnBrk="1" latinLnBrk="0" hangingPunct="1">
+              <a:spcBef>
+                <a:spcPct val="20000"/>
+              </a:spcBef>
+              <a:buClr>
+                <a:schemeClr val="accent1"/>
+              </a:buClr>
+              <a:buSzPct val="100000"/>
+              <a:buFont typeface="Arial" pitchFamily="34" charset="0"/>
+              <a:buChar char="•"/>
+              <a:defRPr sz="1400" kern="1200" baseline="0">
+                <a:solidFill>
+                  <a:schemeClr val="tx1"/>
+                </a:solidFill>
+                <a:latin typeface="+mn-lt"/>
+                <a:ea typeface="+mn-ea"/>
+                <a:cs typeface="+mn-cs"/>
+              </a:defRPr>
+            </a:lvl5pPr>
+            <a:lvl6pPr marL="1371600" indent="-182880" algn="l" defTabSz="914400" rtl="0" eaLnBrk="1" latinLnBrk="0" hangingPunct="1">
+              <a:spcBef>
+                <a:spcPct val="20000"/>
+              </a:spcBef>
+              <a:buClr>
+                <a:schemeClr val="accent1"/>
+              </a:buClr>
+              <a:buFont typeface="Arial" pitchFamily="34" charset="0"/>
+              <a:buChar char="•"/>
+              <a:defRPr sz="1300" kern="1200">
+                <a:solidFill>
+                  <a:schemeClr val="tx1"/>
+                </a:solidFill>
+                <a:latin typeface="+mn-lt"/>
+                <a:ea typeface="+mn-ea"/>
+                <a:cs typeface="+mn-cs"/>
+              </a:defRPr>
+            </a:lvl6pPr>
+            <a:lvl7pPr marL="1554480" indent="-182880" algn="l" defTabSz="914400" rtl="0" eaLnBrk="1" latinLnBrk="0" hangingPunct="1">
+              <a:spcBef>
+                <a:spcPct val="20000"/>
+              </a:spcBef>
+              <a:buClr>
+                <a:schemeClr val="accent1"/>
+              </a:buClr>
+              <a:buFont typeface="Arial" pitchFamily="34" charset="0"/>
+              <a:buChar char="•"/>
+              <a:defRPr sz="1300" kern="1200">
+                <a:solidFill>
+                  <a:schemeClr val="tx1"/>
+                </a:solidFill>
+                <a:latin typeface="+mn-lt"/>
+                <a:ea typeface="+mn-ea"/>
+                <a:cs typeface="+mn-cs"/>
+              </a:defRPr>
+            </a:lvl7pPr>
+            <a:lvl8pPr marL="1737360" indent="-182880" algn="l" defTabSz="914400" rtl="0" eaLnBrk="1" latinLnBrk="0" hangingPunct="1">
+              <a:spcBef>
+                <a:spcPct val="20000"/>
+              </a:spcBef>
+              <a:buClr>
+                <a:schemeClr val="accent1"/>
+              </a:buClr>
+              <a:buFont typeface="Arial" pitchFamily="34" charset="0"/>
+              <a:buChar char="•"/>
+              <a:defRPr sz="1300" kern="1200">
+                <a:solidFill>
+                  <a:schemeClr val="tx1"/>
+                </a:solidFill>
+                <a:latin typeface="+mn-lt"/>
+                <a:ea typeface="+mn-ea"/>
+                <a:cs typeface="+mn-cs"/>
+              </a:defRPr>
+            </a:lvl8pPr>
+            <a:lvl9pPr marL="1920240" indent="-182880" algn="l" defTabSz="914400" rtl="0" eaLnBrk="1" latinLnBrk="0" hangingPunct="1">
+              <a:spcBef>
+                <a:spcPct val="20000"/>
+              </a:spcBef>
+              <a:buClr>
+                <a:schemeClr val="accent1"/>
+              </a:buClr>
+              <a:buFont typeface="Arial" pitchFamily="34" charset="0"/>
+              <a:buChar char="•"/>
+              <a:defRPr sz="1300" kern="1200">
+                <a:solidFill>
+                  <a:schemeClr val="tx1"/>
+                </a:solidFill>
+                <a:latin typeface="+mn-lt"/>
+                <a:ea typeface="+mn-ea"/>
+                <a:cs typeface="+mn-cs"/>
+              </a:defRPr>
+            </a:lvl9pPr>
+          </a:lstStyle>
+          <a:p>
+            <a:pPr fontAlgn="auto">
+              <a:spcAft>
+                <a:spcPts val="0"/>
+              </a:spcAft>
+            </a:pPr>
+            <a:r>
+              <a:rPr lang="fr-CH" dirty="0" smtClean="0"/>
+              <a:t>HES Sierre 2003</a:t>
+            </a:r>
+          </a:p>
+          <a:p>
+            <a:pPr fontAlgn="auto">
+              <a:spcAft>
+                <a:spcPts val="0"/>
+              </a:spcAft>
+            </a:pPr>
+            <a:r>
+              <a:rPr lang="fr-CH" dirty="0" smtClean="0"/>
+              <a:t>Web </a:t>
+            </a:r>
+            <a:r>
+              <a:rPr lang="fr-CH" dirty="0" err="1" smtClean="0"/>
+              <a:t>Developper</a:t>
+            </a:r>
+            <a:r>
+              <a:rPr lang="fr-CH" dirty="0" smtClean="0"/>
+              <a:t> @ </a:t>
+            </a:r>
+            <a:r>
+              <a:rPr lang="fr-CH" dirty="0" err="1" smtClean="0"/>
+              <a:t>Iomedia</a:t>
+            </a:r>
+            <a:endParaRPr lang="fr-CH" dirty="0" smtClean="0"/>
+          </a:p>
+          <a:p>
+            <a:pPr fontAlgn="auto">
+              <a:spcAft>
+                <a:spcPts val="0"/>
+              </a:spcAft>
+            </a:pPr>
+            <a:r>
+              <a:rPr lang="fr-CH" dirty="0" smtClean="0"/>
+              <a:t>Architect @ Groupe Mutuel</a:t>
+            </a:r>
+          </a:p>
+          <a:p>
+            <a:pPr fontAlgn="auto">
+              <a:spcAft>
+                <a:spcPts val="0"/>
+              </a:spcAft>
+            </a:pPr>
+            <a:r>
+              <a:rPr lang="fr-CH" dirty="0">
+                <a:hlinkClick r:id="rId4"/>
+              </a:rPr>
+              <a:t>https://www.linkedin.com/in/mejnv</a:t>
+            </a:r>
+          </a:p>
+          <a:p>
+            <a:pPr fontAlgn="auto">
+              <a:spcAft>
+                <a:spcPts val="0"/>
+              </a:spcAft>
+            </a:pPr>
+            <a:endParaRPr lang="fr-CH" dirty="0" smtClean="0">
+              <a:hlinkClick r:id="rId4"/>
+            </a:endParaRPr>
+          </a:p>
+          <a:p>
+            <a:pPr fontAlgn="auto">
+              <a:spcAft>
+                <a:spcPts val="0"/>
+              </a:spcAft>
+            </a:pPr>
+            <a:r>
+              <a:rPr lang="fr-CH" dirty="0" smtClean="0"/>
+              <a:t>Marié 2 enfants</a:t>
+            </a:r>
+          </a:p>
+          <a:p>
+            <a:pPr fontAlgn="auto">
+              <a:spcAft>
+                <a:spcPts val="0"/>
+              </a:spcAft>
+            </a:pPr>
+            <a:r>
+              <a:rPr lang="fr-CH" dirty="0" err="1" smtClean="0"/>
+              <a:t>Unihockey</a:t>
+            </a:r>
+            <a:r>
+              <a:rPr lang="fr-CH" dirty="0" smtClean="0"/>
+              <a:t>, Course, Montagne</a:t>
+            </a:r>
+            <a:endParaRPr lang="fr-CH" dirty="0">
+              <a:hlinkClick r:id="rId4"/>
+            </a:endParaRPr>
+          </a:p>
+          <a:p>
+            <a:pPr fontAlgn="auto">
+              <a:spcAft>
+                <a:spcPts val="0"/>
+              </a:spcAft>
+            </a:pPr>
+            <a:r>
+              <a:rPr lang="fr-CH" dirty="0" smtClean="0">
+                <a:hlinkClick r:id="rId4"/>
+              </a:rPr>
+              <a:t>http://www.jnv.ch</a:t>
+            </a:r>
+            <a:endParaRPr lang="fr-CH" dirty="0" smtClean="0"/>
+          </a:p>
+          <a:p>
+            <a:pPr fontAlgn="auto">
+              <a:spcAft>
+                <a:spcPts val="0"/>
+              </a:spcAft>
+            </a:pPr>
+            <a:endParaRPr lang="fr-CH" dirty="0" smtClean="0"/>
+          </a:p>
+        </p:txBody>
+      </p:sp>
+      <p:sp>
+        <p:nvSpPr>
+          <p:cNvPr id="4" name="Titre 1"/>
+          <p:cNvSpPr txBox="1">
+            <a:spLocks/>
+          </p:cNvSpPr>
+          <p:nvPr/>
+        </p:nvSpPr>
+        <p:spPr>
+          <a:xfrm>
+            <a:off x="457200" y="533400"/>
+            <a:ext cx="8229600" cy="990600"/>
+          </a:xfrm>
+          <a:prstGeom prst="rect">
+            <a:avLst/>
+          </a:prstGeom>
+        </p:spPr>
+        <p:txBody>
+          <a:bodyPr>
+            <a:normAutofit/>
+          </a:bodyPr>
+          <a:lstStyle>
+            <a:lvl1pPr algn="l" defTabSz="914400" rtl="0" eaLnBrk="1" latinLnBrk="0" hangingPunct="1">
+              <a:spcBef>
+                <a:spcPct val="0"/>
+              </a:spcBef>
+              <a:buNone/>
+              <a:defRPr sz="4000" kern="1200" spc="-100" baseline="0">
+                <a:solidFill>
+                  <a:schemeClr val="tx2"/>
+                </a:solidFill>
+                <a:latin typeface="+mj-lt"/>
+                <a:ea typeface="+mj-ea"/>
+                <a:cs typeface="+mj-cs"/>
+              </a:defRPr>
+            </a:lvl1pPr>
+          </a:lstStyle>
+          <a:p>
+            <a:pPr fontAlgn="auto">
+              <a:spcAft>
+                <a:spcPts val="0"/>
+              </a:spcAft>
+            </a:pPr>
+            <a:r>
+              <a:rPr lang="fr-CH" altLang="fr-FR" sz="3200" dirty="0" smtClean="0">
+                <a:latin typeface="HelveticaNeueLT Com 65 Md" panose="020B0604020202020204" pitchFamily="34" charset="0"/>
+              </a:rPr>
+              <a:t>JNV</a:t>
+            </a:r>
+            <a:endParaRPr lang="fr-CH" dirty="0"/>
+          </a:p>
+        </p:txBody>
+      </p:sp>
+    </p:spTree>
+    <p:extLst>
+      <p:ext uri="{BB962C8B-B14F-4D97-AF65-F5344CB8AC3E}">
+        <p14:creationId xmlns:p14="http://schemas.microsoft.com/office/powerpoint/2010/main" val="3000203756"/>
+      </p:ext>
+    </p:extLst>
+  </p:cSld>
+  <p:clrMapOvr>
+    <a:masterClrMapping/>
+  </p:clrMapOvr>
+  <mc:AlternateContent xmlns:mc="http://schemas.openxmlformats.org/markup-compatibility/2006" xmlns:p14="http://schemas.microsoft.com/office/powerpoint/2010/main">
+    <mc:Choice Requires="p14">
+      <p:transition spd="slow" p14:dur="2000"/>
+    </mc:Choice>
+    <mc:Fallback xmlns="">
+      <p:transition spd="slow"/>
+    </mc:Fallback>
+  </mc:AlternateContent>
+  <p:timing>
+    <p:tnLst>
+      <p:par>
+        <p:cTn id="1" dur="indefinite" restart="never" nodeType="tmRoot"/>
+      </p:par>
+    </p:tnLst>
+  </p:timing>
+</p:sld>
+</file>
+
+<file path=ppt/slides/slide4.xml><?xml version="1.0" encoding="utf-8"?>
+<p:sld xmlns:a="http://schemas.openxmlformats.org/drawingml/2006/main" xmlns:r="http://schemas.openxmlformats.org/officeDocument/2006/relationships" xmlns:p="http://schemas.openxmlformats.org/presentationml/2006/main">
+  <p:cSld>
+    <p:spTree>
+      <p:nvGrpSpPr>
+        <p:cNvPr id="1" name=""/>
+        <p:cNvGrpSpPr/>
+        <p:nvPr/>
+      </p:nvGrpSpPr>
+      <p:grpSpPr>
+        <a:xfrm>
+          <a:off x="0" y="0"/>
+          <a:ext cx="0" cy="0"/>
+          <a:chOff x="0" y="0"/>
+          <a:chExt cx="0" cy="0"/>
+        </a:xfrm>
+      </p:grpSpPr>
       <p:sp>
         <p:nvSpPr>
           <p:cNvPr id="2" name="Titre 1"/>
@@ -10111,7 +10767,7 @@
 </p:sld>
 </file>
 
-<file path=ppt/slides/slide4.xml><?xml version="1.0" encoding="utf-8"?>
+<file path=ppt/slides/slide5.xml><?xml version="1.0" encoding="utf-8"?>
 <p:sld xmlns:a="http://schemas.openxmlformats.org/drawingml/2006/main" xmlns:r="http://schemas.openxmlformats.org/officeDocument/2006/relationships" xmlns:p="http://schemas.openxmlformats.org/presentationml/2006/main">
   <p:cSld>
     <p:spTree>
@@ -10320,11 +10976,11 @@
   <p:clrMapOvr>
     <a:masterClrMapping/>
   </p:clrMapOvr>
-  <mc:AlternateContent xmlns:mc="http://schemas.openxmlformats.org/markup-compatibility/2006">
-    <mc:Choice xmlns:p14="http://schemas.microsoft.com/office/powerpoint/2010/main" Requires="p14">
+  <mc:AlternateContent xmlns:mc="http://schemas.openxmlformats.org/markup-compatibility/2006" xmlns:p14="http://schemas.microsoft.com/office/powerpoint/2010/main">
+    <mc:Choice Requires="p14">
       <p:transition spd="slow" p14:dur="2000"/>
     </mc:Choice>
-    <mc:Fallback>
+    <mc:Fallback xmlns="">
       <p:transition spd="slow"/>
     </mc:Fallback>
   </mc:AlternateContent>
@@ -10338,7 +10994,7 @@
 </p:sld>
 </file>
 
-<file path=ppt/slides/slide5.xml><?xml version="1.0" encoding="utf-8"?>
+<file path=ppt/slides/slide6.xml><?xml version="1.0" encoding="utf-8"?>
 <p:sld xmlns:a="http://schemas.openxmlformats.org/drawingml/2006/main" xmlns:r="http://schemas.openxmlformats.org/officeDocument/2006/relationships" xmlns:p="http://schemas.openxmlformats.org/presentationml/2006/main">
   <p:cSld>
     <p:spTree>
@@ -10523,11 +11179,11 @@
   <p:clrMapOvr>
     <a:masterClrMapping/>
   </p:clrMapOvr>
-  <mc:AlternateContent xmlns:mc="http://schemas.openxmlformats.org/markup-compatibility/2006">
-    <mc:Choice xmlns:p14="http://schemas.microsoft.com/office/powerpoint/2010/main" Requires="p14">
+  <mc:AlternateContent xmlns:mc="http://schemas.openxmlformats.org/markup-compatibility/2006" xmlns:p14="http://schemas.microsoft.com/office/powerpoint/2010/main">
+    <mc:Choice Requires="p14">
       <p:transition spd="slow" p14:dur="2000"/>
     </mc:Choice>
-    <mc:Fallback>
+    <mc:Fallback xmlns="">
       <p:transition spd="slow"/>
     </mc:Fallback>
   </mc:AlternateContent>
@@ -10541,7 +11197,7 @@
 </p:sld>
 </file>
 
-<file path=ppt/slides/slide6.xml><?xml version="1.0" encoding="utf-8"?>
+<file path=ppt/slides/slide7.xml><?xml version="1.0" encoding="utf-8"?>
 <p:sld xmlns:a="http://schemas.openxmlformats.org/drawingml/2006/main" xmlns:r="http://schemas.openxmlformats.org/officeDocument/2006/relationships" xmlns:p="http://schemas.openxmlformats.org/presentationml/2006/main">
   <p:cSld>
     <p:spTree>
@@ -10727,11 +11383,11 @@
   <p:clrMapOvr>
     <a:masterClrMapping/>
   </p:clrMapOvr>
-  <mc:AlternateContent xmlns:mc="http://schemas.openxmlformats.org/markup-compatibility/2006">
-    <mc:Choice xmlns:p14="http://schemas.microsoft.com/office/powerpoint/2010/main" Requires="p14">
+  <mc:AlternateContent xmlns:mc="http://schemas.openxmlformats.org/markup-compatibility/2006" xmlns:p14="http://schemas.microsoft.com/office/powerpoint/2010/main">
+    <mc:Choice Requires="p14">
       <p:transition spd="slow" p14:dur="2000"/>
     </mc:Choice>
-    <mc:Fallback>
+    <mc:Fallback xmlns="">
       <p:transition spd="slow"/>
     </mc:Fallback>
   </mc:AlternateContent>
@@ -10745,7 +11401,7 @@
 </p:sld>
 </file>
 
-<file path=ppt/slides/slide7.xml><?xml version="1.0" encoding="utf-8"?>
+<file path=ppt/slides/slide8.xml><?xml version="1.0" encoding="utf-8"?>
 <p:sld xmlns:a="http://schemas.openxmlformats.org/drawingml/2006/main" xmlns:r="http://schemas.openxmlformats.org/officeDocument/2006/relationships" xmlns:p="http://schemas.openxmlformats.org/presentationml/2006/main">
   <p:cSld>
     <p:spTree>
@@ -10925,11 +11581,11 @@
   <p:clrMapOvr>
     <a:masterClrMapping/>
   </p:clrMapOvr>
-  <mc:AlternateContent xmlns:mc="http://schemas.openxmlformats.org/markup-compatibility/2006">
-    <mc:Choice xmlns:p14="http://schemas.microsoft.com/office/powerpoint/2010/main" Requires="p14">
+  <mc:AlternateContent xmlns:mc="http://schemas.openxmlformats.org/markup-compatibility/2006" xmlns:p14="http://schemas.microsoft.com/office/powerpoint/2010/main">
+    <mc:Choice Requires="p14">
       <p:transition spd="slow" p14:dur="2000"/>
     </mc:Choice>
-    <mc:Fallback>
+    <mc:Fallback xmlns="">
       <p:transition spd="slow"/>
     </mc:Fallback>
   </mc:AlternateContent>
@@ -10943,7 +11599,7 @@
 </p:sld>
 </file>
 
-<file path=ppt/slides/slide8.xml><?xml version="1.0" encoding="utf-8"?>
+<file path=ppt/slides/slide9.xml><?xml version="1.0" encoding="utf-8"?>
 <p:sld xmlns:a="http://schemas.openxmlformats.org/drawingml/2006/main" xmlns:r="http://schemas.openxmlformats.org/officeDocument/2006/relationships" xmlns:p="http://schemas.openxmlformats.org/presentationml/2006/main">
   <p:cSld>
     <p:spTree>
@@ -11165,199 +11821,14 @@
   <p:clrMapOvr>
     <a:masterClrMapping/>
   </p:clrMapOvr>
-  <mc:AlternateContent xmlns:mc="http://schemas.openxmlformats.org/markup-compatibility/2006">
-    <mc:Choice xmlns:p14="http://schemas.microsoft.com/office/powerpoint/2010/main" Requires="p14">
+  <mc:AlternateContent xmlns:mc="http://schemas.openxmlformats.org/markup-compatibility/2006" xmlns:p14="http://schemas.microsoft.com/office/powerpoint/2010/main">
+    <mc:Choice Requires="p14">
       <p:transition spd="slow" p14:dur="2000"/>
     </mc:Choice>
-    <mc:Fallback>
+    <mc:Fallback xmlns="">
       <p:transition spd="slow"/>
     </mc:Fallback>
   </mc:AlternateContent>
-  <p:timing>
-    <p:tnLst>
-      <p:par>
-        <p:cTn id="1" dur="indefinite" restart="never" nodeType="tmRoot"/>
-      </p:par>
-    </p:tnLst>
-  </p:timing>
-</p:sld>
-</file>
-
-<file path=ppt/slides/slide9.xml><?xml version="1.0" encoding="utf-8"?>
-<p:sld xmlns:a="http://schemas.openxmlformats.org/drawingml/2006/main" xmlns:r="http://schemas.openxmlformats.org/officeDocument/2006/relationships" xmlns:p="http://schemas.openxmlformats.org/presentationml/2006/main">
-  <p:cSld>
-    <p:spTree>
-      <p:nvGrpSpPr>
-        <p:cNvPr id="1" name=""/>
-        <p:cNvGrpSpPr/>
-        <p:nvPr/>
-      </p:nvGrpSpPr>
-      <p:grpSpPr>
-        <a:xfrm>
-          <a:off x="0" y="0"/>
-          <a:ext cx="0" cy="0"/>
-          <a:chOff x="0" y="0"/>
-          <a:chExt cx="0" cy="0"/>
-        </a:xfrm>
-      </p:grpSpPr>
-      <p:sp>
-        <p:nvSpPr>
-          <p:cNvPr id="26627" name="Rectangle 22"/>
-          <p:cNvSpPr>
-            <a:spLocks noGrp="1" noChangeArrowheads="1"/>
-          </p:cNvSpPr>
-          <p:nvPr>
-            <p:ph type="title"/>
-          </p:nvPr>
-        </p:nvSpPr>
-        <p:spPr>
-          <a:xfrm>
-            <a:off x="581892" y="476250"/>
-            <a:ext cx="7842972" cy="820535"/>
-          </a:xfrm>
-        </p:spPr>
-        <p:txBody>
-          <a:bodyPr vert="horz" lIns="91440" tIns="45720" rIns="91440" bIns="45720" rtlCol="0" anchor="ctr">
-            <a:normAutofit/>
-          </a:bodyPr>
-          <a:lstStyle/>
-          <a:p>
-            <a:r>
-              <a:rPr lang="fr-CH" altLang="fr-FR" sz="3200" dirty="0" err="1">
-                <a:latin typeface="HelveticaNeueLT Com 65 Md" panose="020B0604020202020204" pitchFamily="34" charset="0"/>
-              </a:rPr>
-              <a:t>Nosql</a:t>
-            </a:r>
-            <a:r>
-              <a:rPr lang="fr-CH" altLang="fr-FR" sz="3200" dirty="0">
-                <a:latin typeface="HelveticaNeueLT Com 65 Md" panose="020B0604020202020204" pitchFamily="34" charset="0"/>
-              </a:rPr>
-              <a:t> vs relationnel</a:t>
-            </a:r>
-          </a:p>
-        </p:txBody>
-      </p:sp>
-      <p:pic>
-        <p:nvPicPr>
-          <p:cNvPr id="3" name="Picture 3"/>
-          <p:cNvPicPr>
-            <a:picLocks noChangeAspect="1" noChangeArrowheads="1"/>
-          </p:cNvPicPr>
-          <p:nvPr/>
-        </p:nvPicPr>
-        <p:blipFill>
-          <a:blip r:embed="rId3">
-            <a:extLst>
-              <a:ext uri="{28A0092B-C50C-407E-A947-70E740481C1C}">
-                <a14:useLocalDpi xmlns:a14="http://schemas.microsoft.com/office/drawing/2010/main" val="0"/>
-              </a:ext>
-            </a:extLst>
-          </a:blip>
-          <a:srcRect/>
-          <a:stretch>
-            <a:fillRect/>
-          </a:stretch>
-        </p:blipFill>
-        <p:spPr bwMode="auto">
-          <a:xfrm>
-            <a:off x="4347555" y="3631495"/>
-            <a:ext cx="4617229" cy="3045143"/>
-          </a:xfrm>
-          <a:prstGeom prst="rect">
-            <a:avLst/>
-          </a:prstGeom>
-          <a:noFill/>
-          <a:ln>
-            <a:noFill/>
-          </a:ln>
-          <a:extLst>
-            <a:ext uri="{909E8E84-426E-40DD-AFC4-6F175D3DCCD1}">
-              <a14:hiddenFill xmlns:a14="http://schemas.microsoft.com/office/drawing/2010/main">
-                <a:solidFill>
-                  <a:schemeClr val="accent1"/>
-                </a:solidFill>
-              </a14:hiddenFill>
-            </a:ext>
-            <a:ext uri="{91240B29-F687-4F45-9708-019B960494DF}">
-              <a14:hiddenLine xmlns:a14="http://schemas.microsoft.com/office/drawing/2010/main" w="9525">
-                <a:solidFill>
-                  <a:schemeClr val="tx1"/>
-                </a:solidFill>
-                <a:miter lim="800000"/>
-                <a:headEnd/>
-                <a:tailEnd/>
-              </a14:hiddenLine>
-            </a:ext>
-          </a:extLst>
-        </p:spPr>
-      </p:pic>
-      <p:pic>
-        <p:nvPicPr>
-          <p:cNvPr id="2" name="Picture 2"/>
-          <p:cNvPicPr>
-            <a:picLocks noChangeAspect="1" noChangeArrowheads="1"/>
-          </p:cNvPicPr>
-          <p:nvPr/>
-        </p:nvPicPr>
-        <p:blipFill>
-          <a:blip r:embed="rId4">
-            <a:extLst>
-              <a:ext uri="{28A0092B-C50C-407E-A947-70E740481C1C}">
-                <a14:useLocalDpi xmlns:a14="http://schemas.microsoft.com/office/drawing/2010/main" val="0"/>
-              </a:ext>
-            </a:extLst>
-          </a:blip>
-          <a:srcRect/>
-          <a:stretch>
-            <a:fillRect/>
-          </a:stretch>
-        </p:blipFill>
-        <p:spPr bwMode="auto">
-          <a:xfrm>
-            <a:off x="301117" y="1299932"/>
-            <a:ext cx="4570872" cy="2286000"/>
-          </a:xfrm>
-          <a:prstGeom prst="rect">
-            <a:avLst/>
-          </a:prstGeom>
-          <a:noFill/>
-          <a:ln>
-            <a:noFill/>
-          </a:ln>
-          <a:extLst>
-            <a:ext uri="{909E8E84-426E-40DD-AFC4-6F175D3DCCD1}">
-              <a14:hiddenFill xmlns:a14="http://schemas.microsoft.com/office/drawing/2010/main">
-                <a:solidFill>
-                  <a:schemeClr val="accent1"/>
-                </a:solidFill>
-              </a14:hiddenFill>
-            </a:ext>
-            <a:ext uri="{91240B29-F687-4F45-9708-019B960494DF}">
-              <a14:hiddenLine xmlns:a14="http://schemas.microsoft.com/office/drawing/2010/main" w="9525">
-                <a:solidFill>
-                  <a:schemeClr val="tx1"/>
-                </a:solidFill>
-                <a:miter lim="800000"/>
-                <a:headEnd/>
-                <a:tailEnd/>
-              </a14:hiddenLine>
-            </a:ext>
-          </a:extLst>
-        </p:spPr>
-      </p:pic>
-    </p:spTree>
-    <p:extLst>
-      <p:ext uri="{BB962C8B-B14F-4D97-AF65-F5344CB8AC3E}">
-        <p14:creationId xmlns:p14="http://schemas.microsoft.com/office/powerpoint/2010/main" val="1076005922"/>
-      </p:ext>
-    </p:extLst>
-  </p:cSld>
-  <p:clrMapOvr>
-    <a:masterClrMapping/>
-  </p:clrMapOvr>
-  <p:transition spd="med">
-    <p:fade/>
-  </p:transition>
   <p:timing>
     <p:tnLst>
       <p:par>

--- a/neo4j-evalais/pres/evalais_neo4j.pptx
+++ b/neo4j-evalais/pres/evalais_neo4j.pptx
@@ -5,37 +5,38 @@
     <p:sldMasterId id="2147484047" r:id="rId1"/>
   </p:sldMasterIdLst>
   <p:notesMasterIdLst>
-    <p:notesMasterId r:id="rId27"/>
+    <p:notesMasterId r:id="rId28"/>
   </p:notesMasterIdLst>
   <p:handoutMasterIdLst>
-    <p:handoutMasterId r:id="rId28"/>
+    <p:handoutMasterId r:id="rId29"/>
   </p:handoutMasterIdLst>
   <p:sldIdLst>
     <p:sldId id="423" r:id="rId2"/>
     <p:sldId id="428" r:id="rId3"/>
     <p:sldId id="429" r:id="rId4"/>
-    <p:sldId id="424" r:id="rId5"/>
-    <p:sldId id="400" r:id="rId6"/>
-    <p:sldId id="401" r:id="rId7"/>
-    <p:sldId id="402" r:id="rId8"/>
-    <p:sldId id="403" r:id="rId9"/>
-    <p:sldId id="404" r:id="rId10"/>
-    <p:sldId id="406" r:id="rId11"/>
-    <p:sldId id="414" r:id="rId12"/>
-    <p:sldId id="416" r:id="rId13"/>
-    <p:sldId id="409" r:id="rId14"/>
-    <p:sldId id="415" r:id="rId15"/>
-    <p:sldId id="425" r:id="rId16"/>
-    <p:sldId id="368" r:id="rId17"/>
-    <p:sldId id="418" r:id="rId18"/>
-    <p:sldId id="407" r:id="rId19"/>
-    <p:sldId id="420" r:id="rId20"/>
-    <p:sldId id="421" r:id="rId21"/>
+    <p:sldId id="430" r:id="rId5"/>
+    <p:sldId id="424" r:id="rId6"/>
+    <p:sldId id="400" r:id="rId7"/>
+    <p:sldId id="401" r:id="rId8"/>
+    <p:sldId id="402" r:id="rId9"/>
+    <p:sldId id="403" r:id="rId10"/>
+    <p:sldId id="404" r:id="rId11"/>
+    <p:sldId id="406" r:id="rId12"/>
+    <p:sldId id="414" r:id="rId13"/>
+    <p:sldId id="416" r:id="rId14"/>
+    <p:sldId id="409" r:id="rId15"/>
+    <p:sldId id="415" r:id="rId16"/>
+    <p:sldId id="425" r:id="rId17"/>
+    <p:sldId id="368" r:id="rId18"/>
+    <p:sldId id="418" r:id="rId19"/>
+    <p:sldId id="407" r:id="rId20"/>
+    <p:sldId id="420" r:id="rId21"/>
     <p:sldId id="411" r:id="rId22"/>
     <p:sldId id="426" r:id="rId23"/>
-    <p:sldId id="398" r:id="rId24"/>
-    <p:sldId id="408" r:id="rId25"/>
-    <p:sldId id="427" r:id="rId26"/>
+    <p:sldId id="421" r:id="rId24"/>
+    <p:sldId id="398" r:id="rId25"/>
+    <p:sldId id="408" r:id="rId26"/>
+    <p:sldId id="427" r:id="rId27"/>
   </p:sldIdLst>
   <p:sldSz cx="9144000" cy="6858000" type="screen4x3"/>
   <p:notesSz cx="6797675" cy="9928225"/>
@@ -1000,7 +1001,80 @@
           <a:bodyPr/>
           <a:lstStyle/>
           <a:p>
-            <a:endParaRPr lang="fr-CH"/>
+            <a:r>
+              <a:rPr lang="fr-CH" dirty="0" smtClean="0"/>
+              <a:t>Combien connaissent</a:t>
+            </a:r>
+            <a:r>
+              <a:rPr lang="fr-CH" baseline="0" dirty="0" smtClean="0"/>
+              <a:t> </a:t>
+            </a:r>
+            <a:r>
+              <a:rPr lang="fr-CH" baseline="0" dirty="0" err="1" smtClean="0"/>
+              <a:t>NoSQL</a:t>
+            </a:r>
+            <a:r>
+              <a:rPr lang="fr-CH" baseline="0" dirty="0" smtClean="0"/>
+              <a:t> ?</a:t>
+            </a:r>
+          </a:p>
+          <a:p>
+            <a:r>
+              <a:rPr lang="fr-CH" baseline="0" dirty="0" smtClean="0"/>
+              <a:t>Combien ont pratiqué </a:t>
+            </a:r>
+            <a:r>
+              <a:rPr lang="fr-CH" baseline="0" dirty="0" err="1" smtClean="0"/>
+              <a:t>NoSQL</a:t>
+            </a:r>
+            <a:r>
+              <a:rPr lang="fr-CH" baseline="0" dirty="0" smtClean="0"/>
+              <a:t> ?</a:t>
+            </a:r>
+          </a:p>
+          <a:p>
+            <a:r>
+              <a:rPr lang="fr-CH" baseline="0" dirty="0" smtClean="0"/>
+              <a:t>Qui a utilisé des DB clé-valeur ?</a:t>
+            </a:r>
+          </a:p>
+          <a:p>
+            <a:r>
+              <a:rPr lang="fr-CH" baseline="0" dirty="0" smtClean="0"/>
+              <a:t>Qui a utilisé des DB colonnes ?</a:t>
+            </a:r>
+          </a:p>
+          <a:p>
+            <a:r>
+              <a:rPr lang="fr-CH" baseline="0" dirty="0" smtClean="0"/>
+              <a:t>Qui a utilisé des DB documents ?</a:t>
+            </a:r>
+          </a:p>
+          <a:p>
+            <a:r>
+              <a:rPr lang="fr-CH" baseline="0" dirty="0" smtClean="0"/>
+              <a:t>Qui a utilisé des DB graphe ?</a:t>
+            </a:r>
+          </a:p>
+          <a:p>
+            <a:r>
+              <a:rPr lang="fr-CH" baseline="0" dirty="0" smtClean="0"/>
+              <a:t>Qui pense utiliser </a:t>
+            </a:r>
+            <a:r>
+              <a:rPr lang="fr-CH" baseline="0" dirty="0" err="1" smtClean="0"/>
+              <a:t>noSql</a:t>
+            </a:r>
+            <a:r>
+              <a:rPr lang="fr-CH" baseline="0" dirty="0" smtClean="0"/>
+              <a:t> dans les 2 prochaines années ?</a:t>
+            </a:r>
+          </a:p>
+          <a:p>
+            <a:endParaRPr lang="fr-CH" baseline="0" dirty="0" smtClean="0"/>
+          </a:p>
+          <a:p>
+            <a:endParaRPr lang="fr-CH" dirty="0"/>
           </a:p>
         </p:txBody>
       </p:sp>
@@ -1303,6 +1377,267 @@
       </p:grpSpPr>
       <p:sp>
         <p:nvSpPr>
+          <p:cNvPr id="35842" name="Rectangle 7"/>
+          <p:cNvSpPr>
+            <a:spLocks noGrp="1" noChangeArrowheads="1"/>
+          </p:cNvSpPr>
+          <p:nvPr>
+            <p:ph type="sldNum" sz="quarter" idx="5"/>
+          </p:nvPr>
+        </p:nvSpPr>
+        <p:spPr>
+          <a:noFill/>
+          <a:extLst>
+            <a:ext uri="{909E8E84-426E-40DD-AFC4-6F175D3DCCD1}">
+              <a14:hiddenFill xmlns:a14="http://schemas.microsoft.com/office/drawing/2010/main">
+                <a:solidFill>
+                  <a:schemeClr val="accent1"/>
+                </a:solidFill>
+              </a14:hiddenFill>
+            </a:ext>
+            <a:ext uri="{91240B29-F687-4F45-9708-019B960494DF}">
+              <a14:hiddenLine xmlns:a14="http://schemas.microsoft.com/office/drawing/2010/main" w="9525">
+                <a:solidFill>
+                  <a:schemeClr val="tx1"/>
+                </a:solidFill>
+                <a:miter lim="800000"/>
+                <a:headEnd/>
+                <a:tailEnd/>
+              </a14:hiddenLine>
+            </a:ext>
+          </a:extLst>
+        </p:spPr>
+        <p:txBody>
+          <a:bodyPr/>
+          <a:lstStyle>
+            <a:lvl1pPr>
+              <a:defRPr sz="2400">
+                <a:solidFill>
+                  <a:schemeClr val="tx1"/>
+                </a:solidFill>
+                <a:latin typeface="Arial" charset="0"/>
+                <a:ea typeface="MS PGothic" pitchFamily="34" charset="-128"/>
+              </a:defRPr>
+            </a:lvl1pPr>
+            <a:lvl2pPr marL="742950" indent="-285750">
+              <a:defRPr sz="2400">
+                <a:solidFill>
+                  <a:schemeClr val="tx1"/>
+                </a:solidFill>
+                <a:latin typeface="Arial" charset="0"/>
+                <a:ea typeface="MS PGothic" pitchFamily="34" charset="-128"/>
+              </a:defRPr>
+            </a:lvl2pPr>
+            <a:lvl3pPr marL="1143000" indent="-228600">
+              <a:defRPr sz="2400">
+                <a:solidFill>
+                  <a:schemeClr val="tx1"/>
+                </a:solidFill>
+                <a:latin typeface="Arial" charset="0"/>
+                <a:ea typeface="MS PGothic" pitchFamily="34" charset="-128"/>
+              </a:defRPr>
+            </a:lvl3pPr>
+            <a:lvl4pPr marL="1600200" indent="-228600">
+              <a:defRPr sz="2400">
+                <a:solidFill>
+                  <a:schemeClr val="tx1"/>
+                </a:solidFill>
+                <a:latin typeface="Arial" charset="0"/>
+                <a:ea typeface="MS PGothic" pitchFamily="34" charset="-128"/>
+              </a:defRPr>
+            </a:lvl4pPr>
+            <a:lvl5pPr marL="2057400" indent="-228600">
+              <a:defRPr sz="2400">
+                <a:solidFill>
+                  <a:schemeClr val="tx1"/>
+                </a:solidFill>
+                <a:latin typeface="Arial" charset="0"/>
+                <a:ea typeface="MS PGothic" pitchFamily="34" charset="-128"/>
+              </a:defRPr>
+            </a:lvl5pPr>
+            <a:lvl6pPr marL="2514600" indent="-228600" eaLnBrk="0" fontAlgn="base" hangingPunct="0">
+              <a:spcBef>
+                <a:spcPct val="0"/>
+              </a:spcBef>
+              <a:spcAft>
+                <a:spcPct val="0"/>
+              </a:spcAft>
+              <a:defRPr sz="2400">
+                <a:solidFill>
+                  <a:schemeClr val="tx1"/>
+                </a:solidFill>
+                <a:latin typeface="Arial" charset="0"/>
+                <a:ea typeface="MS PGothic" pitchFamily="34" charset="-128"/>
+              </a:defRPr>
+            </a:lvl6pPr>
+            <a:lvl7pPr marL="2971800" indent="-228600" eaLnBrk="0" fontAlgn="base" hangingPunct="0">
+              <a:spcBef>
+                <a:spcPct val="0"/>
+              </a:spcBef>
+              <a:spcAft>
+                <a:spcPct val="0"/>
+              </a:spcAft>
+              <a:defRPr sz="2400">
+                <a:solidFill>
+                  <a:schemeClr val="tx1"/>
+                </a:solidFill>
+                <a:latin typeface="Arial" charset="0"/>
+                <a:ea typeface="MS PGothic" pitchFamily="34" charset="-128"/>
+              </a:defRPr>
+            </a:lvl7pPr>
+            <a:lvl8pPr marL="3429000" indent="-228600" eaLnBrk="0" fontAlgn="base" hangingPunct="0">
+              <a:spcBef>
+                <a:spcPct val="0"/>
+              </a:spcBef>
+              <a:spcAft>
+                <a:spcPct val="0"/>
+              </a:spcAft>
+              <a:defRPr sz="2400">
+                <a:solidFill>
+                  <a:schemeClr val="tx1"/>
+                </a:solidFill>
+                <a:latin typeface="Arial" charset="0"/>
+                <a:ea typeface="MS PGothic" pitchFamily="34" charset="-128"/>
+              </a:defRPr>
+            </a:lvl8pPr>
+            <a:lvl9pPr marL="3886200" indent="-228600" eaLnBrk="0" fontAlgn="base" hangingPunct="0">
+              <a:spcBef>
+                <a:spcPct val="0"/>
+              </a:spcBef>
+              <a:spcAft>
+                <a:spcPct val="0"/>
+              </a:spcAft>
+              <a:defRPr sz="2400">
+                <a:solidFill>
+                  <a:schemeClr val="tx1"/>
+                </a:solidFill>
+                <a:latin typeface="Arial" charset="0"/>
+                <a:ea typeface="MS PGothic" pitchFamily="34" charset="-128"/>
+              </a:defRPr>
+            </a:lvl9pPr>
+          </a:lstStyle>
+          <a:p>
+            <a:fld id="{CA90B305-0232-43A1-9EB5-54375DCFF8D0}" type="slidenum">
+              <a:rPr lang="de-DE" altLang="fr-FR" sz="1200" smtClean="0"/>
+              <a:pPr/>
+              <a:t>23</a:t>
+            </a:fld>
+            <a:endParaRPr lang="de-DE" altLang="fr-FR" sz="1200" smtClean="0"/>
+          </a:p>
+        </p:txBody>
+      </p:sp>
+      <p:sp>
+        <p:nvSpPr>
+          <p:cNvPr id="35843" name="Rectangle 2"/>
+          <p:cNvSpPr>
+            <a:spLocks noGrp="1" noRot="1" noChangeAspect="1" noChangeArrowheads="1" noTextEdit="1"/>
+          </p:cNvSpPr>
+          <p:nvPr>
+            <p:ph type="sldImg"/>
+          </p:nvPr>
+        </p:nvSpPr>
+        <p:spPr>
+          <a:ln/>
+        </p:spPr>
+      </p:sp>
+      <p:sp>
+        <p:nvSpPr>
+          <p:cNvPr id="35844" name="Rectangle 3"/>
+          <p:cNvSpPr>
+            <a:spLocks noGrp="1" noChangeArrowheads="1"/>
+          </p:cNvSpPr>
+          <p:nvPr>
+            <p:ph type="body" idx="1"/>
+          </p:nvPr>
+        </p:nvSpPr>
+        <p:spPr>
+          <a:noFill/>
+          <a:extLst>
+            <a:ext uri="{909E8E84-426E-40DD-AFC4-6F175D3DCCD1}">
+              <a14:hiddenFill xmlns:a14="http://schemas.microsoft.com/office/drawing/2010/main">
+                <a:solidFill>
+                  <a:schemeClr val="accent1"/>
+                </a:solidFill>
+              </a14:hiddenFill>
+            </a:ext>
+            <a:ext uri="{91240B29-F687-4F45-9708-019B960494DF}">
+              <a14:hiddenLine xmlns:a14="http://schemas.microsoft.com/office/drawing/2010/main" w="9525">
+                <a:solidFill>
+                  <a:schemeClr val="tx1"/>
+                </a:solidFill>
+                <a:miter lim="800000"/>
+                <a:headEnd/>
+                <a:tailEnd/>
+              </a14:hiddenLine>
+            </a:ext>
+          </a:extLst>
+        </p:spPr>
+        <p:txBody>
+          <a:bodyPr/>
+          <a:lstStyle/>
+          <a:p>
+            <a:pPr marL="0" marR="0" indent="0" algn="l" defTabSz="914400" rtl="0" eaLnBrk="1" fontAlgn="base" latinLnBrk="0" hangingPunct="1">
+              <a:lnSpc>
+                <a:spcPct val="100000"/>
+              </a:lnSpc>
+              <a:spcBef>
+                <a:spcPct val="30000"/>
+              </a:spcBef>
+              <a:spcAft>
+                <a:spcPct val="0"/>
+              </a:spcAft>
+              <a:buClrTx/>
+              <a:buSzTx/>
+              <a:buFontTx/>
+              <a:buNone/>
+              <a:tabLst/>
+              <a:defRPr/>
+            </a:pPr>
+            <a:r>
+              <a:rPr lang="fr-CH" dirty="0" smtClean="0"/>
+              <a:t>voir cypher.txt</a:t>
+            </a:r>
+          </a:p>
+          <a:p>
+            <a:pPr eaLnBrk="1" hangingPunct="1"/>
+            <a:endParaRPr lang="fr-CH" altLang="fr-FR" dirty="0" smtClean="0">
+              <a:ea typeface="MS PGothic" pitchFamily="34" charset="-128"/>
+            </a:endParaRPr>
+          </a:p>
+        </p:txBody>
+      </p:sp>
+    </p:spTree>
+    <p:extLst>
+      <p:ext uri="{BB962C8B-B14F-4D97-AF65-F5344CB8AC3E}">
+        <p14:creationId xmlns:p14="http://schemas.microsoft.com/office/powerpoint/2010/main" val="4040807842"/>
+      </p:ext>
+    </p:extLst>
+  </p:cSld>
+  <p:clrMapOvr>
+    <a:masterClrMapping/>
+  </p:clrMapOvr>
+</p:notes>
+</file>
+
+<file path=ppt/notesSlides/notesSlide12.xml><?xml version="1.0" encoding="utf-8"?>
+<p:notes xmlns:a="http://schemas.openxmlformats.org/drawingml/2006/main" xmlns:r="http://schemas.openxmlformats.org/officeDocument/2006/relationships" xmlns:p="http://schemas.openxmlformats.org/presentationml/2006/main">
+  <p:cSld>
+    <p:spTree>
+      <p:nvGrpSpPr>
+        <p:cNvPr id="1" name=""/>
+        <p:cNvGrpSpPr/>
+        <p:nvPr/>
+      </p:nvGrpSpPr>
+      <p:grpSpPr>
+        <a:xfrm>
+          <a:off x="0" y="0"/>
+          <a:ext cx="0" cy="0"/>
+          <a:chOff x="0" y="0"/>
+          <a:chExt cx="0" cy="0"/>
+        </a:xfrm>
+      </p:grpSpPr>
+      <p:sp>
+        <p:nvSpPr>
           <p:cNvPr id="2" name="Espace réservé de l'image des diapositives 1"/>
           <p:cNvSpPr>
             <a:spLocks noGrp="1" noRot="1" noChangeAspect="1"/>
@@ -1407,7 +1742,7 @@
               <a:pPr>
                 <a:defRPr/>
               </a:pPr>
-              <a:t>23</a:t>
+              <a:t>24</a:t>
             </a:fld>
             <a:endParaRPr lang="de-DE" altLang="fr-FR"/>
           </a:p>
@@ -1445,216 +1780,71 @@
       </p:grpSpPr>
       <p:sp>
         <p:nvSpPr>
-          <p:cNvPr id="35842" name="Rectangle 7"/>
-          <p:cNvSpPr>
-            <a:spLocks noGrp="1" noChangeArrowheads="1"/>
-          </p:cNvSpPr>
-          <p:nvPr>
-            <p:ph type="sldNum" sz="quarter" idx="5"/>
-          </p:nvPr>
-        </p:nvSpPr>
-        <p:spPr>
-          <a:noFill/>
-          <a:extLst>
-            <a:ext uri="{909E8E84-426E-40DD-AFC4-6F175D3DCCD1}">
-              <a14:hiddenFill xmlns:a14="http://schemas.microsoft.com/office/drawing/2010/main">
-                <a:solidFill>
-                  <a:schemeClr val="accent1"/>
-                </a:solidFill>
-              </a14:hiddenFill>
-            </a:ext>
-            <a:ext uri="{91240B29-F687-4F45-9708-019B960494DF}">
-              <a14:hiddenLine xmlns:a14="http://schemas.microsoft.com/office/drawing/2010/main" w="9525">
-                <a:solidFill>
-                  <a:schemeClr val="tx1"/>
-                </a:solidFill>
-                <a:miter lim="800000"/>
-                <a:headEnd/>
-                <a:tailEnd/>
-              </a14:hiddenLine>
-            </a:ext>
-          </a:extLst>
-        </p:spPr>
-        <p:txBody>
-          <a:bodyPr/>
-          <a:lstStyle>
-            <a:lvl1pPr>
-              <a:defRPr sz="2400">
-                <a:solidFill>
-                  <a:schemeClr val="tx1"/>
-                </a:solidFill>
-                <a:latin typeface="Arial" charset="0"/>
-                <a:ea typeface="MS PGothic" pitchFamily="34" charset="-128"/>
-              </a:defRPr>
-            </a:lvl1pPr>
-            <a:lvl2pPr marL="742950" indent="-285750">
-              <a:defRPr sz="2400">
-                <a:solidFill>
-                  <a:schemeClr val="tx1"/>
-                </a:solidFill>
-                <a:latin typeface="Arial" charset="0"/>
-                <a:ea typeface="MS PGothic" pitchFamily="34" charset="-128"/>
-              </a:defRPr>
-            </a:lvl2pPr>
-            <a:lvl3pPr marL="1143000" indent="-228600">
-              <a:defRPr sz="2400">
-                <a:solidFill>
-                  <a:schemeClr val="tx1"/>
-                </a:solidFill>
-                <a:latin typeface="Arial" charset="0"/>
-                <a:ea typeface="MS PGothic" pitchFamily="34" charset="-128"/>
-              </a:defRPr>
-            </a:lvl3pPr>
-            <a:lvl4pPr marL="1600200" indent="-228600">
-              <a:defRPr sz="2400">
-                <a:solidFill>
-                  <a:schemeClr val="tx1"/>
-                </a:solidFill>
-                <a:latin typeface="Arial" charset="0"/>
-                <a:ea typeface="MS PGothic" pitchFamily="34" charset="-128"/>
-              </a:defRPr>
-            </a:lvl4pPr>
-            <a:lvl5pPr marL="2057400" indent="-228600">
-              <a:defRPr sz="2400">
-                <a:solidFill>
-                  <a:schemeClr val="tx1"/>
-                </a:solidFill>
-                <a:latin typeface="Arial" charset="0"/>
-                <a:ea typeface="MS PGothic" pitchFamily="34" charset="-128"/>
-              </a:defRPr>
-            </a:lvl5pPr>
-            <a:lvl6pPr marL="2514600" indent="-228600" eaLnBrk="0" fontAlgn="base" hangingPunct="0">
-              <a:spcBef>
-                <a:spcPct val="0"/>
-              </a:spcBef>
-              <a:spcAft>
-                <a:spcPct val="0"/>
-              </a:spcAft>
-              <a:defRPr sz="2400">
-                <a:solidFill>
-                  <a:schemeClr val="tx1"/>
-                </a:solidFill>
-                <a:latin typeface="Arial" charset="0"/>
-                <a:ea typeface="MS PGothic" pitchFamily="34" charset="-128"/>
-              </a:defRPr>
-            </a:lvl6pPr>
-            <a:lvl7pPr marL="2971800" indent="-228600" eaLnBrk="0" fontAlgn="base" hangingPunct="0">
-              <a:spcBef>
-                <a:spcPct val="0"/>
-              </a:spcBef>
-              <a:spcAft>
-                <a:spcPct val="0"/>
-              </a:spcAft>
-              <a:defRPr sz="2400">
-                <a:solidFill>
-                  <a:schemeClr val="tx1"/>
-                </a:solidFill>
-                <a:latin typeface="Arial" charset="0"/>
-                <a:ea typeface="MS PGothic" pitchFamily="34" charset="-128"/>
-              </a:defRPr>
-            </a:lvl7pPr>
-            <a:lvl8pPr marL="3429000" indent="-228600" eaLnBrk="0" fontAlgn="base" hangingPunct="0">
-              <a:spcBef>
-                <a:spcPct val="0"/>
-              </a:spcBef>
-              <a:spcAft>
-                <a:spcPct val="0"/>
-              </a:spcAft>
-              <a:defRPr sz="2400">
-                <a:solidFill>
-                  <a:schemeClr val="tx1"/>
-                </a:solidFill>
-                <a:latin typeface="Arial" charset="0"/>
-                <a:ea typeface="MS PGothic" pitchFamily="34" charset="-128"/>
-              </a:defRPr>
-            </a:lvl8pPr>
-            <a:lvl9pPr marL="3886200" indent="-228600" eaLnBrk="0" fontAlgn="base" hangingPunct="0">
-              <a:spcBef>
-                <a:spcPct val="0"/>
-              </a:spcBef>
-              <a:spcAft>
-                <a:spcPct val="0"/>
-              </a:spcAft>
-              <a:defRPr sz="2400">
-                <a:solidFill>
-                  <a:schemeClr val="tx1"/>
-                </a:solidFill>
-                <a:latin typeface="Arial" charset="0"/>
-                <a:ea typeface="MS PGothic" pitchFamily="34" charset="-128"/>
-              </a:defRPr>
-            </a:lvl9pPr>
-          </a:lstStyle>
-          <a:p>
-            <a:fld id="{CA90B305-0232-43A1-9EB5-54375DCFF8D0}" type="slidenum">
-              <a:rPr lang="de-DE" altLang="fr-FR" sz="1200" smtClean="0"/>
-              <a:pPr/>
-              <a:t>10</a:t>
-            </a:fld>
-            <a:endParaRPr lang="de-DE" altLang="fr-FR" sz="1200" smtClean="0"/>
-          </a:p>
-        </p:txBody>
-      </p:sp>
-      <p:sp>
-        <p:nvSpPr>
-          <p:cNvPr id="35843" name="Rectangle 2"/>
-          <p:cNvSpPr>
-            <a:spLocks noGrp="1" noRot="1" noChangeAspect="1" noChangeArrowheads="1" noTextEdit="1"/>
+          <p:cNvPr id="2" name="Espace réservé de l'image des diapositives 1"/>
+          <p:cNvSpPr>
+            <a:spLocks noGrp="1" noRot="1" noChangeAspect="1"/>
           </p:cNvSpPr>
           <p:nvPr>
             <p:ph type="sldImg"/>
           </p:nvPr>
         </p:nvSpPr>
-        <p:spPr>
-          <a:ln/>
-        </p:spPr>
-      </p:sp>
-      <p:sp>
-        <p:nvSpPr>
-          <p:cNvPr id="35844" name="Rectangle 3"/>
-          <p:cNvSpPr>
-            <a:spLocks noGrp="1" noChangeArrowheads="1"/>
+        <p:spPr/>
+      </p:sp>
+      <p:sp>
+        <p:nvSpPr>
+          <p:cNvPr id="3" name="Espace réservé des commentaires 2"/>
+          <p:cNvSpPr>
+            <a:spLocks noGrp="1"/>
           </p:cNvSpPr>
           <p:nvPr>
             <p:ph type="body" idx="1"/>
           </p:nvPr>
         </p:nvSpPr>
-        <p:spPr>
-          <a:noFill/>
-          <a:extLst>
-            <a:ext uri="{909E8E84-426E-40DD-AFC4-6F175D3DCCD1}">
-              <a14:hiddenFill xmlns:a14="http://schemas.microsoft.com/office/drawing/2010/main">
-                <a:solidFill>
-                  <a:schemeClr val="accent1"/>
-                </a:solidFill>
-              </a14:hiddenFill>
-            </a:ext>
-            <a:ext uri="{91240B29-F687-4F45-9708-019B960494DF}">
-              <a14:hiddenLine xmlns:a14="http://schemas.microsoft.com/office/drawing/2010/main" w="9525">
-                <a:solidFill>
-                  <a:schemeClr val="tx1"/>
-                </a:solidFill>
-                <a:miter lim="800000"/>
-                <a:headEnd/>
-                <a:tailEnd/>
-              </a14:hiddenLine>
-            </a:ext>
-          </a:extLst>
-        </p:spPr>
+        <p:spPr/>
         <p:txBody>
           <a:bodyPr/>
           <a:lstStyle/>
           <a:p>
-            <a:pPr eaLnBrk="1" hangingPunct="1"/>
-            <a:endParaRPr lang="fr-CH" altLang="fr-FR" dirty="0" smtClean="0">
-              <a:ea typeface="MS PGothic" pitchFamily="34" charset="-128"/>
-            </a:endParaRPr>
+            <a:endParaRPr lang="fr-CH" baseline="0" dirty="0" smtClean="0"/>
+          </a:p>
+          <a:p>
+            <a:endParaRPr lang="fr-CH" dirty="0"/>
+          </a:p>
+        </p:txBody>
+      </p:sp>
+      <p:sp>
+        <p:nvSpPr>
+          <p:cNvPr id="4" name="Espace réservé du numéro de diapositive 3"/>
+          <p:cNvSpPr>
+            <a:spLocks noGrp="1"/>
+          </p:cNvSpPr>
+          <p:nvPr>
+            <p:ph type="sldNum" sz="quarter" idx="10"/>
+          </p:nvPr>
+        </p:nvSpPr>
+        <p:spPr/>
+        <p:txBody>
+          <a:bodyPr/>
+          <a:lstStyle/>
+          <a:p>
+            <a:pPr>
+              <a:defRPr/>
+            </a:pPr>
+            <a:fld id="{63B015E7-1691-431F-8EA0-2CE15DE2D1F9}" type="slidenum">
+              <a:rPr lang="de-DE" altLang="fr-FR" smtClean="0"/>
+              <a:pPr>
+                <a:defRPr/>
+              </a:pPr>
+              <a:t>4</a:t>
+            </a:fld>
+            <a:endParaRPr lang="de-DE" altLang="fr-FR"/>
           </a:p>
         </p:txBody>
       </p:sp>
     </p:spTree>
     <p:extLst>
       <p:ext uri="{BB962C8B-B14F-4D97-AF65-F5344CB8AC3E}">
-        <p14:creationId xmlns:p14="http://schemas.microsoft.com/office/powerpoint/2010/main" val="4040807842"/>
+        <p14:creationId xmlns:p14="http://schemas.microsoft.com/office/powerpoint/2010/main" val="727598521"/>
       </p:ext>
     </p:extLst>
   </p:cSld>
@@ -2064,7 +2254,7 @@
             <a:fld id="{CA90B305-0232-43A1-9EB5-54375DCFF8D0}" type="slidenum">
               <a:rPr lang="de-DE" altLang="fr-FR" sz="1200" smtClean="0"/>
               <a:pPr/>
-              <a:t>13</a:t>
+              <a:t>12</a:t>
             </a:fld>
             <a:endParaRPr lang="de-DE" altLang="fr-FR" sz="1200" smtClean="0"/>
           </a:p>
@@ -2119,135 +2309,6 @@
         <p:txBody>
           <a:bodyPr/>
           <a:lstStyle/>
-          <a:p>
-            <a:r>
-              <a:rPr lang="fr-FR" sz="1200" b="1" i="0" kern="1200" dirty="0" smtClean="0">
-                <a:solidFill>
-                  <a:schemeClr val="tx1"/>
-                </a:solidFill>
-                <a:effectLst/>
-                <a:latin typeface="Arial" charset="0"/>
-                <a:ea typeface="MS PGothic" charset="0"/>
-                <a:cs typeface="MS PGothic" charset="0"/>
-              </a:rPr>
-              <a:t>Atomicité</a:t>
-            </a:r>
-            <a:r>
-              <a:rPr lang="fr-FR" sz="1200" b="0" i="0" kern="1200" dirty="0" smtClean="0">
-                <a:solidFill>
-                  <a:schemeClr val="tx1"/>
-                </a:solidFill>
-                <a:effectLst/>
-                <a:latin typeface="Arial" charset="0"/>
-                <a:ea typeface="MS PGothic" charset="0"/>
-                <a:cs typeface="MS PGothic" charset="0"/>
-              </a:rPr>
-              <a:t> : Tout ou rien. Soit l’opération se fait en entier, soit elle ne se fait pas du tout. La notion d’atomicité sous-entend la possibilité de défaire une opération avortée.</a:t>
-            </a:r>
-          </a:p>
-          <a:p>
-            <a:r>
-              <a:rPr lang="fr-FR" sz="1200" b="1" i="0" kern="1200" dirty="0" smtClean="0">
-                <a:solidFill>
-                  <a:schemeClr val="tx1"/>
-                </a:solidFill>
-                <a:effectLst/>
-                <a:latin typeface="Arial" charset="0"/>
-                <a:ea typeface="MS PGothic" charset="0"/>
-                <a:cs typeface="MS PGothic" charset="0"/>
-              </a:rPr>
-              <a:t>Cohérence</a:t>
-            </a:r>
-            <a:r>
-              <a:rPr lang="fr-FR" sz="1200" b="0" i="0" kern="1200" dirty="0" smtClean="0">
-                <a:solidFill>
-                  <a:schemeClr val="tx1"/>
-                </a:solidFill>
-                <a:effectLst/>
-                <a:latin typeface="Arial" charset="0"/>
-                <a:ea typeface="MS PGothic" charset="0"/>
-                <a:cs typeface="MS PGothic" charset="0"/>
-              </a:rPr>
-              <a:t> : L’opération doit assurer que la base de données sera dans un état valide après l’opération.</a:t>
-            </a:r>
-          </a:p>
-          <a:p>
-            <a:r>
-              <a:rPr lang="fr-FR" sz="1200" b="1" i="0" kern="1200" dirty="0" smtClean="0">
-                <a:solidFill>
-                  <a:schemeClr val="tx1"/>
-                </a:solidFill>
-                <a:effectLst/>
-                <a:latin typeface="Arial" charset="0"/>
-                <a:ea typeface="MS PGothic" charset="0"/>
-                <a:cs typeface="MS PGothic" charset="0"/>
-              </a:rPr>
-              <a:t>Isolation</a:t>
-            </a:r>
-            <a:r>
-              <a:rPr lang="fr-FR" sz="1200" b="0" i="0" kern="1200" dirty="0" smtClean="0">
-                <a:solidFill>
-                  <a:schemeClr val="tx1"/>
-                </a:solidFill>
-                <a:effectLst/>
-                <a:latin typeface="Arial" charset="0"/>
-                <a:ea typeface="MS PGothic" charset="0"/>
-                <a:cs typeface="MS PGothic" charset="0"/>
-              </a:rPr>
-              <a:t> : L’opération doit se faire en toute autonomie sans dépendance à une autre opération.</a:t>
-            </a:r>
-          </a:p>
-          <a:p>
-            <a:r>
-              <a:rPr lang="fr-FR" sz="1200" b="1" i="0" kern="1200" dirty="0" smtClean="0">
-                <a:solidFill>
-                  <a:schemeClr val="tx1"/>
-                </a:solidFill>
-                <a:effectLst/>
-                <a:latin typeface="Arial" charset="0"/>
-                <a:ea typeface="MS PGothic" charset="0"/>
-                <a:cs typeface="MS PGothic" charset="0"/>
-              </a:rPr>
-              <a:t>Durabilité</a:t>
-            </a:r>
-            <a:r>
-              <a:rPr lang="fr-FR" sz="1200" b="0" i="0" kern="1200" dirty="0" smtClean="0">
-                <a:solidFill>
-                  <a:schemeClr val="tx1"/>
-                </a:solidFill>
-                <a:effectLst/>
-                <a:latin typeface="Arial" charset="0"/>
-                <a:ea typeface="MS PGothic" charset="0"/>
-                <a:cs typeface="MS PGothic" charset="0"/>
-              </a:rPr>
-              <a:t> : En cas de problème important (coupure d’électricité), les modifications apportées sont bien enregistrées.</a:t>
-            </a:r>
-          </a:p>
-          <a:p>
-            <a:endParaRPr lang="fr-FR" sz="1200" b="0" i="0" kern="1200" dirty="0" smtClean="0">
-              <a:solidFill>
-                <a:schemeClr val="tx1"/>
-              </a:solidFill>
-              <a:effectLst/>
-              <a:latin typeface="Arial" charset="0"/>
-              <a:ea typeface="MS PGothic" charset="0"/>
-              <a:cs typeface="MS PGothic" charset="0"/>
-            </a:endParaRPr>
-          </a:p>
-          <a:p>
-            <a:r>
-              <a:rPr lang="fr-FR" sz="1200" b="0" i="0" kern="1200" dirty="0" smtClean="0">
-                <a:solidFill>
-                  <a:schemeClr val="tx1"/>
-                </a:solidFill>
-                <a:effectLst/>
-                <a:latin typeface="Arial" charset="0"/>
-                <a:ea typeface="MS PGothic" charset="0"/>
-                <a:cs typeface="MS PGothic" charset="0"/>
-              </a:rPr>
-              <a:t>Ex: Amazon non dispo -&gt; $$$</a:t>
-            </a:r>
-          </a:p>
           <a:p>
             <a:pPr eaLnBrk="1" hangingPunct="1"/>
             <a:endParaRPr lang="fr-CH" altLang="fr-FR" dirty="0" smtClean="0">
@@ -2431,7 +2492,7 @@
             <a:fld id="{CA90B305-0232-43A1-9EB5-54375DCFF8D0}" type="slidenum">
               <a:rPr lang="de-DE" altLang="fr-FR" sz="1200" smtClean="0"/>
               <a:pPr/>
-              <a:t>16</a:t>
+              <a:t>14</a:t>
             </a:fld>
             <a:endParaRPr lang="de-DE" altLang="fr-FR" sz="1200" smtClean="0"/>
           </a:p>
@@ -2487,16 +2548,133 @@
           <a:bodyPr/>
           <a:lstStyle/>
           <a:p>
-            <a:pPr eaLnBrk="1" hangingPunct="1"/>
-            <a:endParaRPr lang="fr-CH" altLang="fr-FR" dirty="0" smtClean="0">
-              <a:ea typeface="MS PGothic" pitchFamily="34" charset="-128"/>
+            <a:r>
+              <a:rPr lang="fr-FR" sz="1200" b="1" i="0" kern="1200" dirty="0" smtClean="0">
+                <a:solidFill>
+                  <a:schemeClr val="tx1"/>
+                </a:solidFill>
+                <a:effectLst/>
+                <a:latin typeface="Arial" charset="0"/>
+                <a:ea typeface="MS PGothic" charset="0"/>
+                <a:cs typeface="MS PGothic" charset="0"/>
+              </a:rPr>
+              <a:t>Atomicité</a:t>
+            </a:r>
+            <a:r>
+              <a:rPr lang="fr-FR" sz="1200" b="0" i="0" kern="1200" dirty="0" smtClean="0">
+                <a:solidFill>
+                  <a:schemeClr val="tx1"/>
+                </a:solidFill>
+                <a:effectLst/>
+                <a:latin typeface="Arial" charset="0"/>
+                <a:ea typeface="MS PGothic" charset="0"/>
+                <a:cs typeface="MS PGothic" charset="0"/>
+              </a:rPr>
+              <a:t> : Tout ou rien. Soit l’opération se fait en entier, soit elle ne se fait pas du tout. La notion d’atomicité sous-entend la possibilité de défaire une opération avortée.</a:t>
+            </a:r>
+          </a:p>
+          <a:p>
+            <a:r>
+              <a:rPr lang="fr-FR" sz="1200" b="1" i="0" kern="1200" dirty="0" smtClean="0">
+                <a:solidFill>
+                  <a:schemeClr val="tx1"/>
+                </a:solidFill>
+                <a:effectLst/>
+                <a:latin typeface="Arial" charset="0"/>
+                <a:ea typeface="MS PGothic" charset="0"/>
+                <a:cs typeface="MS PGothic" charset="0"/>
+              </a:rPr>
+              <a:t>Cohérence</a:t>
+            </a:r>
+            <a:r>
+              <a:rPr lang="fr-FR" sz="1200" b="0" i="0" kern="1200" dirty="0" smtClean="0">
+                <a:solidFill>
+                  <a:schemeClr val="tx1"/>
+                </a:solidFill>
+                <a:effectLst/>
+                <a:latin typeface="Arial" charset="0"/>
+                <a:ea typeface="MS PGothic" charset="0"/>
+                <a:cs typeface="MS PGothic" charset="0"/>
+              </a:rPr>
+              <a:t> : L’opération doit assurer que la base de données sera dans un état valide après l’opération.</a:t>
+            </a:r>
+          </a:p>
+          <a:p>
+            <a:r>
+              <a:rPr lang="fr-FR" sz="1200" b="1" i="0" kern="1200" dirty="0" smtClean="0">
+                <a:solidFill>
+                  <a:schemeClr val="tx1"/>
+                </a:solidFill>
+                <a:effectLst/>
+                <a:latin typeface="Arial" charset="0"/>
+                <a:ea typeface="MS PGothic" charset="0"/>
+                <a:cs typeface="MS PGothic" charset="0"/>
+              </a:rPr>
+              <a:t>Isolation</a:t>
+            </a:r>
+            <a:r>
+              <a:rPr lang="fr-FR" sz="1200" b="0" i="0" kern="1200" dirty="0" smtClean="0">
+                <a:solidFill>
+                  <a:schemeClr val="tx1"/>
+                </a:solidFill>
+                <a:effectLst/>
+                <a:latin typeface="Arial" charset="0"/>
+                <a:ea typeface="MS PGothic" charset="0"/>
+                <a:cs typeface="MS PGothic" charset="0"/>
+              </a:rPr>
+              <a:t> : L’opération doit se faire en toute autonomie sans dépendance à une autre opération.</a:t>
+            </a:r>
+          </a:p>
+          <a:p>
+            <a:r>
+              <a:rPr lang="fr-FR" sz="1200" b="1" i="0" kern="1200" dirty="0" smtClean="0">
+                <a:solidFill>
+                  <a:schemeClr val="tx1"/>
+                </a:solidFill>
+                <a:effectLst/>
+                <a:latin typeface="Arial" charset="0"/>
+                <a:ea typeface="MS PGothic" charset="0"/>
+                <a:cs typeface="MS PGothic" charset="0"/>
+              </a:rPr>
+              <a:t>Durabilité</a:t>
+            </a:r>
+            <a:r>
+              <a:rPr lang="fr-FR" sz="1200" b="0" i="0" kern="1200" dirty="0" smtClean="0">
+                <a:solidFill>
+                  <a:schemeClr val="tx1"/>
+                </a:solidFill>
+                <a:effectLst/>
+                <a:latin typeface="Arial" charset="0"/>
+                <a:ea typeface="MS PGothic" charset="0"/>
+                <a:cs typeface="MS PGothic" charset="0"/>
+              </a:rPr>
+              <a:t> : En cas de problème important (coupure d’électricité), les modifications apportées sont bien enregistrées.</a:t>
+            </a:r>
+          </a:p>
+          <a:p>
+            <a:endParaRPr lang="fr-FR" sz="1200" b="0" i="0" kern="1200" dirty="0" smtClean="0">
+              <a:solidFill>
+                <a:schemeClr val="tx1"/>
+              </a:solidFill>
+              <a:effectLst/>
+              <a:latin typeface="Arial" charset="0"/>
+              <a:ea typeface="MS PGothic" charset="0"/>
+              <a:cs typeface="MS PGothic" charset="0"/>
             </a:endParaRPr>
           </a:p>
           <a:p>
-            <a:pPr eaLnBrk="1" hangingPunct="1"/>
-            <a:endParaRPr lang="fr-CH" altLang="fr-FR" dirty="0" smtClean="0">
-              <a:ea typeface="MS PGothic" pitchFamily="34" charset="-128"/>
-            </a:endParaRPr>
+            <a:r>
+              <a:rPr lang="fr-FR" sz="1200" b="0" i="0" kern="1200" dirty="0" smtClean="0">
+                <a:solidFill>
+                  <a:schemeClr val="tx1"/>
+                </a:solidFill>
+                <a:effectLst/>
+                <a:latin typeface="Arial" charset="0"/>
+                <a:ea typeface="MS PGothic" charset="0"/>
+                <a:cs typeface="MS PGothic" charset="0"/>
+              </a:rPr>
+              <a:t>Ex: Amazon non dispo -&gt; $$$</a:t>
+            </a:r>
           </a:p>
           <a:p>
             <a:pPr eaLnBrk="1" hangingPunct="1"/>
@@ -2992,6 +3170,18 @@
               <a:ea typeface="MS PGothic" pitchFamily="34" charset="-128"/>
             </a:endParaRPr>
           </a:p>
+          <a:p>
+            <a:pPr eaLnBrk="1" hangingPunct="1"/>
+            <a:endParaRPr lang="fr-CH" altLang="fr-FR" dirty="0" smtClean="0">
+              <a:ea typeface="MS PGothic" pitchFamily="34" charset="-128"/>
+            </a:endParaRPr>
+          </a:p>
+          <a:p>
+            <a:pPr eaLnBrk="1" hangingPunct="1"/>
+            <a:endParaRPr lang="fr-CH" altLang="fr-FR" dirty="0" smtClean="0">
+              <a:ea typeface="MS PGothic" pitchFamily="34" charset="-128"/>
+            </a:endParaRPr>
+          </a:p>
         </p:txBody>
       </p:sp>
     </p:spTree>
@@ -3225,645 +3415,7 @@
           <a:bodyPr/>
           <a:lstStyle/>
           <a:p>
-            <a:pPr marL="0" marR="0" indent="0" algn="l" defTabSz="914400" rtl="0" eaLnBrk="1" fontAlgn="base" latinLnBrk="0" hangingPunct="1">
-              <a:lnSpc>
-                <a:spcPct val="100000"/>
-              </a:lnSpc>
-              <a:spcBef>
-                <a:spcPct val="30000"/>
-              </a:spcBef>
-              <a:spcAft>
-                <a:spcPct val="0"/>
-              </a:spcAft>
-              <a:buClrTx/>
-              <a:buSzTx/>
-              <a:buFontTx/>
-              <a:buNone/>
-              <a:tabLst/>
-              <a:defRPr/>
-            </a:pPr>
-            <a:r>
-              <a:rPr lang="fr-CH" dirty="0" smtClean="0">
-                <a:hlinkClick r:id="rId3"/>
-              </a:rPr>
-              <a:t>http://console.neo4j.org/</a:t>
-            </a:r>
-            <a:endParaRPr lang="fr-CH" dirty="0" smtClean="0"/>
-          </a:p>
-          <a:p>
-            <a:pPr marL="0" marR="0" indent="0" algn="l" defTabSz="914400" rtl="0" eaLnBrk="1" fontAlgn="base" latinLnBrk="0" hangingPunct="1">
-              <a:lnSpc>
-                <a:spcPct val="100000"/>
-              </a:lnSpc>
-              <a:spcBef>
-                <a:spcPct val="30000"/>
-              </a:spcBef>
-              <a:spcAft>
-                <a:spcPct val="0"/>
-              </a:spcAft>
-              <a:buClrTx/>
-              <a:buSzTx/>
-              <a:buFontTx/>
-              <a:buNone/>
-              <a:tabLst/>
-              <a:defRPr/>
-            </a:pPr>
-            <a:endParaRPr lang="fr-CH" dirty="0" smtClean="0"/>
-          </a:p>
-          <a:p>
-            <a:r>
-              <a:rPr lang="it-IT" sz="1200" kern="1200" dirty="0" smtClean="0">
-                <a:solidFill>
-                  <a:schemeClr val="tx1"/>
-                </a:solidFill>
-                <a:latin typeface="Arial" charset="0"/>
-                <a:ea typeface="MS PGothic" charset="0"/>
-                <a:cs typeface="MS PGothic" charset="0"/>
-              </a:rPr>
-              <a:t>CREATE (martin:Personne {</a:t>
-            </a:r>
-            <a:r>
-              <a:rPr lang="it-IT" sz="1200" u="sng" kern="1200" dirty="0" smtClean="0">
-                <a:solidFill>
-                  <a:schemeClr val="tx1"/>
-                </a:solidFill>
-                <a:latin typeface="Arial" charset="0"/>
-                <a:ea typeface="MS PGothic" charset="0"/>
-                <a:cs typeface="MS PGothic" charset="0"/>
-              </a:rPr>
-              <a:t>nom: 'Garcia', prenom: 'Martin'}), </a:t>
-            </a:r>
-          </a:p>
-          <a:p>
-            <a:r>
-              <a:rPr lang="fr-CH" sz="1200" kern="1200" dirty="0" smtClean="0">
-                <a:solidFill>
-                  <a:schemeClr val="tx1"/>
-                </a:solidFill>
-                <a:latin typeface="Arial" charset="0"/>
-                <a:ea typeface="MS PGothic" charset="0"/>
-                <a:cs typeface="MS PGothic" charset="0"/>
-              </a:rPr>
-              <a:t>(</a:t>
-            </a:r>
-            <a:r>
-              <a:rPr lang="fr-CH" sz="1200" kern="1200" dirty="0" err="1" smtClean="0">
-                <a:solidFill>
-                  <a:schemeClr val="tx1"/>
-                </a:solidFill>
-                <a:latin typeface="Arial" charset="0"/>
-                <a:ea typeface="MS PGothic" charset="0"/>
-                <a:cs typeface="MS PGothic" charset="0"/>
-              </a:rPr>
-              <a:t>jnv:Personne</a:t>
-            </a:r>
-            <a:r>
-              <a:rPr lang="fr-CH" sz="1200" kern="1200" dirty="0" smtClean="0">
-                <a:solidFill>
-                  <a:schemeClr val="tx1"/>
-                </a:solidFill>
-                <a:latin typeface="Arial" charset="0"/>
-                <a:ea typeface="MS PGothic" charset="0"/>
-                <a:cs typeface="MS PGothic" charset="0"/>
-              </a:rPr>
-              <a:t> {</a:t>
-            </a:r>
-            <a:r>
-              <a:rPr lang="fr-CH" sz="1200" u="sng" kern="1200" dirty="0" smtClean="0">
-                <a:solidFill>
-                  <a:schemeClr val="tx1"/>
-                </a:solidFill>
-                <a:latin typeface="Arial" charset="0"/>
-                <a:ea typeface="MS PGothic" charset="0"/>
-                <a:cs typeface="MS PGothic" charset="0"/>
-              </a:rPr>
-              <a:t>nom: '</a:t>
-            </a:r>
-            <a:r>
-              <a:rPr lang="fr-CH" sz="1200" u="sng" kern="1200" dirty="0" err="1" smtClean="0">
-                <a:solidFill>
-                  <a:schemeClr val="tx1"/>
-                </a:solidFill>
-                <a:latin typeface="Arial" charset="0"/>
-                <a:ea typeface="MS PGothic" charset="0"/>
-                <a:cs typeface="MS PGothic" charset="0"/>
-              </a:rPr>
-              <a:t>Vuissoz</a:t>
-            </a:r>
-            <a:r>
-              <a:rPr lang="fr-CH" sz="1200" u="sng" kern="1200" dirty="0" smtClean="0">
-                <a:solidFill>
-                  <a:schemeClr val="tx1"/>
-                </a:solidFill>
-                <a:latin typeface="Arial" charset="0"/>
-                <a:ea typeface="MS PGothic" charset="0"/>
-                <a:cs typeface="MS PGothic" charset="0"/>
-              </a:rPr>
-              <a:t>', </a:t>
-            </a:r>
-            <a:r>
-              <a:rPr lang="fr-CH" sz="1200" u="sng" kern="1200" dirty="0" err="1" smtClean="0">
-                <a:solidFill>
-                  <a:schemeClr val="tx1"/>
-                </a:solidFill>
-                <a:latin typeface="Arial" charset="0"/>
-                <a:ea typeface="MS PGothic" charset="0"/>
-                <a:cs typeface="MS PGothic" charset="0"/>
-              </a:rPr>
-              <a:t>prenom</a:t>
-            </a:r>
-            <a:r>
-              <a:rPr lang="fr-CH" sz="1200" u="sng" kern="1200" dirty="0" smtClean="0">
-                <a:solidFill>
-                  <a:schemeClr val="tx1"/>
-                </a:solidFill>
-                <a:latin typeface="Arial" charset="0"/>
-                <a:ea typeface="MS PGothic" charset="0"/>
-                <a:cs typeface="MS PGothic" charset="0"/>
-              </a:rPr>
-              <a:t>: '</a:t>
-            </a:r>
-            <a:r>
-              <a:rPr lang="fr-CH" sz="1200" u="sng" kern="1200" dirty="0" err="1" smtClean="0">
-                <a:solidFill>
-                  <a:schemeClr val="tx1"/>
-                </a:solidFill>
-                <a:latin typeface="Arial" charset="0"/>
-                <a:ea typeface="MS PGothic" charset="0"/>
-                <a:cs typeface="MS PGothic" charset="0"/>
-              </a:rPr>
-              <a:t>Jean-Nöel</a:t>
-            </a:r>
-            <a:r>
-              <a:rPr lang="fr-CH" sz="1200" u="sng" kern="1200" dirty="0" smtClean="0">
-                <a:solidFill>
-                  <a:schemeClr val="tx1"/>
-                </a:solidFill>
-                <a:latin typeface="Arial" charset="0"/>
-                <a:ea typeface="MS PGothic" charset="0"/>
-                <a:cs typeface="MS PGothic" charset="0"/>
-              </a:rPr>
-              <a:t>'}),</a:t>
-            </a:r>
-          </a:p>
-          <a:p>
-            <a:r>
-              <a:rPr lang="nb-NO" sz="1200" kern="1200" dirty="0" smtClean="0">
-                <a:solidFill>
-                  <a:schemeClr val="tx1"/>
-                </a:solidFill>
-                <a:latin typeface="Arial" charset="0"/>
-                <a:ea typeface="MS PGothic" charset="0"/>
-                <a:cs typeface="MS PGothic" charset="0"/>
-              </a:rPr>
-              <a:t>(steve:Personne {</a:t>
-            </a:r>
-            <a:r>
-              <a:rPr lang="nb-NO" sz="1200" u="sng" kern="1200" dirty="0" smtClean="0">
-                <a:solidFill>
-                  <a:schemeClr val="tx1"/>
-                </a:solidFill>
-                <a:latin typeface="Arial" charset="0"/>
-                <a:ea typeface="MS PGothic" charset="0"/>
-                <a:cs typeface="MS PGothic" charset="0"/>
-              </a:rPr>
-              <a:t>nom: 'Vaquin', prenom: 'Steve'}),</a:t>
-            </a:r>
-          </a:p>
-          <a:p>
-            <a:r>
-              <a:rPr lang="fr-CH" sz="1200" kern="1200" dirty="0" smtClean="0">
-                <a:solidFill>
-                  <a:schemeClr val="tx1"/>
-                </a:solidFill>
-                <a:latin typeface="Arial" charset="0"/>
-                <a:ea typeface="MS PGothic" charset="0"/>
-                <a:cs typeface="MS PGothic" charset="0"/>
-              </a:rPr>
-              <a:t>(</a:t>
-            </a:r>
-            <a:r>
-              <a:rPr lang="fr-CH" sz="1200" kern="1200" dirty="0" err="1" smtClean="0">
-                <a:solidFill>
-                  <a:schemeClr val="tx1"/>
-                </a:solidFill>
-                <a:latin typeface="Arial" charset="0"/>
-                <a:ea typeface="MS PGothic" charset="0"/>
-                <a:cs typeface="MS PGothic" charset="0"/>
-              </a:rPr>
-              <a:t>jimmy:Personne</a:t>
-            </a:r>
-            <a:r>
-              <a:rPr lang="fr-CH" sz="1200" kern="1200" dirty="0" smtClean="0">
-                <a:solidFill>
-                  <a:schemeClr val="tx1"/>
-                </a:solidFill>
-                <a:latin typeface="Arial" charset="0"/>
-                <a:ea typeface="MS PGothic" charset="0"/>
-                <a:cs typeface="MS PGothic" charset="0"/>
-              </a:rPr>
-              <a:t> {</a:t>
-            </a:r>
-            <a:r>
-              <a:rPr lang="fr-CH" sz="1200" u="sng" kern="1200" dirty="0" smtClean="0">
-                <a:solidFill>
-                  <a:schemeClr val="tx1"/>
-                </a:solidFill>
-                <a:latin typeface="Arial" charset="0"/>
-                <a:ea typeface="MS PGothic" charset="0"/>
-                <a:cs typeface="MS PGothic" charset="0"/>
-              </a:rPr>
-              <a:t>nom: '</a:t>
-            </a:r>
-            <a:r>
-              <a:rPr lang="fr-CH" sz="1200" u="sng" kern="1200" dirty="0" err="1" smtClean="0">
-                <a:solidFill>
-                  <a:schemeClr val="tx1"/>
-                </a:solidFill>
-                <a:latin typeface="Arial" charset="0"/>
-                <a:ea typeface="MS PGothic" charset="0"/>
-                <a:cs typeface="MS PGothic" charset="0"/>
-              </a:rPr>
-              <a:t>Dubuis</a:t>
-            </a:r>
-            <a:r>
-              <a:rPr lang="fr-CH" sz="1200" u="sng" kern="1200" dirty="0" smtClean="0">
-                <a:solidFill>
-                  <a:schemeClr val="tx1"/>
-                </a:solidFill>
-                <a:latin typeface="Arial" charset="0"/>
-                <a:ea typeface="MS PGothic" charset="0"/>
-                <a:cs typeface="MS PGothic" charset="0"/>
-              </a:rPr>
-              <a:t>', </a:t>
-            </a:r>
-            <a:r>
-              <a:rPr lang="fr-CH" sz="1200" u="sng" kern="1200" dirty="0" err="1" smtClean="0">
-                <a:solidFill>
-                  <a:schemeClr val="tx1"/>
-                </a:solidFill>
-                <a:latin typeface="Arial" charset="0"/>
-                <a:ea typeface="MS PGothic" charset="0"/>
-                <a:cs typeface="MS PGothic" charset="0"/>
-              </a:rPr>
-              <a:t>prenom</a:t>
-            </a:r>
-            <a:r>
-              <a:rPr lang="fr-CH" sz="1200" u="sng" kern="1200" dirty="0" smtClean="0">
-                <a:solidFill>
-                  <a:schemeClr val="tx1"/>
-                </a:solidFill>
-                <a:latin typeface="Arial" charset="0"/>
-                <a:ea typeface="MS PGothic" charset="0"/>
-                <a:cs typeface="MS PGothic" charset="0"/>
-              </a:rPr>
-              <a:t>: 'Jimmy'}),</a:t>
-            </a:r>
-          </a:p>
-          <a:p>
-            <a:r>
-              <a:rPr lang="fr-CH" sz="1200" kern="1200" dirty="0" smtClean="0">
-                <a:solidFill>
-                  <a:schemeClr val="tx1"/>
-                </a:solidFill>
-                <a:latin typeface="Arial" charset="0"/>
-                <a:ea typeface="MS PGothic" charset="0"/>
-                <a:cs typeface="MS PGothic" charset="0"/>
-              </a:rPr>
-              <a:t>(</a:t>
-            </a:r>
-            <a:r>
-              <a:rPr lang="fr-CH" sz="1200" kern="1200" dirty="0" err="1" smtClean="0">
-                <a:solidFill>
-                  <a:schemeClr val="tx1"/>
-                </a:solidFill>
-                <a:latin typeface="Arial" charset="0"/>
-                <a:ea typeface="MS PGothic" charset="0"/>
-                <a:cs typeface="MS PGothic" charset="0"/>
-              </a:rPr>
-              <a:t>archi:Departement</a:t>
-            </a:r>
-            <a:r>
-              <a:rPr lang="fr-CH" sz="1200" kern="1200" dirty="0" smtClean="0">
-                <a:solidFill>
-                  <a:schemeClr val="tx1"/>
-                </a:solidFill>
-                <a:latin typeface="Arial" charset="0"/>
-                <a:ea typeface="MS PGothic" charset="0"/>
-                <a:cs typeface="MS PGothic" charset="0"/>
-              </a:rPr>
-              <a:t> {</a:t>
-            </a:r>
-            <a:r>
-              <a:rPr lang="fr-CH" sz="1200" u="sng" kern="1200" dirty="0" smtClean="0">
-                <a:solidFill>
-                  <a:schemeClr val="tx1"/>
-                </a:solidFill>
-                <a:latin typeface="Arial" charset="0"/>
-                <a:ea typeface="MS PGothic" charset="0"/>
-                <a:cs typeface="MS PGothic" charset="0"/>
-              </a:rPr>
-              <a:t>nom: 'Architecture'}),</a:t>
-            </a:r>
-          </a:p>
-          <a:p>
-            <a:r>
-              <a:rPr lang="fr-CH" sz="1200" kern="1200" dirty="0" smtClean="0">
-                <a:solidFill>
-                  <a:schemeClr val="tx1"/>
-                </a:solidFill>
-                <a:latin typeface="Arial" charset="0"/>
-                <a:ea typeface="MS PGothic" charset="0"/>
-                <a:cs typeface="MS PGothic" charset="0"/>
-              </a:rPr>
-              <a:t>(</a:t>
-            </a:r>
-            <a:r>
-              <a:rPr lang="fr-CH" sz="1200" kern="1200" dirty="0" err="1" smtClean="0">
-                <a:solidFill>
-                  <a:schemeClr val="tx1"/>
-                </a:solidFill>
-                <a:latin typeface="Arial" charset="0"/>
-                <a:ea typeface="MS PGothic" charset="0"/>
-                <a:cs typeface="MS PGothic" charset="0"/>
-              </a:rPr>
-              <a:t>finance:Departement</a:t>
-            </a:r>
-            <a:r>
-              <a:rPr lang="fr-CH" sz="1200" kern="1200" dirty="0" smtClean="0">
-                <a:solidFill>
-                  <a:schemeClr val="tx1"/>
-                </a:solidFill>
-                <a:latin typeface="Arial" charset="0"/>
-                <a:ea typeface="MS PGothic" charset="0"/>
-                <a:cs typeface="MS PGothic" charset="0"/>
-              </a:rPr>
-              <a:t> {</a:t>
-            </a:r>
-            <a:r>
-              <a:rPr lang="fr-CH" sz="1200" u="sng" kern="1200" dirty="0" smtClean="0">
-                <a:solidFill>
-                  <a:schemeClr val="tx1"/>
-                </a:solidFill>
-                <a:latin typeface="Arial" charset="0"/>
-                <a:ea typeface="MS PGothic" charset="0"/>
-                <a:cs typeface="MS PGothic" charset="0"/>
-              </a:rPr>
-              <a:t>nom: 'Finance'}), </a:t>
-            </a:r>
-          </a:p>
-          <a:p>
-            <a:r>
-              <a:rPr lang="fr-CH" sz="1200" kern="1200" dirty="0" smtClean="0">
-                <a:solidFill>
-                  <a:schemeClr val="tx1"/>
-                </a:solidFill>
-                <a:latin typeface="Arial" charset="0"/>
-                <a:ea typeface="MS PGothic" charset="0"/>
-                <a:cs typeface="MS PGothic" charset="0"/>
-              </a:rPr>
-              <a:t>(</a:t>
-            </a:r>
-            <a:r>
-              <a:rPr lang="fr-CH" sz="1200" u="sng" kern="1200" dirty="0" smtClean="0">
-                <a:solidFill>
-                  <a:schemeClr val="tx1"/>
-                </a:solidFill>
-                <a:latin typeface="Arial" charset="0"/>
-                <a:ea typeface="MS PGothic" charset="0"/>
-                <a:cs typeface="MS PGothic" charset="0"/>
-              </a:rPr>
-              <a:t>martin)-[:TRAVAILLE]-&gt;(archi),</a:t>
-            </a:r>
-          </a:p>
-          <a:p>
-            <a:r>
-              <a:rPr lang="fr-CH" sz="1200" kern="1200" dirty="0" smtClean="0">
-                <a:solidFill>
-                  <a:schemeClr val="tx1"/>
-                </a:solidFill>
-                <a:latin typeface="Arial" charset="0"/>
-                <a:ea typeface="MS PGothic" charset="0"/>
-                <a:cs typeface="MS PGothic" charset="0"/>
-              </a:rPr>
-              <a:t>(</a:t>
-            </a:r>
-            <a:r>
-              <a:rPr lang="fr-CH" sz="1200" u="sng" kern="1200" dirty="0" err="1" smtClean="0">
-                <a:solidFill>
-                  <a:schemeClr val="tx1"/>
-                </a:solidFill>
-                <a:latin typeface="Arial" charset="0"/>
-                <a:ea typeface="MS PGothic" charset="0"/>
-                <a:cs typeface="MS PGothic" charset="0"/>
-              </a:rPr>
-              <a:t>jnv</a:t>
-            </a:r>
-            <a:r>
-              <a:rPr lang="fr-CH" sz="1200" u="sng" kern="1200" dirty="0" smtClean="0">
-                <a:solidFill>
-                  <a:schemeClr val="tx1"/>
-                </a:solidFill>
-                <a:latin typeface="Arial" charset="0"/>
-                <a:ea typeface="MS PGothic" charset="0"/>
-                <a:cs typeface="MS PGothic" charset="0"/>
-              </a:rPr>
-              <a:t>)-[:TRAVAILLE {since:2009}]-&gt;(archi),</a:t>
-            </a:r>
-          </a:p>
-          <a:p>
-            <a:r>
-              <a:rPr lang="fr-FR" sz="1200" kern="1200" dirty="0" smtClean="0">
-                <a:solidFill>
-                  <a:schemeClr val="tx1"/>
-                </a:solidFill>
-                <a:latin typeface="Arial" charset="0"/>
-                <a:ea typeface="MS PGothic" charset="0"/>
-                <a:cs typeface="MS PGothic" charset="0"/>
-              </a:rPr>
-              <a:t>(</a:t>
-            </a:r>
-            <a:r>
-              <a:rPr lang="fr-FR" sz="1200" u="sng" kern="1200" dirty="0" err="1" smtClean="0">
-                <a:solidFill>
-                  <a:schemeClr val="tx1"/>
-                </a:solidFill>
-                <a:latin typeface="Arial" charset="0"/>
-                <a:ea typeface="MS PGothic" charset="0"/>
-                <a:cs typeface="MS PGothic" charset="0"/>
-              </a:rPr>
-              <a:t>jnv</a:t>
-            </a:r>
-            <a:r>
-              <a:rPr lang="fr-FR" sz="1200" u="sng" kern="1200" dirty="0" smtClean="0">
-                <a:solidFill>
-                  <a:schemeClr val="tx1"/>
-                </a:solidFill>
-                <a:latin typeface="Arial" charset="0"/>
-                <a:ea typeface="MS PGothic" charset="0"/>
-                <a:cs typeface="MS PGothic" charset="0"/>
-              </a:rPr>
-              <a:t>)-[:TRAVAILLE {since:2004, until:2009}]-&gt;(finance),</a:t>
-            </a:r>
-          </a:p>
-          <a:p>
-            <a:r>
-              <a:rPr lang="fr-CH" sz="1200" kern="1200" dirty="0" smtClean="0">
-                <a:solidFill>
-                  <a:schemeClr val="tx1"/>
-                </a:solidFill>
-                <a:latin typeface="Arial" charset="0"/>
-                <a:ea typeface="MS PGothic" charset="0"/>
-                <a:cs typeface="MS PGothic" charset="0"/>
-              </a:rPr>
-              <a:t>(</a:t>
-            </a:r>
-            <a:r>
-              <a:rPr lang="fr-CH" sz="1200" u="sng" kern="1200" dirty="0" err="1" smtClean="0">
-                <a:solidFill>
-                  <a:schemeClr val="tx1"/>
-                </a:solidFill>
-                <a:latin typeface="Arial" charset="0"/>
-                <a:ea typeface="MS PGothic" charset="0"/>
-                <a:cs typeface="MS PGothic" charset="0"/>
-              </a:rPr>
-              <a:t>steve</a:t>
-            </a:r>
-            <a:r>
-              <a:rPr lang="fr-CH" sz="1200" u="sng" kern="1200" dirty="0" smtClean="0">
-                <a:solidFill>
-                  <a:schemeClr val="tx1"/>
-                </a:solidFill>
-                <a:latin typeface="Arial" charset="0"/>
-                <a:ea typeface="MS PGothic" charset="0"/>
-                <a:cs typeface="MS PGothic" charset="0"/>
-              </a:rPr>
-              <a:t>)-[:TRAVAILLE]-&gt;(finance),</a:t>
-            </a:r>
-          </a:p>
-          <a:p>
-            <a:r>
-              <a:rPr lang="fr-CH" sz="1200" kern="1200" dirty="0" smtClean="0">
-                <a:solidFill>
-                  <a:schemeClr val="tx1"/>
-                </a:solidFill>
-                <a:latin typeface="Arial" charset="0"/>
-                <a:ea typeface="MS PGothic" charset="0"/>
-                <a:cs typeface="MS PGothic" charset="0"/>
-              </a:rPr>
-              <a:t>(</a:t>
-            </a:r>
-            <a:r>
-              <a:rPr lang="fr-CH" sz="1200" u="sng" kern="1200" dirty="0" err="1" smtClean="0">
-                <a:solidFill>
-                  <a:schemeClr val="tx1"/>
-                </a:solidFill>
-                <a:latin typeface="Arial" charset="0"/>
-                <a:ea typeface="MS PGothic" charset="0"/>
-                <a:cs typeface="MS PGothic" charset="0"/>
-              </a:rPr>
-              <a:t>jimmy</a:t>
-            </a:r>
-            <a:r>
-              <a:rPr lang="fr-CH" sz="1200" u="sng" kern="1200" dirty="0" smtClean="0">
-                <a:solidFill>
-                  <a:schemeClr val="tx1"/>
-                </a:solidFill>
-                <a:latin typeface="Arial" charset="0"/>
-                <a:ea typeface="MS PGothic" charset="0"/>
-                <a:cs typeface="MS PGothic" charset="0"/>
-              </a:rPr>
-              <a:t>)-[:TRAVAILLE]-&gt;(finance)</a:t>
-            </a:r>
-          </a:p>
-          <a:p>
-            <a:endParaRPr lang="fr-CH" sz="1200" kern="1200" dirty="0" smtClean="0">
-              <a:solidFill>
-                <a:schemeClr val="tx1"/>
-              </a:solidFill>
-              <a:latin typeface="Arial" charset="0"/>
-              <a:ea typeface="MS PGothic" charset="0"/>
-              <a:cs typeface="MS PGothic" charset="0"/>
-            </a:endParaRPr>
-          </a:p>
-          <a:p>
-            <a:r>
-              <a:rPr lang="fr-FR" sz="1200" kern="1200" dirty="0" smtClean="0">
-                <a:solidFill>
-                  <a:schemeClr val="tx1"/>
-                </a:solidFill>
-                <a:latin typeface="Arial" charset="0"/>
-                <a:ea typeface="MS PGothic" charset="0"/>
-                <a:cs typeface="MS PGothic" charset="0"/>
-              </a:rPr>
-              <a:t>MATCH (</a:t>
-            </a:r>
-            <a:r>
-              <a:rPr lang="fr-FR" sz="1200" u="sng" kern="1200" dirty="0" smtClean="0">
-                <a:solidFill>
-                  <a:schemeClr val="tx1"/>
-                </a:solidFill>
-                <a:latin typeface="Arial" charset="0"/>
-                <a:ea typeface="MS PGothic" charset="0"/>
-                <a:cs typeface="MS PGothic" charset="0"/>
-              </a:rPr>
-              <a:t>Personne)-[</a:t>
-            </a:r>
-            <a:r>
-              <a:rPr lang="fr-FR" sz="1200" u="sng" kern="1200" dirty="0" err="1" smtClean="0">
-                <a:solidFill>
-                  <a:schemeClr val="tx1"/>
-                </a:solidFill>
-                <a:latin typeface="Arial" charset="0"/>
-                <a:ea typeface="MS PGothic" charset="0"/>
-                <a:cs typeface="MS PGothic" charset="0"/>
-              </a:rPr>
-              <a:t>t:TRAVAILLE</a:t>
-            </a:r>
-            <a:r>
-              <a:rPr lang="fr-FR" sz="1200" u="sng" kern="1200" dirty="0" smtClean="0">
-                <a:solidFill>
-                  <a:schemeClr val="tx1"/>
-                </a:solidFill>
-                <a:latin typeface="Arial" charset="0"/>
-                <a:ea typeface="MS PGothic" charset="0"/>
-                <a:cs typeface="MS PGothic" charset="0"/>
-              </a:rPr>
-              <a:t>]-&gt;(</a:t>
-            </a:r>
-            <a:r>
-              <a:rPr lang="fr-FR" sz="1200" u="sng" kern="1200" dirty="0" err="1" smtClean="0">
-                <a:solidFill>
-                  <a:schemeClr val="tx1"/>
-                </a:solidFill>
-                <a:latin typeface="Arial" charset="0"/>
-                <a:ea typeface="MS PGothic" charset="0"/>
-                <a:cs typeface="MS PGothic" charset="0"/>
-              </a:rPr>
-              <a:t>Departement</a:t>
-            </a:r>
-            <a:r>
-              <a:rPr lang="fr-FR" sz="1200" u="sng" kern="1200" dirty="0" smtClean="0">
-                <a:solidFill>
-                  <a:schemeClr val="tx1"/>
-                </a:solidFill>
-                <a:latin typeface="Arial" charset="0"/>
-                <a:ea typeface="MS PGothic" charset="0"/>
-                <a:cs typeface="MS PGothic" charset="0"/>
-              </a:rPr>
-              <a:t>) RETURN Personne, t, </a:t>
-            </a:r>
-            <a:r>
-              <a:rPr lang="fr-FR" sz="1200" u="sng" kern="1200" dirty="0" err="1" smtClean="0">
-                <a:solidFill>
-                  <a:schemeClr val="tx1"/>
-                </a:solidFill>
-                <a:latin typeface="Arial" charset="0"/>
-                <a:ea typeface="MS PGothic" charset="0"/>
-                <a:cs typeface="MS PGothic" charset="0"/>
-              </a:rPr>
-              <a:t>Departement</a:t>
-            </a:r>
+            <a:pPr eaLnBrk="1" hangingPunct="1"/>
             <a:endParaRPr lang="fr-CH" altLang="fr-FR" dirty="0" smtClean="0">
               <a:ea typeface="MS PGothic" pitchFamily="34" charset="-128"/>
             </a:endParaRPr>
@@ -4119,12 +3671,627 @@
               <a:defRPr/>
             </a:pPr>
             <a:r>
-              <a:rPr lang="fr-CH" dirty="0" smtClean="0"/>
-              <a:t>voir cypher.txt</a:t>
-            </a:r>
-          </a:p>
-          <a:p>
-            <a:pPr eaLnBrk="1" hangingPunct="1"/>
+              <a:rPr lang="fr-CH" dirty="0" smtClean="0">
+                <a:hlinkClick r:id="rId3"/>
+              </a:rPr>
+              <a:t>http://console.neo4j.org/</a:t>
+            </a:r>
+            <a:endParaRPr lang="fr-CH" dirty="0" smtClean="0"/>
+          </a:p>
+          <a:p>
+            <a:pPr marL="0" marR="0" indent="0" algn="l" defTabSz="914400" rtl="0" eaLnBrk="1" fontAlgn="base" latinLnBrk="0" hangingPunct="1">
+              <a:lnSpc>
+                <a:spcPct val="100000"/>
+              </a:lnSpc>
+              <a:spcBef>
+                <a:spcPct val="30000"/>
+              </a:spcBef>
+              <a:spcAft>
+                <a:spcPct val="0"/>
+              </a:spcAft>
+              <a:buClrTx/>
+              <a:buSzTx/>
+              <a:buFontTx/>
+              <a:buNone/>
+              <a:tabLst/>
+              <a:defRPr/>
+            </a:pPr>
+            <a:endParaRPr lang="fr-CH" dirty="0" smtClean="0"/>
+          </a:p>
+          <a:p>
+            <a:r>
+              <a:rPr lang="it-IT" sz="1200" kern="1200" dirty="0" smtClean="0">
+                <a:solidFill>
+                  <a:schemeClr val="tx1"/>
+                </a:solidFill>
+                <a:latin typeface="Arial" charset="0"/>
+                <a:ea typeface="MS PGothic" charset="0"/>
+                <a:cs typeface="MS PGothic" charset="0"/>
+              </a:rPr>
+              <a:t>CREATE (martin:Personne {</a:t>
+            </a:r>
+            <a:r>
+              <a:rPr lang="it-IT" sz="1200" u="sng" kern="1200" dirty="0" smtClean="0">
+                <a:solidFill>
+                  <a:schemeClr val="tx1"/>
+                </a:solidFill>
+                <a:latin typeface="Arial" charset="0"/>
+                <a:ea typeface="MS PGothic" charset="0"/>
+                <a:cs typeface="MS PGothic" charset="0"/>
+              </a:rPr>
+              <a:t>nom: 'Garcia', prenom: 'Martin'}), </a:t>
+            </a:r>
+          </a:p>
+          <a:p>
+            <a:r>
+              <a:rPr lang="fr-CH" sz="1200" kern="1200" dirty="0" smtClean="0">
+                <a:solidFill>
+                  <a:schemeClr val="tx1"/>
+                </a:solidFill>
+                <a:latin typeface="Arial" charset="0"/>
+                <a:ea typeface="MS PGothic" charset="0"/>
+                <a:cs typeface="MS PGothic" charset="0"/>
+              </a:rPr>
+              <a:t>(</a:t>
+            </a:r>
+            <a:r>
+              <a:rPr lang="fr-CH" sz="1200" kern="1200" dirty="0" err="1" smtClean="0">
+                <a:solidFill>
+                  <a:schemeClr val="tx1"/>
+                </a:solidFill>
+                <a:latin typeface="Arial" charset="0"/>
+                <a:ea typeface="MS PGothic" charset="0"/>
+                <a:cs typeface="MS PGothic" charset="0"/>
+              </a:rPr>
+              <a:t>jnv:Personne</a:t>
+            </a:r>
+            <a:r>
+              <a:rPr lang="fr-CH" sz="1200" kern="1200" dirty="0" smtClean="0">
+                <a:solidFill>
+                  <a:schemeClr val="tx1"/>
+                </a:solidFill>
+                <a:latin typeface="Arial" charset="0"/>
+                <a:ea typeface="MS PGothic" charset="0"/>
+                <a:cs typeface="MS PGothic" charset="0"/>
+              </a:rPr>
+              <a:t> {</a:t>
+            </a:r>
+            <a:r>
+              <a:rPr lang="fr-CH" sz="1200" u="sng" kern="1200" dirty="0" smtClean="0">
+                <a:solidFill>
+                  <a:schemeClr val="tx1"/>
+                </a:solidFill>
+                <a:latin typeface="Arial" charset="0"/>
+                <a:ea typeface="MS PGothic" charset="0"/>
+                <a:cs typeface="MS PGothic" charset="0"/>
+              </a:rPr>
+              <a:t>nom: '</a:t>
+            </a:r>
+            <a:r>
+              <a:rPr lang="fr-CH" sz="1200" u="sng" kern="1200" dirty="0" err="1" smtClean="0">
+                <a:solidFill>
+                  <a:schemeClr val="tx1"/>
+                </a:solidFill>
+                <a:latin typeface="Arial" charset="0"/>
+                <a:ea typeface="MS PGothic" charset="0"/>
+                <a:cs typeface="MS PGothic" charset="0"/>
+              </a:rPr>
+              <a:t>Vuissoz</a:t>
+            </a:r>
+            <a:r>
+              <a:rPr lang="fr-CH" sz="1200" u="sng" kern="1200" dirty="0" smtClean="0">
+                <a:solidFill>
+                  <a:schemeClr val="tx1"/>
+                </a:solidFill>
+                <a:latin typeface="Arial" charset="0"/>
+                <a:ea typeface="MS PGothic" charset="0"/>
+                <a:cs typeface="MS PGothic" charset="0"/>
+              </a:rPr>
+              <a:t>', </a:t>
+            </a:r>
+            <a:r>
+              <a:rPr lang="fr-CH" sz="1200" u="sng" kern="1200" dirty="0" err="1" smtClean="0">
+                <a:solidFill>
+                  <a:schemeClr val="tx1"/>
+                </a:solidFill>
+                <a:latin typeface="Arial" charset="0"/>
+                <a:ea typeface="MS PGothic" charset="0"/>
+                <a:cs typeface="MS PGothic" charset="0"/>
+              </a:rPr>
+              <a:t>prenom</a:t>
+            </a:r>
+            <a:r>
+              <a:rPr lang="fr-CH" sz="1200" u="sng" kern="1200" dirty="0" smtClean="0">
+                <a:solidFill>
+                  <a:schemeClr val="tx1"/>
+                </a:solidFill>
+                <a:latin typeface="Arial" charset="0"/>
+                <a:ea typeface="MS PGothic" charset="0"/>
+                <a:cs typeface="MS PGothic" charset="0"/>
+              </a:rPr>
+              <a:t>: '</a:t>
+            </a:r>
+            <a:r>
+              <a:rPr lang="fr-CH" sz="1200" u="sng" kern="1200" dirty="0" err="1" smtClean="0">
+                <a:solidFill>
+                  <a:schemeClr val="tx1"/>
+                </a:solidFill>
+                <a:latin typeface="Arial" charset="0"/>
+                <a:ea typeface="MS PGothic" charset="0"/>
+                <a:cs typeface="MS PGothic" charset="0"/>
+              </a:rPr>
+              <a:t>Jean-Nöel</a:t>
+            </a:r>
+            <a:r>
+              <a:rPr lang="fr-CH" sz="1200" u="sng" kern="1200" dirty="0" smtClean="0">
+                <a:solidFill>
+                  <a:schemeClr val="tx1"/>
+                </a:solidFill>
+                <a:latin typeface="Arial" charset="0"/>
+                <a:ea typeface="MS PGothic" charset="0"/>
+                <a:cs typeface="MS PGothic" charset="0"/>
+              </a:rPr>
+              <a:t>'}),</a:t>
+            </a:r>
+          </a:p>
+          <a:p>
+            <a:r>
+              <a:rPr lang="nb-NO" sz="1200" kern="1200" dirty="0" smtClean="0">
+                <a:solidFill>
+                  <a:schemeClr val="tx1"/>
+                </a:solidFill>
+                <a:latin typeface="Arial" charset="0"/>
+                <a:ea typeface="MS PGothic" charset="0"/>
+                <a:cs typeface="MS PGothic" charset="0"/>
+              </a:rPr>
+              <a:t>(steve:Personne {</a:t>
+            </a:r>
+            <a:r>
+              <a:rPr lang="nb-NO" sz="1200" u="sng" kern="1200" dirty="0" smtClean="0">
+                <a:solidFill>
+                  <a:schemeClr val="tx1"/>
+                </a:solidFill>
+                <a:latin typeface="Arial" charset="0"/>
+                <a:ea typeface="MS PGothic" charset="0"/>
+                <a:cs typeface="MS PGothic" charset="0"/>
+              </a:rPr>
+              <a:t>nom: 'Vaquin', prenom: 'Steve'}),</a:t>
+            </a:r>
+          </a:p>
+          <a:p>
+            <a:r>
+              <a:rPr lang="fr-CH" sz="1200" kern="1200" dirty="0" smtClean="0">
+                <a:solidFill>
+                  <a:schemeClr val="tx1"/>
+                </a:solidFill>
+                <a:latin typeface="Arial" charset="0"/>
+                <a:ea typeface="MS PGothic" charset="0"/>
+                <a:cs typeface="MS PGothic" charset="0"/>
+              </a:rPr>
+              <a:t>(</a:t>
+            </a:r>
+            <a:r>
+              <a:rPr lang="fr-CH" sz="1200" kern="1200" dirty="0" err="1" smtClean="0">
+                <a:solidFill>
+                  <a:schemeClr val="tx1"/>
+                </a:solidFill>
+                <a:latin typeface="Arial" charset="0"/>
+                <a:ea typeface="MS PGothic" charset="0"/>
+                <a:cs typeface="MS PGothic" charset="0"/>
+              </a:rPr>
+              <a:t>jimmy:Personne</a:t>
+            </a:r>
+            <a:r>
+              <a:rPr lang="fr-CH" sz="1200" kern="1200" dirty="0" smtClean="0">
+                <a:solidFill>
+                  <a:schemeClr val="tx1"/>
+                </a:solidFill>
+                <a:latin typeface="Arial" charset="0"/>
+                <a:ea typeface="MS PGothic" charset="0"/>
+                <a:cs typeface="MS PGothic" charset="0"/>
+              </a:rPr>
+              <a:t> {</a:t>
+            </a:r>
+            <a:r>
+              <a:rPr lang="fr-CH" sz="1200" u="sng" kern="1200" dirty="0" smtClean="0">
+                <a:solidFill>
+                  <a:schemeClr val="tx1"/>
+                </a:solidFill>
+                <a:latin typeface="Arial" charset="0"/>
+                <a:ea typeface="MS PGothic" charset="0"/>
+                <a:cs typeface="MS PGothic" charset="0"/>
+              </a:rPr>
+              <a:t>nom: '</a:t>
+            </a:r>
+            <a:r>
+              <a:rPr lang="fr-CH" sz="1200" u="sng" kern="1200" dirty="0" err="1" smtClean="0">
+                <a:solidFill>
+                  <a:schemeClr val="tx1"/>
+                </a:solidFill>
+                <a:latin typeface="Arial" charset="0"/>
+                <a:ea typeface="MS PGothic" charset="0"/>
+                <a:cs typeface="MS PGothic" charset="0"/>
+              </a:rPr>
+              <a:t>Dubuis</a:t>
+            </a:r>
+            <a:r>
+              <a:rPr lang="fr-CH" sz="1200" u="sng" kern="1200" dirty="0" smtClean="0">
+                <a:solidFill>
+                  <a:schemeClr val="tx1"/>
+                </a:solidFill>
+                <a:latin typeface="Arial" charset="0"/>
+                <a:ea typeface="MS PGothic" charset="0"/>
+                <a:cs typeface="MS PGothic" charset="0"/>
+              </a:rPr>
+              <a:t>', </a:t>
+            </a:r>
+            <a:r>
+              <a:rPr lang="fr-CH" sz="1200" u="sng" kern="1200" dirty="0" err="1" smtClean="0">
+                <a:solidFill>
+                  <a:schemeClr val="tx1"/>
+                </a:solidFill>
+                <a:latin typeface="Arial" charset="0"/>
+                <a:ea typeface="MS PGothic" charset="0"/>
+                <a:cs typeface="MS PGothic" charset="0"/>
+              </a:rPr>
+              <a:t>prenom</a:t>
+            </a:r>
+            <a:r>
+              <a:rPr lang="fr-CH" sz="1200" u="sng" kern="1200" dirty="0" smtClean="0">
+                <a:solidFill>
+                  <a:schemeClr val="tx1"/>
+                </a:solidFill>
+                <a:latin typeface="Arial" charset="0"/>
+                <a:ea typeface="MS PGothic" charset="0"/>
+                <a:cs typeface="MS PGothic" charset="0"/>
+              </a:rPr>
+              <a:t>: 'Jimmy'}),</a:t>
+            </a:r>
+          </a:p>
+          <a:p>
+            <a:r>
+              <a:rPr lang="fr-CH" sz="1200" kern="1200" dirty="0" smtClean="0">
+                <a:solidFill>
+                  <a:schemeClr val="tx1"/>
+                </a:solidFill>
+                <a:latin typeface="Arial" charset="0"/>
+                <a:ea typeface="MS PGothic" charset="0"/>
+                <a:cs typeface="MS PGothic" charset="0"/>
+              </a:rPr>
+              <a:t>(</a:t>
+            </a:r>
+            <a:r>
+              <a:rPr lang="fr-CH" sz="1200" kern="1200" dirty="0" err="1" smtClean="0">
+                <a:solidFill>
+                  <a:schemeClr val="tx1"/>
+                </a:solidFill>
+                <a:latin typeface="Arial" charset="0"/>
+                <a:ea typeface="MS PGothic" charset="0"/>
+                <a:cs typeface="MS PGothic" charset="0"/>
+              </a:rPr>
+              <a:t>archi:Departement</a:t>
+            </a:r>
+            <a:r>
+              <a:rPr lang="fr-CH" sz="1200" kern="1200" dirty="0" smtClean="0">
+                <a:solidFill>
+                  <a:schemeClr val="tx1"/>
+                </a:solidFill>
+                <a:latin typeface="Arial" charset="0"/>
+                <a:ea typeface="MS PGothic" charset="0"/>
+                <a:cs typeface="MS PGothic" charset="0"/>
+              </a:rPr>
+              <a:t> {</a:t>
+            </a:r>
+            <a:r>
+              <a:rPr lang="fr-CH" sz="1200" u="sng" kern="1200" dirty="0" smtClean="0">
+                <a:solidFill>
+                  <a:schemeClr val="tx1"/>
+                </a:solidFill>
+                <a:latin typeface="Arial" charset="0"/>
+                <a:ea typeface="MS PGothic" charset="0"/>
+                <a:cs typeface="MS PGothic" charset="0"/>
+              </a:rPr>
+              <a:t>nom: 'Architecture'}),</a:t>
+            </a:r>
+          </a:p>
+          <a:p>
+            <a:r>
+              <a:rPr lang="fr-CH" sz="1200" kern="1200" dirty="0" smtClean="0">
+                <a:solidFill>
+                  <a:schemeClr val="tx1"/>
+                </a:solidFill>
+                <a:latin typeface="Arial" charset="0"/>
+                <a:ea typeface="MS PGothic" charset="0"/>
+                <a:cs typeface="MS PGothic" charset="0"/>
+              </a:rPr>
+              <a:t>(</a:t>
+            </a:r>
+            <a:r>
+              <a:rPr lang="fr-CH" sz="1200" kern="1200" dirty="0" err="1" smtClean="0">
+                <a:solidFill>
+                  <a:schemeClr val="tx1"/>
+                </a:solidFill>
+                <a:latin typeface="Arial" charset="0"/>
+                <a:ea typeface="MS PGothic" charset="0"/>
+                <a:cs typeface="MS PGothic" charset="0"/>
+              </a:rPr>
+              <a:t>finance:Departement</a:t>
+            </a:r>
+            <a:r>
+              <a:rPr lang="fr-CH" sz="1200" kern="1200" dirty="0" smtClean="0">
+                <a:solidFill>
+                  <a:schemeClr val="tx1"/>
+                </a:solidFill>
+                <a:latin typeface="Arial" charset="0"/>
+                <a:ea typeface="MS PGothic" charset="0"/>
+                <a:cs typeface="MS PGothic" charset="0"/>
+              </a:rPr>
+              <a:t> {</a:t>
+            </a:r>
+            <a:r>
+              <a:rPr lang="fr-CH" sz="1200" u="sng" kern="1200" dirty="0" smtClean="0">
+                <a:solidFill>
+                  <a:schemeClr val="tx1"/>
+                </a:solidFill>
+                <a:latin typeface="Arial" charset="0"/>
+                <a:ea typeface="MS PGothic" charset="0"/>
+                <a:cs typeface="MS PGothic" charset="0"/>
+              </a:rPr>
+              <a:t>nom: 'Finance'}), </a:t>
+            </a:r>
+          </a:p>
+          <a:p>
+            <a:r>
+              <a:rPr lang="fr-CH" sz="1200" kern="1200" dirty="0" smtClean="0">
+                <a:solidFill>
+                  <a:schemeClr val="tx1"/>
+                </a:solidFill>
+                <a:latin typeface="Arial" charset="0"/>
+                <a:ea typeface="MS PGothic" charset="0"/>
+                <a:cs typeface="MS PGothic" charset="0"/>
+              </a:rPr>
+              <a:t>(</a:t>
+            </a:r>
+            <a:r>
+              <a:rPr lang="fr-CH" sz="1200" u="sng" kern="1200" dirty="0" smtClean="0">
+                <a:solidFill>
+                  <a:schemeClr val="tx1"/>
+                </a:solidFill>
+                <a:latin typeface="Arial" charset="0"/>
+                <a:ea typeface="MS PGothic" charset="0"/>
+                <a:cs typeface="MS PGothic" charset="0"/>
+              </a:rPr>
+              <a:t>martin)-[:TRAVAILLE]-&gt;(archi),</a:t>
+            </a:r>
+          </a:p>
+          <a:p>
+            <a:r>
+              <a:rPr lang="fr-CH" sz="1200" kern="1200" dirty="0" smtClean="0">
+                <a:solidFill>
+                  <a:schemeClr val="tx1"/>
+                </a:solidFill>
+                <a:latin typeface="Arial" charset="0"/>
+                <a:ea typeface="MS PGothic" charset="0"/>
+                <a:cs typeface="MS PGothic" charset="0"/>
+              </a:rPr>
+              <a:t>(</a:t>
+            </a:r>
+            <a:r>
+              <a:rPr lang="fr-CH" sz="1200" u="sng" kern="1200" dirty="0" err="1" smtClean="0">
+                <a:solidFill>
+                  <a:schemeClr val="tx1"/>
+                </a:solidFill>
+                <a:latin typeface="Arial" charset="0"/>
+                <a:ea typeface="MS PGothic" charset="0"/>
+                <a:cs typeface="MS PGothic" charset="0"/>
+              </a:rPr>
+              <a:t>jnv</a:t>
+            </a:r>
+            <a:r>
+              <a:rPr lang="fr-CH" sz="1200" u="sng" kern="1200" dirty="0" smtClean="0">
+                <a:solidFill>
+                  <a:schemeClr val="tx1"/>
+                </a:solidFill>
+                <a:latin typeface="Arial" charset="0"/>
+                <a:ea typeface="MS PGothic" charset="0"/>
+                <a:cs typeface="MS PGothic" charset="0"/>
+              </a:rPr>
+              <a:t>)-[:TRAVAILLE {since:2009}]-&gt;(archi),</a:t>
+            </a:r>
+          </a:p>
+          <a:p>
+            <a:r>
+              <a:rPr lang="fr-FR" sz="1200" kern="1200" dirty="0" smtClean="0">
+                <a:solidFill>
+                  <a:schemeClr val="tx1"/>
+                </a:solidFill>
+                <a:latin typeface="Arial" charset="0"/>
+                <a:ea typeface="MS PGothic" charset="0"/>
+                <a:cs typeface="MS PGothic" charset="0"/>
+              </a:rPr>
+              <a:t>(</a:t>
+            </a:r>
+            <a:r>
+              <a:rPr lang="fr-FR" sz="1200" u="sng" kern="1200" dirty="0" err="1" smtClean="0">
+                <a:solidFill>
+                  <a:schemeClr val="tx1"/>
+                </a:solidFill>
+                <a:latin typeface="Arial" charset="0"/>
+                <a:ea typeface="MS PGothic" charset="0"/>
+                <a:cs typeface="MS PGothic" charset="0"/>
+              </a:rPr>
+              <a:t>jnv</a:t>
+            </a:r>
+            <a:r>
+              <a:rPr lang="fr-FR" sz="1200" u="sng" kern="1200" dirty="0" smtClean="0">
+                <a:solidFill>
+                  <a:schemeClr val="tx1"/>
+                </a:solidFill>
+                <a:latin typeface="Arial" charset="0"/>
+                <a:ea typeface="MS PGothic" charset="0"/>
+                <a:cs typeface="MS PGothic" charset="0"/>
+              </a:rPr>
+              <a:t>)-[:TRAVAILLE {since:2004, until:2009}]-&gt;(finance),</a:t>
+            </a:r>
+          </a:p>
+          <a:p>
+            <a:r>
+              <a:rPr lang="fr-CH" sz="1200" kern="1200" dirty="0" smtClean="0">
+                <a:solidFill>
+                  <a:schemeClr val="tx1"/>
+                </a:solidFill>
+                <a:latin typeface="Arial" charset="0"/>
+                <a:ea typeface="MS PGothic" charset="0"/>
+                <a:cs typeface="MS PGothic" charset="0"/>
+              </a:rPr>
+              <a:t>(</a:t>
+            </a:r>
+            <a:r>
+              <a:rPr lang="fr-CH" sz="1200" u="sng" kern="1200" dirty="0" err="1" smtClean="0">
+                <a:solidFill>
+                  <a:schemeClr val="tx1"/>
+                </a:solidFill>
+                <a:latin typeface="Arial" charset="0"/>
+                <a:ea typeface="MS PGothic" charset="0"/>
+                <a:cs typeface="MS PGothic" charset="0"/>
+              </a:rPr>
+              <a:t>steve</a:t>
+            </a:r>
+            <a:r>
+              <a:rPr lang="fr-CH" sz="1200" u="sng" kern="1200" dirty="0" smtClean="0">
+                <a:solidFill>
+                  <a:schemeClr val="tx1"/>
+                </a:solidFill>
+                <a:latin typeface="Arial" charset="0"/>
+                <a:ea typeface="MS PGothic" charset="0"/>
+                <a:cs typeface="MS PGothic" charset="0"/>
+              </a:rPr>
+              <a:t>)-[:TRAVAILLE]-&gt;(finance),</a:t>
+            </a:r>
+          </a:p>
+          <a:p>
+            <a:r>
+              <a:rPr lang="fr-CH" sz="1200" kern="1200" dirty="0" smtClean="0">
+                <a:solidFill>
+                  <a:schemeClr val="tx1"/>
+                </a:solidFill>
+                <a:latin typeface="Arial" charset="0"/>
+                <a:ea typeface="MS PGothic" charset="0"/>
+                <a:cs typeface="MS PGothic" charset="0"/>
+              </a:rPr>
+              <a:t>(</a:t>
+            </a:r>
+            <a:r>
+              <a:rPr lang="fr-CH" sz="1200" u="sng" kern="1200" dirty="0" err="1" smtClean="0">
+                <a:solidFill>
+                  <a:schemeClr val="tx1"/>
+                </a:solidFill>
+                <a:latin typeface="Arial" charset="0"/>
+                <a:ea typeface="MS PGothic" charset="0"/>
+                <a:cs typeface="MS PGothic" charset="0"/>
+              </a:rPr>
+              <a:t>jimmy</a:t>
+            </a:r>
+            <a:r>
+              <a:rPr lang="fr-CH" sz="1200" u="sng" kern="1200" dirty="0" smtClean="0">
+                <a:solidFill>
+                  <a:schemeClr val="tx1"/>
+                </a:solidFill>
+                <a:latin typeface="Arial" charset="0"/>
+                <a:ea typeface="MS PGothic" charset="0"/>
+                <a:cs typeface="MS PGothic" charset="0"/>
+              </a:rPr>
+              <a:t>)-[:TRAVAILLE]-&gt;(finance)</a:t>
+            </a:r>
+          </a:p>
+          <a:p>
+            <a:endParaRPr lang="fr-CH" sz="1200" kern="1200" dirty="0" smtClean="0">
+              <a:solidFill>
+                <a:schemeClr val="tx1"/>
+              </a:solidFill>
+              <a:latin typeface="Arial" charset="0"/>
+              <a:ea typeface="MS PGothic" charset="0"/>
+              <a:cs typeface="MS PGothic" charset="0"/>
+            </a:endParaRPr>
+          </a:p>
+          <a:p>
+            <a:r>
+              <a:rPr lang="fr-FR" sz="1200" kern="1200" dirty="0" smtClean="0">
+                <a:solidFill>
+                  <a:schemeClr val="tx1"/>
+                </a:solidFill>
+                <a:latin typeface="Arial" charset="0"/>
+                <a:ea typeface="MS PGothic" charset="0"/>
+                <a:cs typeface="MS PGothic" charset="0"/>
+              </a:rPr>
+              <a:t>MATCH (</a:t>
+            </a:r>
+            <a:r>
+              <a:rPr lang="fr-FR" sz="1200" u="sng" kern="1200" dirty="0" smtClean="0">
+                <a:solidFill>
+                  <a:schemeClr val="tx1"/>
+                </a:solidFill>
+                <a:latin typeface="Arial" charset="0"/>
+                <a:ea typeface="MS PGothic" charset="0"/>
+                <a:cs typeface="MS PGothic" charset="0"/>
+              </a:rPr>
+              <a:t>Personne)-[</a:t>
+            </a:r>
+            <a:r>
+              <a:rPr lang="fr-FR" sz="1200" u="sng" kern="1200" dirty="0" err="1" smtClean="0">
+                <a:solidFill>
+                  <a:schemeClr val="tx1"/>
+                </a:solidFill>
+                <a:latin typeface="Arial" charset="0"/>
+                <a:ea typeface="MS PGothic" charset="0"/>
+                <a:cs typeface="MS PGothic" charset="0"/>
+              </a:rPr>
+              <a:t>t:TRAVAILLE</a:t>
+            </a:r>
+            <a:r>
+              <a:rPr lang="fr-FR" sz="1200" u="sng" kern="1200" dirty="0" smtClean="0">
+                <a:solidFill>
+                  <a:schemeClr val="tx1"/>
+                </a:solidFill>
+                <a:latin typeface="Arial" charset="0"/>
+                <a:ea typeface="MS PGothic" charset="0"/>
+                <a:cs typeface="MS PGothic" charset="0"/>
+              </a:rPr>
+              <a:t>]-&gt;(</a:t>
+            </a:r>
+            <a:r>
+              <a:rPr lang="fr-FR" sz="1200" u="sng" kern="1200" dirty="0" err="1" smtClean="0">
+                <a:solidFill>
+                  <a:schemeClr val="tx1"/>
+                </a:solidFill>
+                <a:latin typeface="Arial" charset="0"/>
+                <a:ea typeface="MS PGothic" charset="0"/>
+                <a:cs typeface="MS PGothic" charset="0"/>
+              </a:rPr>
+              <a:t>Departement</a:t>
+            </a:r>
+            <a:r>
+              <a:rPr lang="fr-FR" sz="1200" u="sng" kern="1200" dirty="0" smtClean="0">
+                <a:solidFill>
+                  <a:schemeClr val="tx1"/>
+                </a:solidFill>
+                <a:latin typeface="Arial" charset="0"/>
+                <a:ea typeface="MS PGothic" charset="0"/>
+                <a:cs typeface="MS PGothic" charset="0"/>
+              </a:rPr>
+              <a:t>) RETURN Personne, t, </a:t>
+            </a:r>
+            <a:r>
+              <a:rPr lang="fr-FR" sz="1200" u="sng" kern="1200" dirty="0" err="1" smtClean="0">
+                <a:solidFill>
+                  <a:schemeClr val="tx1"/>
+                </a:solidFill>
+                <a:latin typeface="Arial" charset="0"/>
+                <a:ea typeface="MS PGothic" charset="0"/>
+                <a:cs typeface="MS PGothic" charset="0"/>
+              </a:rPr>
+              <a:t>Departement</a:t>
+            </a:r>
             <a:endParaRPr lang="fr-CH" altLang="fr-FR" dirty="0" smtClean="0">
               <a:ea typeface="MS PGothic" pitchFamily="34" charset="-128"/>
             </a:endParaRPr>
@@ -7638,6 +7805,246 @@
       </p:grpSpPr>
       <p:sp>
         <p:nvSpPr>
+          <p:cNvPr id="2" name="Titre 1"/>
+          <p:cNvSpPr>
+            <a:spLocks noGrp="1"/>
+          </p:cNvSpPr>
+          <p:nvPr>
+            <p:ph type="title"/>
+          </p:nvPr>
+        </p:nvSpPr>
+        <p:spPr/>
+        <p:txBody>
+          <a:bodyPr/>
+          <a:lstStyle/>
+          <a:p>
+            <a:r>
+              <a:rPr lang="fr-CH" altLang="fr-FR" sz="3200" dirty="0" smtClean="0">
+                <a:latin typeface="HelveticaNeueLT Com 65 Md" panose="020B0604020202020204" pitchFamily="34" charset="0"/>
+              </a:rPr>
+              <a:t>Graphes</a:t>
+            </a:r>
+            <a:endParaRPr lang="fr-CH" dirty="0"/>
+          </a:p>
+        </p:txBody>
+      </p:sp>
+      <p:sp>
+        <p:nvSpPr>
+          <p:cNvPr id="3" name="Espace réservé du contenu 2"/>
+          <p:cNvSpPr>
+            <a:spLocks noGrp="1"/>
+          </p:cNvSpPr>
+          <p:nvPr>
+            <p:ph idx="1"/>
+          </p:nvPr>
+        </p:nvSpPr>
+        <p:spPr/>
+        <p:txBody>
+          <a:bodyPr>
+            <a:normAutofit lnSpcReduction="10000"/>
+          </a:bodyPr>
+          <a:lstStyle/>
+          <a:p>
+            <a:r>
+              <a:rPr lang="fr-CH" dirty="0" smtClean="0"/>
+              <a:t>Gestion de relations multiples entre les objets (réseaux, …)</a:t>
+            </a:r>
+          </a:p>
+          <a:p>
+            <a:endParaRPr lang="fr-CH" dirty="0"/>
+          </a:p>
+          <a:p>
+            <a:endParaRPr lang="fr-CH" dirty="0" smtClean="0"/>
+          </a:p>
+          <a:p>
+            <a:endParaRPr lang="fr-CH" dirty="0"/>
+          </a:p>
+          <a:p>
+            <a:endParaRPr lang="fr-CH" dirty="0" smtClean="0"/>
+          </a:p>
+          <a:p>
+            <a:endParaRPr lang="fr-CH" dirty="0"/>
+          </a:p>
+          <a:p>
+            <a:endParaRPr lang="fr-CH" dirty="0" smtClean="0"/>
+          </a:p>
+          <a:p>
+            <a:endParaRPr lang="fr-CH" dirty="0"/>
+          </a:p>
+          <a:p>
+            <a:endParaRPr lang="fr-CH" dirty="0" smtClean="0"/>
+          </a:p>
+          <a:p>
+            <a:endParaRPr lang="fr-CH" dirty="0"/>
+          </a:p>
+          <a:p>
+            <a:r>
+              <a:rPr lang="fr-CH" dirty="0" smtClean="0"/>
+              <a:t>Neo4j, </a:t>
+            </a:r>
+            <a:r>
+              <a:rPr lang="fr-CH" dirty="0" err="1" smtClean="0"/>
+              <a:t>OrientDB</a:t>
+            </a:r>
+            <a:endParaRPr lang="fr-CH" dirty="0"/>
+          </a:p>
+        </p:txBody>
+      </p:sp>
+      <p:pic>
+        <p:nvPicPr>
+          <p:cNvPr id="4098" name="Picture 2"/>
+          <p:cNvPicPr>
+            <a:picLocks noChangeAspect="1" noChangeArrowheads="1"/>
+          </p:cNvPicPr>
+          <p:nvPr/>
+        </p:nvPicPr>
+        <p:blipFill>
+          <a:blip r:embed="rId2">
+            <a:extLst>
+              <a:ext uri="{28A0092B-C50C-407E-A947-70E740481C1C}">
+                <a14:useLocalDpi xmlns:a14="http://schemas.microsoft.com/office/drawing/2010/main" val="0"/>
+              </a:ext>
+            </a:extLst>
+          </a:blip>
+          <a:srcRect/>
+          <a:stretch>
+            <a:fillRect/>
+          </a:stretch>
+        </p:blipFill>
+        <p:spPr bwMode="auto">
+          <a:xfrm>
+            <a:off x="791207" y="2747474"/>
+            <a:ext cx="2777694" cy="2639174"/>
+          </a:xfrm>
+          <a:prstGeom prst="rect">
+            <a:avLst/>
+          </a:prstGeom>
+          <a:noFill/>
+          <a:ln>
+            <a:noFill/>
+          </a:ln>
+          <a:extLst>
+            <a:ext uri="{909E8E84-426E-40DD-AFC4-6F175D3DCCD1}">
+              <a14:hiddenFill xmlns:a14="http://schemas.microsoft.com/office/drawing/2010/main">
+                <a:solidFill>
+                  <a:schemeClr val="accent1"/>
+                </a:solidFill>
+              </a14:hiddenFill>
+            </a:ext>
+            <a:ext uri="{91240B29-F687-4F45-9708-019B960494DF}">
+              <a14:hiddenLine xmlns:a14="http://schemas.microsoft.com/office/drawing/2010/main" w="9525">
+                <a:solidFill>
+                  <a:schemeClr val="tx1"/>
+                </a:solidFill>
+                <a:miter lim="800000"/>
+                <a:headEnd/>
+                <a:tailEnd/>
+              </a14:hiddenLine>
+            </a:ext>
+          </a:extLst>
+        </p:spPr>
+      </p:pic>
+      <p:pic>
+        <p:nvPicPr>
+          <p:cNvPr id="5" name="Picture 2"/>
+          <p:cNvPicPr>
+            <a:picLocks noChangeAspect="1" noChangeArrowheads="1"/>
+          </p:cNvPicPr>
+          <p:nvPr/>
+        </p:nvPicPr>
+        <p:blipFill>
+          <a:blip r:embed="rId3">
+            <a:extLst>
+              <a:ext uri="{28A0092B-C50C-407E-A947-70E740481C1C}">
+                <a14:useLocalDpi xmlns:a14="http://schemas.microsoft.com/office/drawing/2010/main" val="0"/>
+              </a:ext>
+            </a:extLst>
+          </a:blip>
+          <a:srcRect/>
+          <a:stretch>
+            <a:fillRect/>
+          </a:stretch>
+        </p:blipFill>
+        <p:spPr bwMode="auto">
+          <a:xfrm>
+            <a:off x="4062414" y="2943304"/>
+            <a:ext cx="4599832" cy="2247513"/>
+          </a:xfrm>
+          <a:prstGeom prst="rect">
+            <a:avLst/>
+          </a:prstGeom>
+          <a:noFill/>
+          <a:ln>
+            <a:noFill/>
+          </a:ln>
+          <a:extLst>
+            <a:ext uri="{909E8E84-426E-40DD-AFC4-6F175D3DCCD1}">
+              <a14:hiddenFill xmlns:a14="http://schemas.microsoft.com/office/drawing/2010/main">
+                <a:solidFill>
+                  <a:schemeClr val="accent1"/>
+                </a:solidFill>
+              </a14:hiddenFill>
+            </a:ext>
+            <a:ext uri="{91240B29-F687-4F45-9708-019B960494DF}">
+              <a14:hiddenLine xmlns:a14="http://schemas.microsoft.com/office/drawing/2010/main" w="9525">
+                <a:solidFill>
+                  <a:schemeClr val="tx1"/>
+                </a:solidFill>
+                <a:miter lim="800000"/>
+                <a:headEnd/>
+                <a:tailEnd/>
+              </a14:hiddenLine>
+            </a:ext>
+          </a:extLst>
+        </p:spPr>
+      </p:pic>
+    </p:spTree>
+    <p:extLst>
+      <p:ext uri="{BB962C8B-B14F-4D97-AF65-F5344CB8AC3E}">
+        <p14:creationId xmlns:p14="http://schemas.microsoft.com/office/powerpoint/2010/main" val="539796911"/>
+      </p:ext>
+    </p:extLst>
+  </p:cSld>
+  <p:clrMapOvr>
+    <a:masterClrMapping/>
+  </p:clrMapOvr>
+  <mc:AlternateContent xmlns:mc="http://schemas.openxmlformats.org/markup-compatibility/2006" xmlns:p14="http://schemas.microsoft.com/office/powerpoint/2010/main">
+    <mc:Choice Requires="p14">
+      <p:transition spd="slow" p14:dur="2000"/>
+    </mc:Choice>
+    <mc:Fallback xmlns="">
+      <p:transition spd="slow"/>
+    </mc:Fallback>
+  </mc:AlternateContent>
+  <p:timing>
+    <p:tnLst>
+      <p:par>
+        <p:cTn id="1" dur="indefinite" restart="never" nodeType="tmRoot"/>
+      </p:par>
+    </p:tnLst>
+  </p:timing>
+</p:sld>
+</file>
+
+<file path=ppt/slides/slide11.xml><?xml version="1.0" encoding="utf-8"?>
+<p:sld xmlns:a="http://schemas.openxmlformats.org/drawingml/2006/main" xmlns:r="http://schemas.openxmlformats.org/officeDocument/2006/relationships" xmlns:p="http://schemas.openxmlformats.org/presentationml/2006/main">
+  <p:cSld>
+    <p:spTree>
+      <p:nvGrpSpPr>
+        <p:cNvPr id="1" name=""/>
+        <p:cNvGrpSpPr/>
+        <p:nvPr/>
+      </p:nvGrpSpPr>
+      <p:grpSpPr>
+        <a:xfrm>
+          <a:off x="0" y="0"/>
+          <a:ext cx="0" cy="0"/>
+          <a:chOff x="0" y="0"/>
+          <a:chExt cx="0" cy="0"/>
+        </a:xfrm>
+      </p:grpSpPr>
+      <p:sp>
+        <p:nvSpPr>
           <p:cNvPr id="26627" name="Rectangle 22"/>
           <p:cNvSpPr>
             <a:spLocks noGrp="1" noChangeArrowheads="1"/>
@@ -7804,7 +8211,7 @@
 </p:sld>
 </file>
 
-<file path=ppt/slides/slide11.xml><?xml version="1.0" encoding="utf-8"?>
+<file path=ppt/slides/slide12.xml><?xml version="1.0" encoding="utf-8"?>
 <p:sld xmlns:a="http://schemas.openxmlformats.org/drawingml/2006/main" xmlns:r="http://schemas.openxmlformats.org/officeDocument/2006/relationships" xmlns:p="http://schemas.openxmlformats.org/presentationml/2006/main">
   <p:cSld>
     <p:spTree>
@@ -8028,7 +8435,7 @@
 </p:sld>
 </file>
 
-<file path=ppt/slides/slide12.xml><?xml version="1.0" encoding="utf-8"?>
+<file path=ppt/slides/slide13.xml><?xml version="1.0" encoding="utf-8"?>
 <p:sld xmlns:a="http://schemas.openxmlformats.org/drawingml/2006/main" xmlns:r="http://schemas.openxmlformats.org/officeDocument/2006/relationships" xmlns:p="http://schemas.openxmlformats.org/presentationml/2006/main">
   <p:cSld>
     <p:spTree>
@@ -8157,7 +8564,7 @@
 </p:sld>
 </file>
 
-<file path=ppt/slides/slide13.xml><?xml version="1.0" encoding="utf-8"?>
+<file path=ppt/slides/slide14.xml><?xml version="1.0" encoding="utf-8"?>
 <p:sld xmlns:a="http://schemas.openxmlformats.org/drawingml/2006/main" xmlns:r="http://schemas.openxmlformats.org/officeDocument/2006/relationships" xmlns:p="http://schemas.openxmlformats.org/presentationml/2006/main">
   <p:cSld>
     <p:spTree>
@@ -8347,7 +8754,7 @@
 </p:sld>
 </file>
 
-<file path=ppt/slides/slide14.xml><?xml version="1.0" encoding="utf-8"?>
+<file path=ppt/slides/slide15.xml><?xml version="1.0" encoding="utf-8"?>
 <p:sld xmlns:a="http://schemas.openxmlformats.org/drawingml/2006/main" xmlns:r="http://schemas.openxmlformats.org/officeDocument/2006/relationships" xmlns:p="http://schemas.openxmlformats.org/presentationml/2006/main">
   <p:cSld>
     <p:spTree>
@@ -8550,7 +8957,7 @@
 </p:sld>
 </file>
 
-<file path=ppt/slides/slide15.xml><?xml version="1.0" encoding="utf-8"?>
+<file path=ppt/slides/slide16.xml><?xml version="1.0" encoding="utf-8"?>
 <p:sld xmlns:a="http://schemas.openxmlformats.org/drawingml/2006/main" xmlns:r="http://schemas.openxmlformats.org/officeDocument/2006/relationships" xmlns:p="http://schemas.openxmlformats.org/presentationml/2006/main">
   <p:cSld>
     <p:spTree>
@@ -8634,7 +9041,7 @@
 </p:sld>
 </file>
 
-<file path=ppt/slides/slide16.xml><?xml version="1.0" encoding="utf-8"?>
+<file path=ppt/slides/slide17.xml><?xml version="1.0" encoding="utf-8"?>
 <p:sld xmlns:a="http://schemas.openxmlformats.org/drawingml/2006/main" xmlns:r="http://schemas.openxmlformats.org/officeDocument/2006/relationships" xmlns:p="http://schemas.openxmlformats.org/presentationml/2006/main">
   <p:cSld>
     <p:spTree>
@@ -8838,7 +9245,7 @@
 </p:sld>
 </file>
 
-<file path=ppt/slides/slide17.xml><?xml version="1.0" encoding="utf-8"?>
+<file path=ppt/slides/slide18.xml><?xml version="1.0" encoding="utf-8"?>
 <p:sld xmlns:a="http://schemas.openxmlformats.org/drawingml/2006/main" xmlns:r="http://schemas.openxmlformats.org/officeDocument/2006/relationships" xmlns:p="http://schemas.openxmlformats.org/presentationml/2006/main">
   <p:cSld>
     <p:spTree>
@@ -8963,7 +9370,7 @@
 </p:sld>
 </file>
 
-<file path=ppt/slides/slide18.xml><?xml version="1.0" encoding="utf-8"?>
+<file path=ppt/slides/slide19.xml><?xml version="1.0" encoding="utf-8"?>
 <p:sld xmlns:a="http://schemas.openxmlformats.org/drawingml/2006/main" xmlns:r="http://schemas.openxmlformats.org/officeDocument/2006/relationships" xmlns:p="http://schemas.openxmlformats.org/presentationml/2006/main">
   <p:cSld>
     <p:spTree>
@@ -9088,150 +9495,6 @@
 </p:sld>
 </file>
 
-<file path=ppt/slides/slide19.xml><?xml version="1.0" encoding="utf-8"?>
-<p:sld xmlns:a="http://schemas.openxmlformats.org/drawingml/2006/main" xmlns:r="http://schemas.openxmlformats.org/officeDocument/2006/relationships" xmlns:p="http://schemas.openxmlformats.org/presentationml/2006/main">
-  <p:cSld>
-    <p:spTree>
-      <p:nvGrpSpPr>
-        <p:cNvPr id="1" name=""/>
-        <p:cNvGrpSpPr/>
-        <p:nvPr/>
-      </p:nvGrpSpPr>
-      <p:grpSpPr>
-        <a:xfrm>
-          <a:off x="0" y="0"/>
-          <a:ext cx="0" cy="0"/>
-          <a:chOff x="0" y="0"/>
-          <a:chExt cx="0" cy="0"/>
-        </a:xfrm>
-      </p:grpSpPr>
-      <p:sp>
-        <p:nvSpPr>
-          <p:cNvPr id="26627" name="Rectangle 22"/>
-          <p:cNvSpPr>
-            <a:spLocks noGrp="1" noChangeArrowheads="1"/>
-          </p:cNvSpPr>
-          <p:nvPr>
-            <p:ph type="title"/>
-          </p:nvPr>
-        </p:nvSpPr>
-        <p:spPr>
-          <a:xfrm>
-            <a:off x="719138" y="476250"/>
-            <a:ext cx="7705725" cy="455613"/>
-          </a:xfrm>
-        </p:spPr>
-        <p:txBody>
-          <a:bodyPr vert="horz" lIns="91440" tIns="45720" rIns="91440" bIns="45720" rtlCol="0" anchor="ctr">
-            <a:normAutofit fontScale="90000"/>
-          </a:bodyPr>
-          <a:lstStyle/>
-          <a:p>
-            <a:r>
-              <a:rPr lang="fr-CH" altLang="fr-FR" sz="3200" dirty="0">
-                <a:latin typeface="HelveticaNeueLT Com 65 Md" panose="020B0604020202020204" pitchFamily="34" charset="0"/>
-              </a:rPr>
-              <a:t>Neo4j console</a:t>
-            </a:r>
-          </a:p>
-        </p:txBody>
-      </p:sp>
-      <p:sp>
-        <p:nvSpPr>
-          <p:cNvPr id="2" name="Espace réservé du contenu 1"/>
-          <p:cNvSpPr>
-            <a:spLocks noGrp="1"/>
-          </p:cNvSpPr>
-          <p:nvPr>
-            <p:ph sz="half" idx="1"/>
-          </p:nvPr>
-        </p:nvSpPr>
-        <p:spPr/>
-        <p:txBody>
-          <a:bodyPr/>
-          <a:lstStyle/>
-          <a:p>
-            <a:endParaRPr lang="fr-CH"/>
-          </a:p>
-        </p:txBody>
-      </p:sp>
-      <p:pic>
-        <p:nvPicPr>
-          <p:cNvPr id="9219" name="Picture 3"/>
-          <p:cNvPicPr>
-            <a:picLocks noChangeAspect="1" noChangeArrowheads="1"/>
-          </p:cNvPicPr>
-          <p:nvPr/>
-        </p:nvPicPr>
-        <p:blipFill>
-          <a:blip r:embed="rId3">
-            <a:extLst>
-              <a:ext uri="{28A0092B-C50C-407E-A947-70E740481C1C}">
-                <a14:useLocalDpi xmlns:a14="http://schemas.microsoft.com/office/drawing/2010/main" val="0"/>
-              </a:ext>
-            </a:extLst>
-          </a:blip>
-          <a:srcRect/>
-          <a:stretch>
-            <a:fillRect/>
-          </a:stretch>
-        </p:blipFill>
-        <p:spPr bwMode="auto">
-          <a:xfrm>
-            <a:off x="122334" y="1371600"/>
-            <a:ext cx="8887458" cy="4471988"/>
-          </a:xfrm>
-          <a:prstGeom prst="rect">
-            <a:avLst/>
-          </a:prstGeom>
-          <a:noFill/>
-          <a:ln>
-            <a:noFill/>
-          </a:ln>
-          <a:extLst>
-            <a:ext uri="{909E8E84-426E-40DD-AFC4-6F175D3DCCD1}">
-              <a14:hiddenFill xmlns:a14="http://schemas.microsoft.com/office/drawing/2010/main">
-                <a:solidFill>
-                  <a:schemeClr val="accent1"/>
-                </a:solidFill>
-              </a14:hiddenFill>
-            </a:ext>
-            <a:ext uri="{91240B29-F687-4F45-9708-019B960494DF}">
-              <a14:hiddenLine xmlns:a14="http://schemas.microsoft.com/office/drawing/2010/main" w="9525">
-                <a:solidFill>
-                  <a:schemeClr val="tx1"/>
-                </a:solidFill>
-                <a:miter lim="800000"/>
-                <a:headEnd/>
-                <a:tailEnd/>
-              </a14:hiddenLine>
-            </a:ext>
-          </a:extLst>
-        </p:spPr>
-      </p:pic>
-    </p:spTree>
-    <p:extLst>
-      <p:ext uri="{BB962C8B-B14F-4D97-AF65-F5344CB8AC3E}">
-        <p14:creationId xmlns:p14="http://schemas.microsoft.com/office/powerpoint/2010/main" val="1665879601"/>
-      </p:ext>
-    </p:extLst>
-  </p:cSld>
-  <p:clrMapOvr>
-    <a:masterClrMapping/>
-  </p:clrMapOvr>
-  <p:transition spd="med">
-    <p:fade/>
-  </p:transition>
-  <p:timing>
-    <p:tnLst>
-      <p:par>
-        <p:cTn id="1" dur="indefinite" restart="never" nodeType="tmRoot"/>
-      </p:par>
-    </p:tnLst>
-  </p:timing>
-</p:sld>
-</file>
-
 <file path=ppt/slides/slide2.xml><?xml version="1.0" encoding="utf-8"?>
 <p:sld xmlns:a="http://schemas.openxmlformats.org/drawingml/2006/main" xmlns:r="http://schemas.openxmlformats.org/officeDocument/2006/relationships" xmlns:p="http://schemas.openxmlformats.org/presentationml/2006/main">
   <p:cSld>
@@ -9265,31 +9528,13 @@
           <a:lstStyle/>
           <a:p>
             <a:r>
-              <a:rPr lang="de-DE" altLang="fr-FR" dirty="0" err="1" smtClean="0">
+              <a:rPr lang="de-DE" dirty="0" err="1" smtClean="0">
                 <a:solidFill>
                   <a:schemeClr val="bg1"/>
                 </a:solidFill>
                 <a:latin typeface="HelveticaNeue LT 45 Light" pitchFamily="34" charset="0"/>
               </a:rPr>
-              <a:t>Jean-noël</a:t>
-            </a:r>
-            <a:r>
-              <a:rPr lang="de-DE" altLang="fr-FR" dirty="0" smtClean="0">
-                <a:solidFill>
-                  <a:schemeClr val="bg1"/>
-                </a:solidFill>
-                <a:latin typeface="HelveticaNeue LT 45 Light" pitchFamily="34" charset="0"/>
-              </a:rPr>
-              <a:t> </a:t>
-            </a:r>
-            <a:r>
-              <a:rPr lang="de-DE" altLang="fr-FR" dirty="0" err="1" smtClean="0">
-                <a:solidFill>
-                  <a:schemeClr val="bg1"/>
-                </a:solidFill>
-                <a:latin typeface="HelveticaNeue LT 45 Light" pitchFamily="34" charset="0"/>
-              </a:rPr>
-              <a:t>vuissoz</a:t>
+              <a:t>Membres</a:t>
             </a:r>
             <a:endParaRPr lang="fr-CH" dirty="0"/>
           </a:p>
@@ -9377,14 +9622,33 @@
               <a:rPr lang="fr-CH" altLang="fr-FR" sz="3200" dirty="0">
                 <a:latin typeface="HelveticaNeueLT Com 65 Md" panose="020B0604020202020204" pitchFamily="34" charset="0"/>
               </a:rPr>
-              <a:t>Cas d’exemple</a:t>
-            </a:r>
+              <a:t>Neo4j console</a:t>
+            </a:r>
+          </a:p>
+        </p:txBody>
+      </p:sp>
+      <p:sp>
+        <p:nvSpPr>
+          <p:cNvPr id="2" name="Espace réservé du contenu 1"/>
+          <p:cNvSpPr>
+            <a:spLocks noGrp="1"/>
+          </p:cNvSpPr>
+          <p:nvPr>
+            <p:ph sz="half" idx="1"/>
+          </p:nvPr>
+        </p:nvSpPr>
+        <p:spPr/>
+        <p:txBody>
+          <a:bodyPr/>
+          <a:lstStyle/>
+          <a:p>
+            <a:endParaRPr lang="fr-CH"/>
           </a:p>
         </p:txBody>
       </p:sp>
       <p:pic>
         <p:nvPicPr>
-          <p:cNvPr id="10244" name="Picture 4"/>
+          <p:cNvPr id="9219" name="Picture 3"/>
           <p:cNvPicPr>
             <a:picLocks noChangeAspect="1" noChangeArrowheads="1"/>
           </p:cNvPicPr>
@@ -9405,8 +9669,8 @@
         </p:blipFill>
         <p:spPr bwMode="auto">
           <a:xfrm>
-            <a:off x="822960" y="1285879"/>
-            <a:ext cx="8168638" cy="5528979"/>
+            <a:off x="122334" y="1371600"/>
+            <a:ext cx="8887458" cy="4471988"/>
           </a:xfrm>
           <a:prstGeom prst="rect">
             <a:avLst/>
@@ -9439,7 +9703,7 @@
     </p:spTree>
     <p:extLst>
       <p:ext uri="{BB962C8B-B14F-4D97-AF65-F5344CB8AC3E}">
-        <p14:creationId xmlns:p14="http://schemas.microsoft.com/office/powerpoint/2010/main" val="1352971673"/>
+        <p14:creationId xmlns:p14="http://schemas.microsoft.com/office/powerpoint/2010/main" val="1665879601"/>
       </p:ext>
     </p:extLst>
   </p:cSld>
@@ -9708,6 +9972,146 @@
       </p:grpSpPr>
       <p:sp>
         <p:nvSpPr>
+          <p:cNvPr id="26627" name="Rectangle 22"/>
+          <p:cNvSpPr>
+            <a:spLocks noGrp="1" noChangeArrowheads="1"/>
+          </p:cNvSpPr>
+          <p:nvPr>
+            <p:ph type="title"/>
+          </p:nvPr>
+        </p:nvSpPr>
+        <p:spPr>
+          <a:xfrm>
+            <a:off x="719138" y="476250"/>
+            <a:ext cx="7705725" cy="455613"/>
+          </a:xfrm>
+        </p:spPr>
+        <p:txBody>
+          <a:bodyPr vert="horz" lIns="91440" tIns="45720" rIns="91440" bIns="45720" rtlCol="0" anchor="ctr">
+            <a:normAutofit fontScale="90000"/>
+          </a:bodyPr>
+          <a:lstStyle/>
+          <a:p>
+            <a:r>
+              <a:rPr lang="fr-CH" altLang="fr-FR" sz="3200" dirty="0" smtClean="0">
+                <a:latin typeface="HelveticaNeueLT Com 65 Md" panose="020B0604020202020204" pitchFamily="34" charset="0"/>
+              </a:rPr>
+              <a:t>Cas d’exemple</a:t>
+            </a:r>
+            <a:endParaRPr lang="fr-CH" altLang="fr-FR" sz="3200" dirty="0">
+              <a:latin typeface="HelveticaNeueLT Com 65 Md" panose="020B0604020202020204" pitchFamily="34" charset="0"/>
+            </a:endParaRPr>
+          </a:p>
+        </p:txBody>
+      </p:sp>
+      <p:pic>
+        <p:nvPicPr>
+          <p:cNvPr id="2" name="Image 1"/>
+          <p:cNvPicPr>
+            <a:picLocks noChangeAspect="1"/>
+          </p:cNvPicPr>
+          <p:nvPr/>
+        </p:nvPicPr>
+        <p:blipFill rotWithShape="1">
+          <a:blip r:embed="rId3"/>
+          <a:srcRect l="29559" t="27387" r="30441" b="27646"/>
+          <a:stretch/>
+        </p:blipFill>
+        <p:spPr>
+          <a:xfrm>
+            <a:off x="719138" y="2575451"/>
+            <a:ext cx="6169891" cy="3901549"/>
+          </a:xfrm>
+          <a:prstGeom prst="rect">
+            <a:avLst/>
+          </a:prstGeom>
+        </p:spPr>
+      </p:pic>
+      <p:sp>
+        <p:nvSpPr>
+          <p:cNvPr id="5" name="Espace réservé du contenu 2"/>
+          <p:cNvSpPr>
+            <a:spLocks noGrp="1"/>
+          </p:cNvSpPr>
+          <p:nvPr>
+            <p:ph idx="1"/>
+          </p:nvPr>
+        </p:nvSpPr>
+        <p:spPr>
+          <a:xfrm>
+            <a:off x="457200" y="1600200"/>
+            <a:ext cx="8229600" cy="4876800"/>
+          </a:xfrm>
+        </p:spPr>
+        <p:txBody>
+          <a:bodyPr/>
+          <a:lstStyle/>
+          <a:p>
+            <a:r>
+              <a:rPr lang="fr-CH" dirty="0" smtClean="0"/>
+              <a:t>Ex. avec </a:t>
+            </a:r>
+            <a:r>
+              <a:rPr lang="fr-CH" dirty="0" err="1" smtClean="0"/>
+              <a:t>spring</a:t>
+            </a:r>
+            <a:r>
+              <a:rPr lang="fr-CH" dirty="0" smtClean="0"/>
+              <a:t>-data</a:t>
+            </a:r>
+          </a:p>
+          <a:p>
+            <a:pPr lvl="1"/>
+            <a:r>
+              <a:rPr lang="fr-CH" dirty="0" smtClean="0"/>
+              <a:t>https://github.com/mejnv/evalais.git</a:t>
+            </a:r>
+            <a:endParaRPr lang="fr-CH" dirty="0" smtClean="0"/>
+          </a:p>
+        </p:txBody>
+      </p:sp>
+    </p:spTree>
+    <p:extLst>
+      <p:ext uri="{BB962C8B-B14F-4D97-AF65-F5344CB8AC3E}">
+        <p14:creationId xmlns:p14="http://schemas.microsoft.com/office/powerpoint/2010/main" val="1352971673"/>
+      </p:ext>
+    </p:extLst>
+  </p:cSld>
+  <p:clrMapOvr>
+    <a:masterClrMapping/>
+  </p:clrMapOvr>
+  <p:transition spd="med">
+    <p:fade/>
+  </p:transition>
+  <p:timing>
+    <p:tnLst>
+      <p:par>
+        <p:cTn id="1" dur="indefinite" restart="never" nodeType="tmRoot"/>
+      </p:par>
+    </p:tnLst>
+  </p:timing>
+</p:sld>
+</file>
+
+<file path=ppt/slides/slide24.xml><?xml version="1.0" encoding="utf-8"?>
+<p:sld xmlns:a="http://schemas.openxmlformats.org/drawingml/2006/main" xmlns:r="http://schemas.openxmlformats.org/officeDocument/2006/relationships" xmlns:p="http://schemas.openxmlformats.org/presentationml/2006/main">
+  <p:cSld>
+    <p:spTree>
+      <p:nvGrpSpPr>
+        <p:cNvPr id="1" name=""/>
+        <p:cNvGrpSpPr/>
+        <p:nvPr/>
+      </p:nvGrpSpPr>
+      <p:grpSpPr>
+        <a:xfrm>
+          <a:off x="0" y="0"/>
+          <a:ext cx="0" cy="0"/>
+          <a:chOff x="0" y="0"/>
+          <a:chExt cx="0" cy="0"/>
+        </a:xfrm>
+      </p:grpSpPr>
+      <p:sp>
+        <p:nvSpPr>
           <p:cNvPr id="2" name="Titre 1"/>
           <p:cNvSpPr>
             <a:spLocks noGrp="1"/>
@@ -9724,10 +10128,10 @@
           <a:lstStyle/>
           <a:p>
             <a:r>
-              <a:rPr lang="fr-CH" sz="3200" dirty="0" err="1" smtClean="0">
+              <a:rPr lang="fr-CH" sz="3200" dirty="0" smtClean="0">
                 <a:latin typeface="HelveticaNeueLT Com 65 Md" panose="020B0604020202020204" pitchFamily="34" charset="0"/>
               </a:rPr>
-              <a:t>Demo</a:t>
+              <a:t>Les challenges</a:t>
             </a:r>
             <a:endParaRPr lang="fr-CH" sz="3200" dirty="0">
               <a:latin typeface="HelveticaNeueLT Com 65 Md" panose="020B0604020202020204" pitchFamily="34" charset="0"/>
@@ -9752,29 +10156,11 @@
           <a:p>
             <a:r>
               <a:rPr lang="fr-CH" dirty="0" smtClean="0"/>
-              <a:t>Ex. avec </a:t>
-            </a:r>
-            <a:r>
-              <a:rPr lang="fr-CH" dirty="0" err="1" smtClean="0"/>
-              <a:t>spring</a:t>
+              <a:t>Comment </a:t>
             </a:r>
             <a:r>
               <a:rPr lang="fr-CH" dirty="0" smtClean="0"/>
-              <a:t>-data</a:t>
-            </a:r>
-          </a:p>
-          <a:p>
-            <a:pPr lvl="1"/>
-            <a:r>
-              <a:rPr lang="fr-CH" dirty="0"/>
-              <a:t>https://github.com/mejnv/evalais.git</a:t>
-            </a:r>
-            <a:endParaRPr lang="fr-CH" dirty="0" smtClean="0"/>
-          </a:p>
-          <a:p>
-            <a:r>
-              <a:rPr lang="fr-CH" dirty="0" smtClean="0"/>
-              <a:t>Comment cibler la techno susceptible de répondre aux besoins ?</a:t>
+              <a:t>cibler la techno susceptible de répondre aux besoins ?</a:t>
             </a:r>
           </a:p>
           <a:p>
@@ -9814,7 +10200,7 @@
 </p:sld>
 </file>
 
-<file path=ppt/slides/slide24.xml><?xml version="1.0" encoding="utf-8"?>
+<file path=ppt/slides/slide25.xml><?xml version="1.0" encoding="utf-8"?>
 <p:sld xmlns:a="http://schemas.openxmlformats.org/drawingml/2006/main" xmlns:r="http://schemas.openxmlformats.org/officeDocument/2006/relationships" xmlns:p="http://schemas.openxmlformats.org/presentationml/2006/main">
   <p:cSld>
     <p:spTree>
@@ -9944,6 +10330,15 @@
               </a:rPr>
               <a:t>/</a:t>
             </a:r>
+            <a:endParaRPr lang="fr-CH" dirty="0" smtClean="0"/>
+          </a:p>
+          <a:p>
+            <a:r>
+              <a:rPr lang="fr-CH" dirty="0"/>
+              <a:t>https://github.com/mejnv/evalais.git</a:t>
+            </a:r>
+          </a:p>
+          <a:p>
             <a:endParaRPr lang="fr-CH" dirty="0" smtClean="0"/>
           </a:p>
           <a:p>
@@ -9991,7 +10386,7 @@
 </p:sld>
 </file>
 
-<file path=ppt/slides/slide25.xml><?xml version="1.0" encoding="utf-8"?>
+<file path=ppt/slides/slide26.xml><?xml version="1.0" encoding="utf-8"?>
 <p:sld xmlns:a="http://schemas.openxmlformats.org/drawingml/2006/main" xmlns:r="http://schemas.openxmlformats.org/officeDocument/2006/relationships" xmlns:p="http://schemas.openxmlformats.org/presentationml/2006/main">
   <p:cSld>
     <p:spTree>
@@ -10230,60 +10625,6 @@
           <a:chExt cx="0" cy="0"/>
         </a:xfrm>
       </p:grpSpPr>
-      <p:pic>
-        <p:nvPicPr>
-          <p:cNvPr id="5122" name="Picture 2"/>
-          <p:cNvPicPr>
-            <a:picLocks noChangeAspect="1" noChangeArrowheads="1"/>
-          </p:cNvPicPr>
-          <p:nvPr/>
-        </p:nvPicPr>
-        <p:blipFill>
-          <a:blip r:embed="rId3">
-            <a:extLst>
-              <a:ext uri="{28A0092B-C50C-407E-A947-70E740481C1C}">
-                <a14:useLocalDpi xmlns:a14="http://schemas.microsoft.com/office/drawing/2010/main" val="0"/>
-              </a:ext>
-            </a:extLst>
-          </a:blip>
-          <a:srcRect/>
-          <a:stretch>
-            <a:fillRect/>
-          </a:stretch>
-        </p:blipFill>
-        <p:spPr bwMode="auto">
-          <a:xfrm>
-            <a:off x="5062888" y="2811654"/>
-            <a:ext cx="3793291" cy="3483635"/>
-          </a:xfrm>
-          <a:prstGeom prst="rect">
-            <a:avLst/>
-          </a:prstGeom>
-          <a:noFill/>
-          <a:ln>
-            <a:noFill/>
-          </a:ln>
-          <a:extLst>
-            <a:ext uri="{909E8E84-426E-40DD-AFC4-6F175D3DCCD1}">
-              <a14:hiddenFill xmlns:a14="http://schemas.microsoft.com/office/drawing/2010/main">
-                <a:solidFill>
-                  <a:schemeClr val="accent1"/>
-                </a:solidFill>
-              </a14:hiddenFill>
-            </a:ext>
-            <a:ext uri="{91240B29-F687-4F45-9708-019B960494DF}">
-              <a14:hiddenLine xmlns:a14="http://schemas.microsoft.com/office/drawing/2010/main" w="9525">
-                <a:solidFill>
-                  <a:schemeClr val="tx1"/>
-                </a:solidFill>
-                <a:miter lim="800000"/>
-                <a:headEnd/>
-                <a:tailEnd/>
-              </a14:hiddenLine>
-            </a:ext>
-          </a:extLst>
-        </p:spPr>
-      </p:pic>
       <p:sp>
         <p:nvSpPr>
           <p:cNvPr id="3" name="Espace réservé du contenu 2"/>
@@ -10525,7 +10866,7 @@
             </a:pPr>
             <a:r>
               <a:rPr lang="fr-CH" dirty="0">
-                <a:hlinkClick r:id="rId4"/>
+                <a:hlinkClick r:id="rId3"/>
               </a:rPr>
               <a:t>https://www.linkedin.com/in/mejnv</a:t>
             </a:r>
@@ -10537,7 +10878,7 @@
               </a:spcAft>
             </a:pPr>
             <a:endParaRPr lang="fr-CH" dirty="0" smtClean="0">
-              <a:hlinkClick r:id="rId4"/>
+              <a:hlinkClick r:id="rId3"/>
             </a:endParaRPr>
           </a:p>
           <a:p>
@@ -10548,7 +10889,7 @@
             </a:pPr>
             <a:r>
               <a:rPr lang="fr-CH" dirty="0" smtClean="0"/>
-              <a:t>Marié 2 enfants</a:t>
+              <a:t>40 ans bientôt ;-)</a:t>
             </a:r>
           </a:p>
           <a:p>
@@ -10558,16 +10899,9 @@
               </a:spcAft>
             </a:pPr>
             <a:r>
-              <a:rPr lang="fr-CH" dirty="0" err="1" smtClean="0"/>
-              <a:t>Unihockey</a:t>
-            </a:r>
-            <a:r>
               <a:rPr lang="fr-CH" dirty="0" smtClean="0"/>
-              <a:t>, Course, Montagne</a:t>
-            </a:r>
-            <a:endParaRPr lang="fr-CH" dirty="0">
-              <a:hlinkClick r:id="rId4"/>
-            </a:endParaRPr>
+              <a:t>Marié 2 enfants</a:t>
+            </a:r>
           </a:p>
           <a:p>
             <a:pPr fontAlgn="auto">
@@ -10576,11 +10910,37 @@
               </a:spcAft>
             </a:pPr>
             <a:r>
+              <a:rPr lang="fr-CH" dirty="0" err="1" smtClean="0"/>
+              <a:t>Unihockey</a:t>
+            </a:r>
+            <a:r>
+              <a:rPr lang="fr-CH" dirty="0" smtClean="0"/>
+              <a:t>, Course, Montagne</a:t>
+            </a:r>
+            <a:endParaRPr lang="fr-CH" dirty="0">
+              <a:hlinkClick r:id="rId3"/>
+            </a:endParaRPr>
+          </a:p>
+          <a:p>
+            <a:pPr fontAlgn="auto">
+              <a:spcAft>
+                <a:spcPts val="0"/>
+              </a:spcAft>
+            </a:pPr>
+            <a:r>
               <a:rPr lang="fr-CH" dirty="0" smtClean="0">
-                <a:hlinkClick r:id="rId4"/>
+                <a:hlinkClick r:id="rId3"/>
               </a:rPr>
               <a:t>http://www.jnv.ch</a:t>
             </a:r>
+            <a:endParaRPr lang="fr-CH" dirty="0" smtClean="0"/>
+          </a:p>
+          <a:p>
+            <a:pPr fontAlgn="auto">
+              <a:spcAft>
+                <a:spcPts val="0"/>
+              </a:spcAft>
+            </a:pPr>
             <a:endParaRPr lang="fr-CH" dirty="0" smtClean="0"/>
           </a:p>
           <a:p>
@@ -10637,10 +10997,16 @@
               </a:spcAft>
             </a:pPr>
             <a:r>
-              <a:rPr lang="fr-CH" altLang="fr-FR" sz="3200" dirty="0" smtClean="0">
+              <a:rPr lang="fr-CH" sz="3200" dirty="0" err="1" smtClean="0">
                 <a:latin typeface="HelveticaNeueLT Com 65 Md" panose="020B0604020202020204" pitchFamily="34" charset="0"/>
               </a:rPr>
-              <a:t>JNV</a:t>
+              <a:t>Vuissoz</a:t>
+            </a:r>
+            <a:r>
+              <a:rPr lang="fr-CH" sz="3200" dirty="0" smtClean="0">
+                <a:latin typeface="HelveticaNeueLT Com 65 Md" panose="020B0604020202020204" pitchFamily="34" charset="0"/>
+              </a:rPr>
+              <a:t> Jean-Noël</a:t>
             </a:r>
             <a:endParaRPr lang="fr-CH" dirty="0"/>
           </a:p>
@@ -10691,6 +11057,429 @@
           <a:chExt cx="0" cy="0"/>
         </a:xfrm>
       </p:grpSpPr>
+      <p:pic>
+        <p:nvPicPr>
+          <p:cNvPr id="5122" name="Picture 2"/>
+          <p:cNvPicPr>
+            <a:picLocks noChangeAspect="1" noChangeArrowheads="1"/>
+          </p:cNvPicPr>
+          <p:nvPr/>
+        </p:nvPicPr>
+        <p:blipFill>
+          <a:blip r:embed="rId3">
+            <a:extLst>
+              <a:ext uri="{28A0092B-C50C-407E-A947-70E740481C1C}">
+                <a14:useLocalDpi xmlns:a14="http://schemas.microsoft.com/office/drawing/2010/main" val="0"/>
+              </a:ext>
+            </a:extLst>
+          </a:blip>
+          <a:srcRect/>
+          <a:stretch>
+            <a:fillRect/>
+          </a:stretch>
+        </p:blipFill>
+        <p:spPr bwMode="auto">
+          <a:xfrm>
+            <a:off x="5049826" y="760785"/>
+            <a:ext cx="3793291" cy="3483635"/>
+          </a:xfrm>
+          <a:prstGeom prst="rect">
+            <a:avLst/>
+          </a:prstGeom>
+          <a:noFill/>
+          <a:ln>
+            <a:noFill/>
+          </a:ln>
+          <a:extLst>
+            <a:ext uri="{909E8E84-426E-40DD-AFC4-6F175D3DCCD1}">
+              <a14:hiddenFill xmlns:a14="http://schemas.microsoft.com/office/drawing/2010/main">
+                <a:solidFill>
+                  <a:schemeClr val="accent1"/>
+                </a:solidFill>
+              </a14:hiddenFill>
+            </a:ext>
+            <a:ext uri="{91240B29-F687-4F45-9708-019B960494DF}">
+              <a14:hiddenLine xmlns:a14="http://schemas.microsoft.com/office/drawing/2010/main" w="9525">
+                <a:solidFill>
+                  <a:schemeClr val="tx1"/>
+                </a:solidFill>
+                <a:miter lim="800000"/>
+                <a:headEnd/>
+                <a:tailEnd/>
+              </a14:hiddenLine>
+            </a:ext>
+          </a:extLst>
+        </p:spPr>
+      </p:pic>
+      <p:sp>
+        <p:nvSpPr>
+          <p:cNvPr id="3" name="Espace réservé du contenu 2"/>
+          <p:cNvSpPr txBox="1">
+            <a:spLocks/>
+          </p:cNvSpPr>
+          <p:nvPr/>
+        </p:nvSpPr>
+        <p:spPr>
+          <a:xfrm>
+            <a:off x="457200" y="1600200"/>
+            <a:ext cx="8229600" cy="4876800"/>
+          </a:xfrm>
+          <a:prstGeom prst="rect">
+            <a:avLst/>
+          </a:prstGeom>
+        </p:spPr>
+        <p:txBody>
+          <a:bodyPr/>
+          <a:lstStyle>
+            <a:lvl1pPr marL="182880" indent="-182880" algn="l" defTabSz="914400" rtl="0" eaLnBrk="1" latinLnBrk="0" hangingPunct="1">
+              <a:spcBef>
+                <a:spcPct val="20000"/>
+              </a:spcBef>
+              <a:buClr>
+                <a:schemeClr val="accent1"/>
+              </a:buClr>
+              <a:buSzPct val="85000"/>
+              <a:buFont typeface="Arial" pitchFamily="34" charset="0"/>
+              <a:buChar char="•"/>
+              <a:defRPr sz="2400" kern="1200">
+                <a:solidFill>
+                  <a:schemeClr val="tx1"/>
+                </a:solidFill>
+                <a:latin typeface="+mn-lt"/>
+                <a:ea typeface="+mn-ea"/>
+                <a:cs typeface="+mn-cs"/>
+              </a:defRPr>
+            </a:lvl1pPr>
+            <a:lvl2pPr marL="457200" indent="-182880" algn="l" defTabSz="914400" rtl="0" eaLnBrk="1" latinLnBrk="0" hangingPunct="1">
+              <a:spcBef>
+                <a:spcPct val="20000"/>
+              </a:spcBef>
+              <a:buClr>
+                <a:schemeClr val="accent1"/>
+              </a:buClr>
+              <a:buSzPct val="85000"/>
+              <a:buFont typeface="Arial" pitchFamily="34" charset="0"/>
+              <a:buChar char="•"/>
+              <a:defRPr sz="2000" kern="1200">
+                <a:solidFill>
+                  <a:schemeClr val="tx1"/>
+                </a:solidFill>
+                <a:latin typeface="+mn-lt"/>
+                <a:ea typeface="+mn-ea"/>
+                <a:cs typeface="+mn-cs"/>
+              </a:defRPr>
+            </a:lvl2pPr>
+            <a:lvl3pPr marL="731520" indent="-182880" algn="l" defTabSz="914400" rtl="0" eaLnBrk="1" latinLnBrk="0" hangingPunct="1">
+              <a:spcBef>
+                <a:spcPct val="20000"/>
+              </a:spcBef>
+              <a:buClr>
+                <a:schemeClr val="accent1"/>
+              </a:buClr>
+              <a:buSzPct val="90000"/>
+              <a:buFont typeface="Arial" pitchFamily="34" charset="0"/>
+              <a:buChar char="•"/>
+              <a:defRPr sz="1800" kern="1200">
+                <a:solidFill>
+                  <a:schemeClr val="tx1"/>
+                </a:solidFill>
+                <a:latin typeface="+mn-lt"/>
+                <a:ea typeface="+mn-ea"/>
+                <a:cs typeface="+mn-cs"/>
+              </a:defRPr>
+            </a:lvl3pPr>
+            <a:lvl4pPr marL="1005840" indent="-182880" algn="l" defTabSz="914400" rtl="0" eaLnBrk="1" latinLnBrk="0" hangingPunct="1">
+              <a:spcBef>
+                <a:spcPct val="20000"/>
+              </a:spcBef>
+              <a:buClr>
+                <a:schemeClr val="accent1"/>
+              </a:buClr>
+              <a:buFont typeface="Arial" pitchFamily="34" charset="0"/>
+              <a:buChar char="•"/>
+              <a:defRPr sz="1600" kern="1200">
+                <a:solidFill>
+                  <a:schemeClr val="tx1"/>
+                </a:solidFill>
+                <a:latin typeface="+mn-lt"/>
+                <a:ea typeface="+mn-ea"/>
+                <a:cs typeface="+mn-cs"/>
+              </a:defRPr>
+            </a:lvl4pPr>
+            <a:lvl5pPr marL="1188720" indent="-137160" algn="l" defTabSz="914400" rtl="0" eaLnBrk="1" latinLnBrk="0" hangingPunct="1">
+              <a:spcBef>
+                <a:spcPct val="20000"/>
+              </a:spcBef>
+              <a:buClr>
+                <a:schemeClr val="accent1"/>
+              </a:buClr>
+              <a:buSzPct val="100000"/>
+              <a:buFont typeface="Arial" pitchFamily="34" charset="0"/>
+              <a:buChar char="•"/>
+              <a:defRPr sz="1400" kern="1200" baseline="0">
+                <a:solidFill>
+                  <a:schemeClr val="tx1"/>
+                </a:solidFill>
+                <a:latin typeface="+mn-lt"/>
+                <a:ea typeface="+mn-ea"/>
+                <a:cs typeface="+mn-cs"/>
+              </a:defRPr>
+            </a:lvl5pPr>
+            <a:lvl6pPr marL="1371600" indent="-182880" algn="l" defTabSz="914400" rtl="0" eaLnBrk="1" latinLnBrk="0" hangingPunct="1">
+              <a:spcBef>
+                <a:spcPct val="20000"/>
+              </a:spcBef>
+              <a:buClr>
+                <a:schemeClr val="accent1"/>
+              </a:buClr>
+              <a:buFont typeface="Arial" pitchFamily="34" charset="0"/>
+              <a:buChar char="•"/>
+              <a:defRPr sz="1300" kern="1200">
+                <a:solidFill>
+                  <a:schemeClr val="tx1"/>
+                </a:solidFill>
+                <a:latin typeface="+mn-lt"/>
+                <a:ea typeface="+mn-ea"/>
+                <a:cs typeface="+mn-cs"/>
+              </a:defRPr>
+            </a:lvl6pPr>
+            <a:lvl7pPr marL="1554480" indent="-182880" algn="l" defTabSz="914400" rtl="0" eaLnBrk="1" latinLnBrk="0" hangingPunct="1">
+              <a:spcBef>
+                <a:spcPct val="20000"/>
+              </a:spcBef>
+              <a:buClr>
+                <a:schemeClr val="accent1"/>
+              </a:buClr>
+              <a:buFont typeface="Arial" pitchFamily="34" charset="0"/>
+              <a:buChar char="•"/>
+              <a:defRPr sz="1300" kern="1200">
+                <a:solidFill>
+                  <a:schemeClr val="tx1"/>
+                </a:solidFill>
+                <a:latin typeface="+mn-lt"/>
+                <a:ea typeface="+mn-ea"/>
+                <a:cs typeface="+mn-cs"/>
+              </a:defRPr>
+            </a:lvl7pPr>
+            <a:lvl8pPr marL="1737360" indent="-182880" algn="l" defTabSz="914400" rtl="0" eaLnBrk="1" latinLnBrk="0" hangingPunct="1">
+              <a:spcBef>
+                <a:spcPct val="20000"/>
+              </a:spcBef>
+              <a:buClr>
+                <a:schemeClr val="accent1"/>
+              </a:buClr>
+              <a:buFont typeface="Arial" pitchFamily="34" charset="0"/>
+              <a:buChar char="•"/>
+              <a:defRPr sz="1300" kern="1200">
+                <a:solidFill>
+                  <a:schemeClr val="tx1"/>
+                </a:solidFill>
+                <a:latin typeface="+mn-lt"/>
+                <a:ea typeface="+mn-ea"/>
+                <a:cs typeface="+mn-cs"/>
+              </a:defRPr>
+            </a:lvl8pPr>
+            <a:lvl9pPr marL="1920240" indent="-182880" algn="l" defTabSz="914400" rtl="0" eaLnBrk="1" latinLnBrk="0" hangingPunct="1">
+              <a:spcBef>
+                <a:spcPct val="20000"/>
+              </a:spcBef>
+              <a:buClr>
+                <a:schemeClr val="accent1"/>
+              </a:buClr>
+              <a:buFont typeface="Arial" pitchFamily="34" charset="0"/>
+              <a:buChar char="•"/>
+              <a:defRPr sz="1300" kern="1200">
+                <a:solidFill>
+                  <a:schemeClr val="tx1"/>
+                </a:solidFill>
+                <a:latin typeface="+mn-lt"/>
+                <a:ea typeface="+mn-ea"/>
+                <a:cs typeface="+mn-cs"/>
+              </a:defRPr>
+            </a:lvl9pPr>
+          </a:lstStyle>
+          <a:p>
+            <a:r>
+              <a:rPr lang="fr-CH" dirty="0"/>
+              <a:t>Combien connaissent </a:t>
+            </a:r>
+            <a:r>
+              <a:rPr lang="fr-CH" dirty="0" err="1"/>
+              <a:t>NoSQL</a:t>
+            </a:r>
+            <a:r>
+              <a:rPr lang="fr-CH" dirty="0"/>
+              <a:t> ?</a:t>
+            </a:r>
+          </a:p>
+          <a:p>
+            <a:r>
+              <a:rPr lang="fr-CH" dirty="0"/>
+              <a:t>Combien ont pratiqué </a:t>
+            </a:r>
+            <a:r>
+              <a:rPr lang="fr-CH" dirty="0" err="1"/>
+              <a:t>NoSQL</a:t>
+            </a:r>
+            <a:r>
+              <a:rPr lang="fr-CH" dirty="0"/>
+              <a:t> ?</a:t>
+            </a:r>
+          </a:p>
+          <a:p>
+            <a:r>
+              <a:rPr lang="fr-CH" dirty="0"/>
+              <a:t>Qui a utilisé des DB clé-valeur ?</a:t>
+            </a:r>
+          </a:p>
+          <a:p>
+            <a:r>
+              <a:rPr lang="fr-CH" dirty="0"/>
+              <a:t>Qui a utilisé des DB colonnes ?</a:t>
+            </a:r>
+          </a:p>
+          <a:p>
+            <a:r>
+              <a:rPr lang="fr-CH" dirty="0"/>
+              <a:t>Qui a utilisé des DB documents ?</a:t>
+            </a:r>
+          </a:p>
+          <a:p>
+            <a:r>
+              <a:rPr lang="fr-CH" dirty="0"/>
+              <a:t>Qui a utilisé des DB graphe ?</a:t>
+            </a:r>
+          </a:p>
+          <a:p>
+            <a:r>
+              <a:rPr lang="fr-CH" dirty="0"/>
+              <a:t>Qui pense utiliser </a:t>
+            </a:r>
+            <a:r>
+              <a:rPr lang="fr-CH" dirty="0" err="1"/>
+              <a:t>noSql</a:t>
+            </a:r>
+            <a:r>
+              <a:rPr lang="fr-CH" dirty="0"/>
+              <a:t> dans les 2 prochaines années ?</a:t>
+            </a:r>
+          </a:p>
+          <a:p>
+            <a:pPr fontAlgn="auto">
+              <a:spcAft>
+                <a:spcPts val="0"/>
+              </a:spcAft>
+            </a:pPr>
+            <a:endParaRPr lang="fr-CH" dirty="0" smtClean="0"/>
+          </a:p>
+          <a:p>
+            <a:pPr fontAlgn="auto">
+              <a:spcAft>
+                <a:spcPts val="0"/>
+              </a:spcAft>
+            </a:pPr>
+            <a:endParaRPr lang="fr-CH" dirty="0" smtClean="0"/>
+          </a:p>
+        </p:txBody>
+      </p:sp>
+      <p:sp>
+        <p:nvSpPr>
+          <p:cNvPr id="4" name="Titre 1"/>
+          <p:cNvSpPr txBox="1">
+            <a:spLocks/>
+          </p:cNvSpPr>
+          <p:nvPr/>
+        </p:nvSpPr>
+        <p:spPr>
+          <a:xfrm>
+            <a:off x="457200" y="533400"/>
+            <a:ext cx="8229600" cy="990600"/>
+          </a:xfrm>
+          <a:prstGeom prst="rect">
+            <a:avLst/>
+          </a:prstGeom>
+        </p:spPr>
+        <p:txBody>
+          <a:bodyPr>
+            <a:normAutofit/>
+          </a:bodyPr>
+          <a:lstStyle>
+            <a:lvl1pPr algn="l" defTabSz="914400" rtl="0" eaLnBrk="1" latinLnBrk="0" hangingPunct="1">
+              <a:spcBef>
+                <a:spcPct val="0"/>
+              </a:spcBef>
+              <a:buNone/>
+              <a:defRPr sz="4000" kern="1200" spc="-100" baseline="0">
+                <a:solidFill>
+                  <a:schemeClr val="tx2"/>
+                </a:solidFill>
+                <a:latin typeface="+mj-lt"/>
+                <a:ea typeface="+mj-ea"/>
+                <a:cs typeface="+mj-cs"/>
+              </a:defRPr>
+            </a:lvl1pPr>
+          </a:lstStyle>
+          <a:p>
+            <a:pPr fontAlgn="auto">
+              <a:spcAft>
+                <a:spcPts val="0"/>
+              </a:spcAft>
+            </a:pPr>
+            <a:r>
+              <a:rPr lang="fr-CH" sz="3200" dirty="0" smtClean="0">
+                <a:latin typeface="HelveticaNeueLT Com 65 Md" panose="020B0604020202020204" pitchFamily="34" charset="0"/>
+              </a:rPr>
+              <a:t>About no SQL?</a:t>
+            </a:r>
+            <a:endParaRPr lang="fr-CH" dirty="0"/>
+          </a:p>
+        </p:txBody>
+      </p:sp>
+    </p:spTree>
+    <p:extLst>
+      <p:ext uri="{BB962C8B-B14F-4D97-AF65-F5344CB8AC3E}">
+        <p14:creationId xmlns:p14="http://schemas.microsoft.com/office/powerpoint/2010/main" val="1249488506"/>
+      </p:ext>
+    </p:extLst>
+  </p:cSld>
+  <p:clrMapOvr>
+    <a:masterClrMapping/>
+  </p:clrMapOvr>
+  <mc:AlternateContent xmlns:mc="http://schemas.openxmlformats.org/markup-compatibility/2006" xmlns:p14="http://schemas.microsoft.com/office/powerpoint/2010/main">
+    <mc:Choice Requires="p14">
+      <p:transition spd="slow" p14:dur="2000"/>
+    </mc:Choice>
+    <mc:Fallback xmlns="">
+      <p:transition spd="slow"/>
+    </mc:Fallback>
+  </mc:AlternateContent>
+  <p:timing>
+    <p:tnLst>
+      <p:par>
+        <p:cTn id="1" dur="indefinite" restart="never" nodeType="tmRoot"/>
+      </p:par>
+    </p:tnLst>
+  </p:timing>
+</p:sld>
+</file>
+
+<file path=ppt/slides/slide5.xml><?xml version="1.0" encoding="utf-8"?>
+<p:sld xmlns:a="http://schemas.openxmlformats.org/drawingml/2006/main" xmlns:r="http://schemas.openxmlformats.org/officeDocument/2006/relationships" xmlns:p="http://schemas.openxmlformats.org/presentationml/2006/main">
+  <p:cSld>
+    <p:spTree>
+      <p:nvGrpSpPr>
+        <p:cNvPr id="1" name=""/>
+        <p:cNvGrpSpPr/>
+        <p:nvPr/>
+      </p:nvGrpSpPr>
+      <p:grpSpPr>
+        <a:xfrm>
+          <a:off x="0" y="0"/>
+          <a:ext cx="0" cy="0"/>
+          <a:chOff x="0" y="0"/>
+          <a:chExt cx="0" cy="0"/>
+        </a:xfrm>
+      </p:grpSpPr>
       <p:sp>
         <p:nvSpPr>
           <p:cNvPr id="2" name="Titre 1"/>
@@ -10767,7 +11556,7 @@
 </p:sld>
 </file>
 
-<file path=ppt/slides/slide5.xml><?xml version="1.0" encoding="utf-8"?>
+<file path=ppt/slides/slide6.xml><?xml version="1.0" encoding="utf-8"?>
 <p:sld xmlns:a="http://schemas.openxmlformats.org/drawingml/2006/main" xmlns:r="http://schemas.openxmlformats.org/officeDocument/2006/relationships" xmlns:p="http://schemas.openxmlformats.org/presentationml/2006/main">
   <p:cSld>
     <p:spTree>
@@ -10970,209 +11759,6 @@
     <p:extLst>
       <p:ext uri="{BB962C8B-B14F-4D97-AF65-F5344CB8AC3E}">
         <p14:creationId xmlns:p14="http://schemas.microsoft.com/office/powerpoint/2010/main" val="748249221"/>
-      </p:ext>
-    </p:extLst>
-  </p:cSld>
-  <p:clrMapOvr>
-    <a:masterClrMapping/>
-  </p:clrMapOvr>
-  <mc:AlternateContent xmlns:mc="http://schemas.openxmlformats.org/markup-compatibility/2006" xmlns:p14="http://schemas.microsoft.com/office/powerpoint/2010/main">
-    <mc:Choice Requires="p14">
-      <p:transition spd="slow" p14:dur="2000"/>
-    </mc:Choice>
-    <mc:Fallback xmlns="">
-      <p:transition spd="slow"/>
-    </mc:Fallback>
-  </mc:AlternateContent>
-  <p:timing>
-    <p:tnLst>
-      <p:par>
-        <p:cTn id="1" dur="indefinite" restart="never" nodeType="tmRoot"/>
-      </p:par>
-    </p:tnLst>
-  </p:timing>
-</p:sld>
-</file>
-
-<file path=ppt/slides/slide6.xml><?xml version="1.0" encoding="utf-8"?>
-<p:sld xmlns:a="http://schemas.openxmlformats.org/drawingml/2006/main" xmlns:r="http://schemas.openxmlformats.org/officeDocument/2006/relationships" xmlns:p="http://schemas.openxmlformats.org/presentationml/2006/main">
-  <p:cSld>
-    <p:spTree>
-      <p:nvGrpSpPr>
-        <p:cNvPr id="1" name=""/>
-        <p:cNvGrpSpPr/>
-        <p:nvPr/>
-      </p:nvGrpSpPr>
-      <p:grpSpPr>
-        <a:xfrm>
-          <a:off x="0" y="0"/>
-          <a:ext cx="0" cy="0"/>
-          <a:chOff x="0" y="0"/>
-          <a:chExt cx="0" cy="0"/>
-        </a:xfrm>
-      </p:grpSpPr>
-      <p:sp>
-        <p:nvSpPr>
-          <p:cNvPr id="2" name="Titre 1"/>
-          <p:cNvSpPr>
-            <a:spLocks noGrp="1"/>
-          </p:cNvSpPr>
-          <p:nvPr>
-            <p:ph type="title"/>
-          </p:nvPr>
-        </p:nvSpPr>
-        <p:spPr/>
-        <p:txBody>
-          <a:bodyPr/>
-          <a:lstStyle/>
-          <a:p>
-            <a:r>
-              <a:rPr lang="fr-CH" altLang="fr-FR" sz="3200" dirty="0" smtClean="0">
-                <a:latin typeface="HelveticaNeueLT Com 65 Md" panose="020B0604020202020204" pitchFamily="34" charset="0"/>
-              </a:rPr>
-              <a:t>Clé / Valeur</a:t>
-            </a:r>
-            <a:endParaRPr lang="fr-CH" dirty="0"/>
-          </a:p>
-        </p:txBody>
-      </p:sp>
-      <p:sp>
-        <p:nvSpPr>
-          <p:cNvPr id="3" name="Espace réservé du contenu 2"/>
-          <p:cNvSpPr>
-            <a:spLocks noGrp="1"/>
-          </p:cNvSpPr>
-          <p:nvPr>
-            <p:ph idx="1"/>
-          </p:nvPr>
-        </p:nvSpPr>
-        <p:spPr/>
-        <p:txBody>
-          <a:bodyPr>
-            <a:normAutofit fontScale="92500"/>
-          </a:bodyPr>
-          <a:lstStyle/>
-          <a:p>
-            <a:r>
-              <a:rPr lang="fr-CH" dirty="0" smtClean="0"/>
-              <a:t>Chaque objet à une clé unique, seule manière de requêter</a:t>
-            </a:r>
-          </a:p>
-          <a:p>
-            <a:r>
-              <a:rPr lang="fr-CH" dirty="0" smtClean="0"/>
-              <a:t>Sorte de </a:t>
-            </a:r>
-            <a:r>
-              <a:rPr lang="fr-CH" dirty="0" err="1" smtClean="0"/>
-              <a:t>hashmap</a:t>
-            </a:r>
-            <a:r>
-              <a:rPr lang="fr-CH" dirty="0" smtClean="0"/>
-              <a:t> distribué</a:t>
-            </a:r>
-          </a:p>
-          <a:p>
-            <a:r>
-              <a:rPr lang="fr-CH" dirty="0" smtClean="0"/>
-              <a:t>Toute la logique est déportée du côté de l’application</a:t>
-            </a:r>
-          </a:p>
-          <a:p>
-            <a:endParaRPr lang="fr-CH" dirty="0"/>
-          </a:p>
-          <a:p>
-            <a:endParaRPr lang="fr-CH" dirty="0" smtClean="0"/>
-          </a:p>
-          <a:p>
-            <a:endParaRPr lang="fr-CH" dirty="0"/>
-          </a:p>
-          <a:p>
-            <a:endParaRPr lang="fr-CH" dirty="0" smtClean="0"/>
-          </a:p>
-          <a:p>
-            <a:endParaRPr lang="fr-CH" dirty="0"/>
-          </a:p>
-          <a:p>
-            <a:endParaRPr lang="fr-CH" dirty="0" smtClean="0"/>
-          </a:p>
-          <a:p>
-            <a:endParaRPr lang="fr-CH" dirty="0"/>
-          </a:p>
-          <a:p>
-            <a:endParaRPr lang="fr-CH" dirty="0" smtClean="0"/>
-          </a:p>
-          <a:p>
-            <a:r>
-              <a:rPr lang="fr-CH" dirty="0" smtClean="0"/>
-              <a:t>Voldemort, Redis, </a:t>
-            </a:r>
-            <a:r>
-              <a:rPr lang="fr-CH" dirty="0" err="1" smtClean="0"/>
-              <a:t>Riak</a:t>
-            </a:r>
-            <a:endParaRPr lang="fr-CH" dirty="0" smtClean="0"/>
-          </a:p>
-        </p:txBody>
-      </p:sp>
-      <p:pic>
-        <p:nvPicPr>
-          <p:cNvPr id="1026" name="Picture 2"/>
-          <p:cNvPicPr>
-            <a:picLocks noChangeAspect="1" noChangeArrowheads="1"/>
-          </p:cNvPicPr>
-          <p:nvPr/>
-        </p:nvPicPr>
-        <p:blipFill>
-          <a:blip r:embed="rId2">
-            <a:extLst>
-              <a:ext uri="{28A0092B-C50C-407E-A947-70E740481C1C}">
-                <a14:useLocalDpi xmlns:a14="http://schemas.microsoft.com/office/drawing/2010/main" val="0"/>
-              </a:ext>
-            </a:extLst>
-          </a:blip>
-          <a:srcRect/>
-          <a:stretch>
-            <a:fillRect/>
-          </a:stretch>
-        </p:blipFill>
-        <p:spPr bwMode="auto">
-          <a:xfrm>
-            <a:off x="1168499" y="2776658"/>
-            <a:ext cx="4029075" cy="1152525"/>
-          </a:xfrm>
-          <a:prstGeom prst="rect">
-            <a:avLst/>
-          </a:prstGeom>
-          <a:noFill/>
-          <a:ln>
-            <a:noFill/>
-          </a:ln>
-          <a:extLst>
-            <a:ext uri="{909E8E84-426E-40DD-AFC4-6F175D3DCCD1}">
-              <a14:hiddenFill xmlns:a14="http://schemas.microsoft.com/office/drawing/2010/main">
-                <a:solidFill>
-                  <a:schemeClr val="accent1"/>
-                </a:solidFill>
-              </a14:hiddenFill>
-            </a:ext>
-            <a:ext uri="{91240B29-F687-4F45-9708-019B960494DF}">
-              <a14:hiddenLine xmlns:a14="http://schemas.microsoft.com/office/drawing/2010/main" w="9525">
-                <a:solidFill>
-                  <a:schemeClr val="tx1"/>
-                </a:solidFill>
-                <a:miter lim="800000"/>
-                <a:headEnd/>
-                <a:tailEnd/>
-              </a14:hiddenLine>
-            </a:ext>
-          </a:extLst>
-        </p:spPr>
-      </p:pic>
-    </p:spTree>
-    <p:extLst>
-      <p:ext uri="{BB962C8B-B14F-4D97-AF65-F5344CB8AC3E}">
-        <p14:creationId xmlns:p14="http://schemas.microsoft.com/office/powerpoint/2010/main" val="539796911"/>
       </p:ext>
     </p:extLst>
   </p:cSld>
@@ -11233,7 +11819,7 @@
               <a:rPr lang="fr-CH" altLang="fr-FR" sz="3200" dirty="0" smtClean="0">
                 <a:latin typeface="HelveticaNeueLT Com 65 Md" panose="020B0604020202020204" pitchFamily="34" charset="0"/>
               </a:rPr>
-              <a:t>Colonnes</a:t>
+              <a:t>Clé / Valeur</a:t>
             </a:r>
             <a:endParaRPr lang="fr-CH" dirty="0"/>
           </a:p>
@@ -11252,28 +11838,37 @@
         <p:spPr/>
         <p:txBody>
           <a:bodyPr>
-            <a:normAutofit lnSpcReduction="10000"/>
+            <a:normAutofit fontScale="92500"/>
           </a:bodyPr>
           <a:lstStyle/>
           <a:p>
             <a:r>
               <a:rPr lang="fr-CH" dirty="0" smtClean="0"/>
-              <a:t>Données sous forme de lignes, nombre variable de colonnes </a:t>
+              <a:t>Chaque objet à une clé unique, seule manière de requêter</a:t>
             </a:r>
           </a:p>
           <a:p>
             <a:r>
               <a:rPr lang="fr-CH" dirty="0" smtClean="0"/>
-              <a:t>Adapté au stockages de listes (messages, </a:t>
+              <a:t>Sorte de </a:t>
             </a:r>
             <a:r>
               <a:rPr lang="fr-CH" dirty="0" err="1" smtClean="0"/>
-              <a:t>posts</a:t>
+              <a:t>hashmap</a:t>
             </a:r>
             <a:r>
               <a:rPr lang="fr-CH" dirty="0" smtClean="0"/>
-              <a:t>, …)</a:t>
-            </a:r>
+              <a:t> distribué</a:t>
+            </a:r>
+          </a:p>
+          <a:p>
+            <a:r>
+              <a:rPr lang="fr-CH" dirty="0" smtClean="0"/>
+              <a:t>Toute la logique est déportée du côté de l’application</a:t>
+            </a:r>
+          </a:p>
+          <a:p>
+            <a:endParaRPr lang="fr-CH" dirty="0"/>
           </a:p>
           <a:p>
             <a:endParaRPr lang="fr-CH" dirty="0" smtClean="0"/>
@@ -11297,31 +11892,21 @@
             <a:endParaRPr lang="fr-CH" dirty="0" smtClean="0"/>
           </a:p>
           <a:p>
-            <a:endParaRPr lang="fr-CH" dirty="0"/>
-          </a:p>
-          <a:p>
+            <a:r>
+              <a:rPr lang="fr-CH" dirty="0" smtClean="0"/>
+              <a:t>Voldemort, Redis, </a:t>
+            </a:r>
             <a:r>
               <a:rPr lang="fr-CH" dirty="0" err="1" smtClean="0"/>
-              <a:t>Hbase</a:t>
-            </a:r>
-            <a:r>
-              <a:rPr lang="fr-CH" dirty="0" smtClean="0"/>
-              <a:t>, Cassandra, </a:t>
-            </a:r>
-            <a:r>
-              <a:rPr lang="fr-CH" dirty="0" err="1" smtClean="0"/>
-              <a:t>Hypertable</a:t>
+              <a:t>Riak</a:t>
             </a:r>
             <a:endParaRPr lang="fr-CH" dirty="0" smtClean="0"/>
-          </a:p>
-          <a:p>
-            <a:endParaRPr lang="fr-CH" dirty="0"/>
           </a:p>
         </p:txBody>
       </p:sp>
       <p:pic>
         <p:nvPicPr>
-          <p:cNvPr id="2050" name="Picture 2"/>
+          <p:cNvPr id="1026" name="Picture 2"/>
           <p:cNvPicPr>
             <a:picLocks noChangeAspect="1" noChangeArrowheads="1"/>
           </p:cNvPicPr>
@@ -11342,8 +11927,8 @@
         </p:blipFill>
         <p:spPr bwMode="auto">
           <a:xfrm>
-            <a:off x="1319513" y="2856952"/>
-            <a:ext cx="3954503" cy="2676138"/>
+            <a:off x="1168499" y="2776658"/>
+            <a:ext cx="4029075" cy="1152525"/>
           </a:xfrm>
           <a:prstGeom prst="rect">
             <a:avLst/>
@@ -11437,7 +12022,7 @@
               <a:rPr lang="fr-CH" altLang="fr-FR" sz="3200" dirty="0" smtClean="0">
                 <a:latin typeface="HelveticaNeueLT Com 65 Md" panose="020B0604020202020204" pitchFamily="34" charset="0"/>
               </a:rPr>
-              <a:t>Documents</a:t>
+              <a:t>Colonnes</a:t>
             </a:r>
             <a:endParaRPr lang="fr-CH" dirty="0"/>
           </a:p>
@@ -11456,13 +12041,27 @@
         <p:spPr/>
         <p:txBody>
           <a:bodyPr>
-            <a:normAutofit/>
+            <a:normAutofit lnSpcReduction="10000"/>
           </a:bodyPr>
           <a:lstStyle/>
           <a:p>
             <a:r>
               <a:rPr lang="fr-CH" dirty="0" smtClean="0"/>
-              <a:t>Gestion de collections de documents (XML, JSON, …)</a:t>
+              <a:t>Données sous forme de lignes, nombre variable de colonnes </a:t>
+            </a:r>
+          </a:p>
+          <a:p>
+            <a:r>
+              <a:rPr lang="fr-CH" dirty="0" smtClean="0"/>
+              <a:t>Adapté au stockages de listes (messages, </a:t>
+            </a:r>
+            <a:r>
+              <a:rPr lang="fr-CH" dirty="0" err="1" smtClean="0"/>
+              <a:t>posts</a:t>
+            </a:r>
+            <a:r>
+              <a:rPr lang="fr-CH" dirty="0" smtClean="0"/>
+              <a:t>, …)</a:t>
             </a:r>
           </a:p>
           <a:p>
@@ -11490,36 +12089,28 @@
             <a:endParaRPr lang="fr-CH" dirty="0"/>
           </a:p>
           <a:p>
-            <a:endParaRPr lang="fr-CH" dirty="0"/>
-          </a:p>
-          <a:p>
             <a:r>
               <a:rPr lang="fr-CH" dirty="0" err="1" smtClean="0"/>
-              <a:t>MongoDB</a:t>
+              <a:t>Hbase</a:t>
             </a:r>
             <a:r>
               <a:rPr lang="fr-CH" dirty="0" smtClean="0"/>
-              <a:t>, </a:t>
+              <a:t>, Cassandra, </a:t>
             </a:r>
             <a:r>
               <a:rPr lang="fr-CH" dirty="0" err="1" smtClean="0"/>
-              <a:t>CouchDB</a:t>
-            </a:r>
-            <a:r>
-              <a:rPr lang="fr-CH" dirty="0" smtClean="0"/>
-              <a:t>, </a:t>
-            </a:r>
-            <a:r>
-              <a:rPr lang="fr-CH" dirty="0" err="1" smtClean="0"/>
-              <a:t>Couchbase</a:t>
-            </a:r>
+              <a:t>Hypertable</a:t>
+            </a:r>
+            <a:endParaRPr lang="fr-CH" dirty="0" smtClean="0"/>
+          </a:p>
+          <a:p>
             <a:endParaRPr lang="fr-CH" dirty="0"/>
           </a:p>
         </p:txBody>
       </p:sp>
       <p:pic>
         <p:nvPicPr>
-          <p:cNvPr id="3074" name="Picture 2"/>
+          <p:cNvPr id="2050" name="Picture 2"/>
           <p:cNvPicPr>
             <a:picLocks noChangeAspect="1" noChangeArrowheads="1"/>
           </p:cNvPicPr>
@@ -11540,8 +12131,8 @@
         </p:blipFill>
         <p:spPr bwMode="auto">
           <a:xfrm>
-            <a:off x="1354238" y="2228222"/>
-            <a:ext cx="4505868" cy="2556574"/>
+            <a:off x="1319513" y="2856952"/>
+            <a:ext cx="3954503" cy="2676138"/>
           </a:xfrm>
           <a:prstGeom prst="rect">
             <a:avLst/>
@@ -11635,7 +12226,7 @@
               <a:rPr lang="fr-CH" altLang="fr-FR" sz="3200" dirty="0" smtClean="0">
                 <a:latin typeface="HelveticaNeueLT Com 65 Md" panose="020B0604020202020204" pitchFamily="34" charset="0"/>
               </a:rPr>
-              <a:t>Graphes</a:t>
+              <a:t>Documents</a:t>
             </a:r>
             <a:endParaRPr lang="fr-CH" dirty="0"/>
           </a:p>
@@ -11654,14 +12245,17 @@
         <p:spPr/>
         <p:txBody>
           <a:bodyPr>
-            <a:normAutofit lnSpcReduction="10000"/>
+            <a:normAutofit/>
           </a:bodyPr>
           <a:lstStyle/>
           <a:p>
             <a:r>
               <a:rPr lang="fr-CH" dirty="0" smtClean="0"/>
-              <a:t>Gestion de relations multiples entre les objets (réseaux, …)</a:t>
-            </a:r>
+              <a:t>Gestion de collections de documents (XML, JSON, …)</a:t>
+            </a:r>
+          </a:p>
+          <a:p>
+            <a:endParaRPr lang="fr-CH" dirty="0" smtClean="0"/>
           </a:p>
           <a:p>
             <a:endParaRPr lang="fr-CH" dirty="0"/>
@@ -11685,19 +12279,28 @@
             <a:endParaRPr lang="fr-CH" dirty="0"/>
           </a:p>
           <a:p>
-            <a:endParaRPr lang="fr-CH" dirty="0" smtClean="0"/>
-          </a:p>
-          <a:p>
             <a:endParaRPr lang="fr-CH" dirty="0"/>
           </a:p>
           <a:p>
             <a:r>
+              <a:rPr lang="fr-CH" dirty="0" err="1" smtClean="0"/>
+              <a:t>MongoDB</a:t>
+            </a:r>
+            <a:r>
               <a:rPr lang="fr-CH" dirty="0" smtClean="0"/>
-              <a:t>Neo4j, </a:t>
+              <a:t>, </a:t>
             </a:r>
             <a:r>
               <a:rPr lang="fr-CH" dirty="0" err="1" smtClean="0"/>
-              <a:t>OrientDB</a:t>
+              <a:t>CouchDB</a:t>
+            </a:r>
+            <a:r>
+              <a:rPr lang="fr-CH" dirty="0" smtClean="0"/>
+              <a:t>, </a:t>
+            </a:r>
+            <a:r>
+              <a:rPr lang="fr-CH" dirty="0" err="1" smtClean="0"/>
+              <a:t>Couchbase</a:t>
             </a:r>
             <a:endParaRPr lang="fr-CH" dirty="0"/>
           </a:p>
@@ -11705,7 +12308,7 @@
       </p:sp>
       <p:pic>
         <p:nvPicPr>
-          <p:cNvPr id="4098" name="Picture 2"/>
+          <p:cNvPr id="3074" name="Picture 2"/>
           <p:cNvPicPr>
             <a:picLocks noChangeAspect="1" noChangeArrowheads="1"/>
           </p:cNvPicPr>
@@ -11726,62 +12329,8 @@
         </p:blipFill>
         <p:spPr bwMode="auto">
           <a:xfrm>
-            <a:off x="791207" y="2747474"/>
-            <a:ext cx="2777694" cy="2639174"/>
-          </a:xfrm>
-          <a:prstGeom prst="rect">
-            <a:avLst/>
-          </a:prstGeom>
-          <a:noFill/>
-          <a:ln>
-            <a:noFill/>
-          </a:ln>
-          <a:extLst>
-            <a:ext uri="{909E8E84-426E-40DD-AFC4-6F175D3DCCD1}">
-              <a14:hiddenFill xmlns:a14="http://schemas.microsoft.com/office/drawing/2010/main">
-                <a:solidFill>
-                  <a:schemeClr val="accent1"/>
-                </a:solidFill>
-              </a14:hiddenFill>
-            </a:ext>
-            <a:ext uri="{91240B29-F687-4F45-9708-019B960494DF}">
-              <a14:hiddenLine xmlns:a14="http://schemas.microsoft.com/office/drawing/2010/main" w="9525">
-                <a:solidFill>
-                  <a:schemeClr val="tx1"/>
-                </a:solidFill>
-                <a:miter lim="800000"/>
-                <a:headEnd/>
-                <a:tailEnd/>
-              </a14:hiddenLine>
-            </a:ext>
-          </a:extLst>
-        </p:spPr>
-      </p:pic>
-      <p:pic>
-        <p:nvPicPr>
-          <p:cNvPr id="5" name="Picture 2"/>
-          <p:cNvPicPr>
-            <a:picLocks noChangeAspect="1" noChangeArrowheads="1"/>
-          </p:cNvPicPr>
-          <p:nvPr/>
-        </p:nvPicPr>
-        <p:blipFill>
-          <a:blip r:embed="rId3">
-            <a:extLst>
-              <a:ext uri="{28A0092B-C50C-407E-A947-70E740481C1C}">
-                <a14:useLocalDpi xmlns:a14="http://schemas.microsoft.com/office/drawing/2010/main" val="0"/>
-              </a:ext>
-            </a:extLst>
-          </a:blip>
-          <a:srcRect/>
-          <a:stretch>
-            <a:fillRect/>
-          </a:stretch>
-        </p:blipFill>
-        <p:spPr bwMode="auto">
-          <a:xfrm>
-            <a:off x="4062414" y="2943304"/>
-            <a:ext cx="4599832" cy="2247513"/>
+            <a:off x="1354238" y="2228222"/>
+            <a:ext cx="4505868" cy="2556574"/>
           </a:xfrm>
           <a:prstGeom prst="rect">
             <a:avLst/>
